--- a/03 Presentación.pptx
+++ b/03 Presentación.pptx
@@ -107,6 +107,11 @@
       </a:defRPr>
     </a:lvl9pPr>
   </p:defaultTextStyle>
+  <p:extLst>
+    <p:ext uri="{EFAFB233-063F-42B5-8137-9DF3F51BA10A}">
+      <p15:sldGuideLst xmlns:p15="http://schemas.microsoft.com/office/powerpoint/2012/main"/>
+    </p:ext>
+  </p:extLst>
 </p:presentation>
 </file>
 
@@ -3486,7 +3491,7 @@
         <p:spPr/>
         <p:txBody>
           <a:bodyPr>
-            <a:normAutofit lnSpcReduction="10000"/>
+            <a:normAutofit fontScale="85000" lnSpcReduction="20000"/>
           </a:bodyPr>
           <a:lstStyle/>
           <a:p>
@@ -3562,21 +3567,30 @@
           <a:p>
             <a:r>
               <a:rPr lang="es-ES" dirty="0"/>
-              <a:t>1.3	</a:t>
-            </a:r>
-            <a:r>
-              <a:rPr lang="es-ES" dirty="0">
-                <a:highlight>
-                  <a:srgbClr val="FFFF00"/>
-                </a:highlight>
-              </a:rPr>
               <a:t>Inclusión de Diversas Perspectivas</a:t>
             </a:r>
-            <a:endParaRPr lang="es-EC" dirty="0">
-              <a:highlight>
-                <a:srgbClr val="FFFF00"/>
-              </a:highlight>
-            </a:endParaRPr>
+          </a:p>
+          <a:p>
+            <a:pPr lvl="1"/>
+            <a:r>
+              <a:rPr lang="en-US" dirty="0"/>
+              <a:t>Computing Competencies for Undergraduate Data Science Curricula ACM Data Science Task Force – 2021</a:t>
+            </a:r>
+          </a:p>
+          <a:p>
+            <a:pPr lvl="1"/>
+            <a:r>
+              <a:rPr lang="es-EC" dirty="0"/>
+              <a:t>Computer Science </a:t>
+            </a:r>
+            <a:r>
+              <a:rPr lang="es-EC" dirty="0" err="1"/>
+              <a:t>Curricula</a:t>
+            </a:r>
+            <a:r>
+              <a:rPr lang="es-EC" dirty="0"/>
+              <a:t> 2023</a:t>
+            </a:r>
           </a:p>
         </p:txBody>
       </p:sp>

--- a/03 Presentación.pptx
+++ b/03 Presentación.pptx
@@ -9,6 +9,7 @@
     <p:sldId id="257" r:id="rId3"/>
     <p:sldId id="258" r:id="rId4"/>
     <p:sldId id="259" r:id="rId5"/>
+    <p:sldId id="260" r:id="rId6"/>
   </p:sldIdLst>
   <p:sldSz cx="12192000" cy="6858000"/>
   <p:notesSz cx="6858000" cy="9144000"/>
@@ -3574,7 +3575,7 @@
             <a:pPr lvl="1"/>
             <a:r>
               <a:rPr lang="en-US" dirty="0"/>
-              <a:t>Computing Competencies for Undergraduate Data Science Curricula ACM Data Science Task Force – 2021</a:t>
+              <a:t>Computing Competencies for Undergraduate Data Science Curricula ACM Data Science Task Force – 2021 (ACM, 2021)</a:t>
             </a:r>
           </a:p>
           <a:p>
@@ -3589,7 +3590,15 @@
             </a:r>
             <a:r>
               <a:rPr lang="es-EC" dirty="0"/>
-              <a:t> 2023</a:t>
+              <a:t> 2023 (</a:t>
+            </a:r>
+            <a:r>
+              <a:rPr lang="es-EC" dirty="0" err="1"/>
+              <a:t>Amruth</a:t>
+            </a:r>
+            <a:r>
+              <a:rPr lang="es-EC" dirty="0"/>
+              <a:t> N. Kumar, 2024)</a:t>
             </a:r>
           </a:p>
         </p:txBody>
@@ -3826,6 +3835,247 @@
     <p:extLst>
       <p:ext uri="{BB962C8B-B14F-4D97-AF65-F5344CB8AC3E}">
         <p14:creationId xmlns:p14="http://schemas.microsoft.com/office/powerpoint/2010/main" val="2691595752"/>
+      </p:ext>
+    </p:extLst>
+  </p:cSld>
+  <p:clrMapOvr>
+    <a:masterClrMapping/>
+  </p:clrMapOvr>
+</p:sld>
+</file>
+
+<file path=ppt/slides/slide5.xml><?xml version="1.0" encoding="utf-8"?>
+<p:sld xmlns:a="http://schemas.openxmlformats.org/drawingml/2006/main" xmlns:r="http://schemas.openxmlformats.org/officeDocument/2006/relationships" xmlns:p="http://schemas.openxmlformats.org/presentationml/2006/main">
+  <p:cSld>
+    <p:spTree>
+      <p:nvGrpSpPr>
+        <p:cNvPr id="1" name=""/>
+        <p:cNvGrpSpPr/>
+        <p:nvPr/>
+      </p:nvGrpSpPr>
+      <p:grpSpPr>
+        <a:xfrm>
+          <a:off x="0" y="0"/>
+          <a:ext cx="0" cy="0"/>
+          <a:chOff x="0" y="0"/>
+          <a:chExt cx="0" cy="0"/>
+        </a:xfrm>
+      </p:grpSpPr>
+      <p:sp>
+        <p:nvSpPr>
+          <p:cNvPr id="2" name="Título 1">
+            <a:extLst>
+              <a:ext uri="{FF2B5EF4-FFF2-40B4-BE49-F238E27FC236}">
+                <a16:creationId xmlns:a16="http://schemas.microsoft.com/office/drawing/2014/main" id="{6A6926A6-8B66-05B3-E08C-FB011589E149}"/>
+              </a:ext>
+            </a:extLst>
+          </p:cNvPr>
+          <p:cNvSpPr>
+            <a:spLocks noGrp="1"/>
+          </p:cNvSpPr>
+          <p:nvPr>
+            <p:ph type="title"/>
+          </p:nvPr>
+        </p:nvSpPr>
+        <p:spPr/>
+        <p:txBody>
+          <a:bodyPr/>
+          <a:lstStyle/>
+          <a:p>
+            <a:r>
+              <a:rPr lang="es-EC" dirty="0"/>
+              <a:t>Referencias</a:t>
+            </a:r>
+          </a:p>
+        </p:txBody>
+      </p:sp>
+      <p:sp>
+        <p:nvSpPr>
+          <p:cNvPr id="3" name="Marcador de contenido 2">
+            <a:extLst>
+              <a:ext uri="{FF2B5EF4-FFF2-40B4-BE49-F238E27FC236}">
+                <a16:creationId xmlns:a16="http://schemas.microsoft.com/office/drawing/2014/main" id="{0B0B3DD6-8B0D-AEFB-F2E9-61949012AEA3}"/>
+              </a:ext>
+            </a:extLst>
+          </p:cNvPr>
+          <p:cNvSpPr>
+            <a:spLocks noGrp="1"/>
+          </p:cNvSpPr>
+          <p:nvPr>
+            <p:ph idx="1"/>
+          </p:nvPr>
+        </p:nvSpPr>
+        <p:spPr/>
+        <p:txBody>
+          <a:bodyPr/>
+          <a:lstStyle/>
+          <a:p>
+            <a:r>
+              <a:rPr lang="en-US" dirty="0"/>
+              <a:t>ACM Data Science Task Force. 2021. Computing competencies for undergraduate data science curricula. Association for Computing Machinery, New York, NY, USA.</a:t>
+            </a:r>
+            <a:endParaRPr lang="es-EC" dirty="0"/>
+          </a:p>
+          <a:p>
+            <a:r>
+              <a:rPr lang="es-EC" dirty="0" err="1"/>
+              <a:t>Amruth</a:t>
+            </a:r>
+            <a:r>
+              <a:rPr lang="es-EC" dirty="0"/>
+              <a:t> N. Kumar, Rajendra K. Raj, Sherif G. </a:t>
+            </a:r>
+            <a:r>
+              <a:rPr lang="es-EC" dirty="0" err="1"/>
+              <a:t>Aly</a:t>
+            </a:r>
+            <a:r>
+              <a:rPr lang="es-EC" dirty="0"/>
+              <a:t>, </a:t>
+            </a:r>
+            <a:r>
+              <a:rPr lang="es-EC" dirty="0" err="1"/>
+              <a:t>Monica</a:t>
+            </a:r>
+            <a:r>
+              <a:rPr lang="es-EC" dirty="0"/>
+              <a:t> D. Anderson, Brett A. Becker, Richard L. Blumenthal, Eric Eaton, Susan L. Epstein, Michael </a:t>
+            </a:r>
+            <a:r>
+              <a:rPr lang="es-EC" dirty="0" err="1"/>
+              <a:t>Goldweber</a:t>
+            </a:r>
+            <a:r>
+              <a:rPr lang="es-EC" dirty="0"/>
+              <a:t>, Pankaj </a:t>
+            </a:r>
+            <a:r>
+              <a:rPr lang="es-EC" dirty="0" err="1"/>
+              <a:t>Jalote</a:t>
+            </a:r>
+            <a:r>
+              <a:rPr lang="es-EC" dirty="0"/>
+              <a:t>, Douglas Lea, Michael </a:t>
+            </a:r>
+            <a:r>
+              <a:rPr lang="es-EC" dirty="0" err="1"/>
+              <a:t>Oudshoorn</a:t>
+            </a:r>
+            <a:r>
+              <a:rPr lang="es-EC" dirty="0"/>
+              <a:t>, Marcelo </a:t>
+            </a:r>
+            <a:r>
+              <a:rPr lang="es-EC" dirty="0" err="1"/>
+              <a:t>Pias</a:t>
+            </a:r>
+            <a:r>
+              <a:rPr lang="es-EC" dirty="0"/>
+              <a:t>, Susan </a:t>
+            </a:r>
+            <a:r>
+              <a:rPr lang="es-EC" dirty="0" err="1"/>
+              <a:t>Reiser</a:t>
+            </a:r>
+            <a:r>
+              <a:rPr lang="es-EC" dirty="0"/>
+              <a:t>, Christian </a:t>
+            </a:r>
+            <a:r>
+              <a:rPr lang="es-EC" dirty="0" err="1"/>
+              <a:t>Servin</a:t>
+            </a:r>
+            <a:r>
+              <a:rPr lang="es-EC" dirty="0"/>
+              <a:t>, </a:t>
+            </a:r>
+            <a:r>
+              <a:rPr lang="es-EC" dirty="0" err="1"/>
+              <a:t>Rahul</a:t>
+            </a:r>
+            <a:r>
+              <a:rPr lang="es-EC" dirty="0"/>
+              <a:t> </a:t>
+            </a:r>
+            <a:r>
+              <a:rPr lang="es-EC" dirty="0" err="1"/>
+              <a:t>Simha</a:t>
+            </a:r>
+            <a:r>
+              <a:rPr lang="es-EC" dirty="0"/>
+              <a:t>, </a:t>
+            </a:r>
+            <a:r>
+              <a:rPr lang="es-EC" dirty="0" err="1"/>
+              <a:t>Titus</a:t>
+            </a:r>
+            <a:r>
+              <a:rPr lang="es-EC" dirty="0"/>
+              <a:t> </a:t>
+            </a:r>
+            <a:r>
+              <a:rPr lang="es-EC" dirty="0" err="1"/>
+              <a:t>Winters</a:t>
+            </a:r>
+            <a:r>
+              <a:rPr lang="es-EC" dirty="0"/>
+              <a:t>, and </a:t>
+            </a:r>
+            <a:r>
+              <a:rPr lang="es-EC" dirty="0" err="1"/>
+              <a:t>Qiao</a:t>
+            </a:r>
+            <a:r>
+              <a:rPr lang="es-EC" dirty="0"/>
+              <a:t> </a:t>
+            </a:r>
+            <a:r>
+              <a:rPr lang="es-EC" dirty="0" err="1"/>
+              <a:t>Xiang</a:t>
+            </a:r>
+            <a:r>
+              <a:rPr lang="es-EC" dirty="0"/>
+              <a:t>. 2024. Computer Science </a:t>
+            </a:r>
+            <a:r>
+              <a:rPr lang="es-EC" dirty="0" err="1"/>
+              <a:t>Curricula</a:t>
+            </a:r>
+            <a:r>
+              <a:rPr lang="es-EC" dirty="0"/>
+              <a:t> 2023. </a:t>
+            </a:r>
+            <a:r>
+              <a:rPr lang="es-EC" dirty="0" err="1"/>
+              <a:t>Association</a:t>
+            </a:r>
+            <a:r>
+              <a:rPr lang="es-EC" dirty="0"/>
+              <a:t> </a:t>
+            </a:r>
+            <a:r>
+              <a:rPr lang="es-EC" dirty="0" err="1"/>
+              <a:t>for</a:t>
+            </a:r>
+            <a:r>
+              <a:rPr lang="es-EC" dirty="0"/>
+              <a:t> Computing </a:t>
+            </a:r>
+            <a:r>
+              <a:rPr lang="es-EC" dirty="0" err="1"/>
+              <a:t>Machinery</a:t>
+            </a:r>
+            <a:r>
+              <a:rPr lang="es-EC" dirty="0"/>
+              <a:t>, New York, NY, USA.</a:t>
+            </a:r>
+          </a:p>
+        </p:txBody>
+      </p:sp>
+    </p:spTree>
+    <p:extLst>
+      <p:ext uri="{BB962C8B-B14F-4D97-AF65-F5344CB8AC3E}">
+        <p14:creationId xmlns:p14="http://schemas.microsoft.com/office/powerpoint/2010/main" val="76606081"/>
       </p:ext>
     </p:extLst>
   </p:cSld>

--- a/03 Presentación.pptx
+++ b/03 Presentación.pptx
@@ -3468,7 +3468,7 @@
           <a:p>
             <a:r>
               <a:rPr lang="es-EC" dirty="0"/>
-              <a:t>Fundamentación Epistemológica</a:t>
+              <a:t>1. Fundamentación Epistemológica</a:t>
             </a:r>
           </a:p>
         </p:txBody>
@@ -3492,19 +3492,14 @@
         <p:spPr/>
         <p:txBody>
           <a:bodyPr>
-            <a:normAutofit fontScale="85000" lnSpcReduction="20000"/>
+            <a:normAutofit fontScale="92500" lnSpcReduction="20000"/>
           </a:bodyPr>
           <a:lstStyle/>
           <a:p>
-            <a:pPr marL="0" indent="0">
-              <a:buNone/>
+            <a:pPr marL="514350" indent="-514350">
+              <a:buFont typeface="+mj-lt"/>
+              <a:buAutoNum type="arabicPeriod"/>
             </a:pPr>
-            <a:r>
-              <a:rPr lang="es-ES" dirty="0"/>
-              <a:t>Las bases fundamentales del conocimiento de la carrera</a:t>
-            </a:r>
-          </a:p>
-          <a:p>
             <a:r>
               <a:rPr lang="es-ES" dirty="0"/>
               <a:t>Bases interdisciplinarias</a:t>
@@ -3532,6 +3527,10 @@
             </a:r>
           </a:p>
           <a:p>
+            <a:pPr marL="514350" indent="-514350">
+              <a:buFont typeface="+mj-lt"/>
+              <a:buAutoNum type="arabicPeriod"/>
+            </a:pPr>
             <a:r>
               <a:rPr lang="es-EC" dirty="0"/>
               <a:t>Metodologías de aprendizaje activo</a:t>
@@ -3566,6 +3565,10 @@
             </a:r>
           </a:p>
           <a:p>
+            <a:pPr marL="514350" indent="-514350">
+              <a:buFont typeface="+mj-lt"/>
+              <a:buAutoNum type="arabicPeriod"/>
+            </a:pPr>
             <a:r>
               <a:rPr lang="es-ES" dirty="0"/>
               <a:t>Inclusión de Diversas Perspectivas</a:t>
@@ -3656,7 +3659,7 @@
           <a:p>
             <a:r>
               <a:rPr lang="es-ES" dirty="0"/>
-              <a:t>Pertinencia de la Carrera</a:t>
+              <a:t>2. Pertinencia de la Carrera</a:t>
             </a:r>
             <a:endParaRPr lang="es-EC" dirty="0"/>
           </a:p>
@@ -3683,28 +3686,44 @@
           <a:bodyPr/>
           <a:lstStyle/>
           <a:p>
+            <a:pPr marL="514350" indent="-514350">
+              <a:buFont typeface="+mj-lt"/>
+              <a:buAutoNum type="arabicPeriod"/>
+            </a:pPr>
             <a:r>
               <a:rPr lang="es-ES" dirty="0"/>
-              <a:t>Cómo esas bases responden a las necesidades locales y globales</a:t>
-            </a:r>
-          </a:p>
-          <a:p>
+              <a:t>Respuesta a las Necesidades Nacionales </a:t>
+            </a:r>
+          </a:p>
+          <a:p>
+            <a:pPr lvl="1"/>
             <a:r>
               <a:rPr lang="es-ES" dirty="0"/>
-              <a:t>2.1	Respuesta a las Necesidades Nacionales </a:t>
-            </a:r>
-          </a:p>
-          <a:p>
+              <a:t>Objetivo 9: Construir infraestructuras resilientes, promover la industrialización sostenible y fomentar la innovación</a:t>
+            </a:r>
+          </a:p>
+          <a:p>
+            <a:pPr lvl="1"/>
             <a:r>
               <a:rPr lang="es-ES" dirty="0"/>
-              <a:t>2.2	Respuesta a Necesidades Globales </a:t>
-            </a:r>
-          </a:p>
-          <a:p>
+              <a:t>Objetivo 11: Lograr que las ciudades sean más inclusivas, seguras, resilientes y sostenibles</a:t>
+            </a:r>
+          </a:p>
+          <a:p>
+            <a:pPr marL="514350" indent="-514350">
+              <a:buFont typeface="+mj-lt"/>
+              <a:buAutoNum type="arabicPeriod"/>
+            </a:pPr>
             <a:r>
               <a:rPr lang="es-ES" dirty="0"/>
-              <a:t>2.3	</a:t>
-            </a:r>
+              <a:t>Respuesta a Necesidades Globales </a:t>
+            </a:r>
+          </a:p>
+          <a:p>
+            <a:pPr marL="514350" indent="-514350">
+              <a:buFont typeface="+mj-lt"/>
+              <a:buAutoNum type="arabicPeriod"/>
+            </a:pPr>
             <a:r>
               <a:rPr lang="es-ES" dirty="0">
                 <a:highlight>
@@ -3774,7 +3793,7 @@
           <a:p>
             <a:r>
               <a:rPr lang="es-ES" dirty="0"/>
-              <a:t>Proyección Futura y Tendencias</a:t>
+              <a:t>3. Proyección Futura y Tendencias</a:t>
             </a:r>
             <a:endParaRPr lang="es-EC" dirty="0"/>
           </a:p>
@@ -3807,23 +3826,31 @@
             </a:r>
           </a:p>
           <a:p>
+            <a:pPr marL="514350" indent="-514350">
+              <a:buFont typeface="+mj-lt"/>
+              <a:buAutoNum type="arabicPeriod"/>
+            </a:pPr>
             <a:r>
               <a:rPr lang="es-ES" dirty="0">
                 <a:highlight>
                   <a:srgbClr val="FFFF00"/>
                 </a:highlight>
               </a:rPr>
-              <a:t>3.1	Alineación con Tendencias Globales</a:t>
-            </a:r>
-          </a:p>
-          <a:p>
+              <a:t>Alineación con Tendencias Globales</a:t>
+            </a:r>
+          </a:p>
+          <a:p>
+            <a:pPr marL="514350" indent="-514350">
+              <a:buFont typeface="+mj-lt"/>
+              <a:buAutoNum type="arabicPeriod"/>
+            </a:pPr>
             <a:r>
               <a:rPr lang="es-EC" dirty="0">
                 <a:highlight>
                   <a:srgbClr val="FFFF00"/>
                 </a:highlight>
               </a:rPr>
-              <a:t>3.2   Vinculación con Estudios Prospectivos </a:t>
+              <a:t>Vinculación con Estudios Prospectivos </a:t>
             </a:r>
           </a:p>
           <a:p>

--- a/03 Presentación.pptx
+++ b/03 Presentación.pptx
@@ -3683,7 +3683,9 @@
         </p:nvSpPr>
         <p:spPr/>
         <p:txBody>
-          <a:bodyPr/>
+          <a:bodyPr>
+            <a:normAutofit fontScale="92500" lnSpcReduction="10000"/>
+          </a:bodyPr>
           <a:lstStyle/>
           <a:p>
             <a:pPr marL="514350" indent="-514350">
@@ -3692,21 +3694,18 @@
             </a:pPr>
             <a:r>
               <a:rPr lang="es-ES" dirty="0"/>
-              <a:t>Respuesta a las Necesidades Nacionales </a:t>
+              <a:t>Respuesta a las Necesidades Nacionales (Planificación , 2024)</a:t>
             </a:r>
           </a:p>
           <a:p>
             <a:pPr lvl="1"/>
             <a:r>
+              <a:rPr lang="es-ES" b="1" dirty="0"/>
+              <a:t>Política 2.4: </a:t>
+            </a:r>
+            <a:r>
               <a:rPr lang="es-ES" dirty="0"/>
-              <a:t>Objetivo 9: Construir infraestructuras resilientes, promover la industrialización sostenible y fomentar la innovación</a:t>
-            </a:r>
-          </a:p>
-          <a:p>
-            <a:pPr lvl="1"/>
-            <a:r>
-              <a:rPr lang="es-ES" dirty="0"/>
-              <a:t>Objetivo 11: Lograr que las ciudades sean más inclusivas, seguras, resilientes y sostenibles</a:t>
+              <a:t>Desarrollar el sistema de educación superior a través de nuevas modalidades de estudio, carreras y profundización de la educación técnica tecnológica como mecanismo para la profesionalización de la población, en el Plan de Desarrollo para el Nuevo Ecuador 2024-2025</a:t>
             </a:r>
           </a:p>
           <a:p>
@@ -3716,7 +3715,29 @@
             </a:pPr>
             <a:r>
               <a:rPr lang="es-ES" dirty="0"/>
-              <a:t>Respuesta a Necesidades Globales </a:t>
+              <a:t>Respuesta a Necesidades Globales (ONU, 2024)</a:t>
+            </a:r>
+          </a:p>
+          <a:p>
+            <a:pPr lvl="1"/>
+            <a:r>
+              <a:rPr lang="es-ES" b="1" dirty="0"/>
+              <a:t>Objetivo 9</a:t>
+            </a:r>
+            <a:r>
+              <a:rPr lang="es-ES" dirty="0"/>
+              <a:t>: Construir infraestructuras resilientes, promover la industrialización sostenible y fomentar la innovación</a:t>
+            </a:r>
+          </a:p>
+          <a:p>
+            <a:pPr lvl="1"/>
+            <a:r>
+              <a:rPr lang="es-ES" b="1" dirty="0"/>
+              <a:t>Objetivo 11</a:t>
+            </a:r>
+            <a:r>
+              <a:rPr lang="es-ES" dirty="0"/>
+              <a:t>: Lograr que las ciudades sean más inclusivas, seguras, resilientes y sostenibles</a:t>
             </a:r>
           </a:p>
           <a:p>
@@ -3731,6 +3752,33 @@
                 </a:highlight>
               </a:rPr>
               <a:t>Contribución al Mercado Laboral</a:t>
+            </a:r>
+          </a:p>
+          <a:p>
+            <a:pPr lvl="1"/>
+            <a:r>
+              <a:rPr lang="es-EC" dirty="0" err="1">
+                <a:highlight>
+                  <a:srgbClr val="FFFF00"/>
+                </a:highlight>
+              </a:rPr>
+              <a:t>WeF</a:t>
+            </a:r>
+            <a:endParaRPr lang="es-EC" dirty="0">
+              <a:highlight>
+                <a:srgbClr val="FFFF00"/>
+              </a:highlight>
+            </a:endParaRPr>
+          </a:p>
+          <a:p>
+            <a:pPr lvl="1"/>
+            <a:r>
+              <a:rPr lang="es-EC">
+                <a:highlight>
+                  <a:srgbClr val="FFFF00"/>
+                </a:highlight>
+              </a:rPr>
+              <a:t>Comité Consultivo</a:t>
             </a:r>
             <a:endParaRPr lang="es-EC" dirty="0">
               <a:highlight>
@@ -3934,8 +3982,23 @@
         </p:nvSpPr>
         <p:spPr/>
         <p:txBody>
-          <a:bodyPr/>
-          <a:lstStyle/>
+          <a:bodyPr>
+            <a:normAutofit fontScale="85000" lnSpcReduction="20000"/>
+          </a:bodyPr>
+          <a:lstStyle/>
+          <a:p>
+            <a:r>
+              <a:rPr lang="es-ES" dirty="0"/>
+              <a:t>Planificación, S. N. (2024). Plan de Desarrollo para el Nuevo Ecuador. Quito.</a:t>
+            </a:r>
+          </a:p>
+          <a:p>
+            <a:r>
+              <a:rPr lang="es-ES" dirty="0"/>
+              <a:t>ONU, N. U. (13 de Abril de 2024). Objetivos y metas de desarrollo sostenible. Obtenido de Objetivos y metas de desarrollo sostenible - Desarrollo Sostenible.: https://www.un.org/sustainabledevelopment/es/objetivos-de-desarrollo-sostenible/</a:t>
+            </a:r>
+            <a:endParaRPr lang="en-US" dirty="0"/>
+          </a:p>
           <a:p>
             <a:r>
               <a:rPr lang="en-US" dirty="0"/>

--- a/03 Presentación.pptx
+++ b/03 Presentación.pptx
@@ -3492,7 +3492,7 @@
         <p:spPr/>
         <p:txBody>
           <a:bodyPr>
-            <a:normAutofit fontScale="92500" lnSpcReduction="20000"/>
+            <a:normAutofit lnSpcReduction="10000"/>
           </a:bodyPr>
           <a:lstStyle/>
           <a:p>
@@ -3509,22 +3509,28 @@
             <a:pPr lvl="1"/>
             <a:r>
               <a:rPr lang="es-ES" dirty="0"/>
-              <a:t>Matemáticas</a:t>
+              <a:t>Matemáticas y Estadísticas.</a:t>
             </a:r>
           </a:p>
           <a:p>
             <a:pPr lvl="1"/>
             <a:r>
               <a:rPr lang="es-ES" dirty="0"/>
-              <a:t>Estadísticas</a:t>
-            </a:r>
-          </a:p>
-          <a:p>
-            <a:pPr lvl="1"/>
-            <a:r>
-              <a:rPr lang="es-ES" dirty="0"/>
-              <a:t>Ciencias Computacionales</a:t>
-            </a:r>
+              <a:t>Ciencias Computacionales: algoritmos inteligentes, </a:t>
+            </a:r>
+            <a:r>
+              <a:rPr lang="es-ES" dirty="0" err="1"/>
+              <a:t>computaci</a:t>
+            </a:r>
+            <a:r>
+              <a:rPr lang="es-EC" dirty="0" err="1"/>
+              <a:t>ón</a:t>
+            </a:r>
+            <a:r>
+              <a:rPr lang="es-EC" dirty="0"/>
+              <a:t> en la nube, programación en paralelo, etc.</a:t>
+            </a:r>
+            <a:endParaRPr lang="es-ES" dirty="0"/>
           </a:p>
           <a:p>
             <a:pPr marL="514350" indent="-514350">
@@ -3539,29 +3545,28 @@
           <a:p>
             <a:pPr lvl="1"/>
             <a:r>
+              <a:rPr lang="es-EC" dirty="0" err="1"/>
+              <a:t>Ap</a:t>
+            </a:r>
+            <a:r>
               <a:rPr lang="es-EC" dirty="0"/>
-              <a:t>Basado en Proyectos</a:t>
-            </a:r>
-          </a:p>
-          <a:p>
-            <a:pPr lvl="1"/>
+              <a:t> Basado en Proyectos, </a:t>
+            </a:r>
+            <a:r>
+              <a:rPr lang="es-EC" dirty="0" err="1"/>
+              <a:t>Ap</a:t>
+            </a:r>
             <a:r>
               <a:rPr lang="es-EC" dirty="0"/>
-              <a:t>Basado en Problemas</a:t>
-            </a:r>
-          </a:p>
-          <a:p>
-            <a:pPr lvl="1"/>
+              <a:t> Basado en Problemas, </a:t>
+            </a:r>
+            <a:r>
+              <a:rPr lang="es-EC" dirty="0" err="1"/>
+              <a:t>Ap</a:t>
+            </a:r>
             <a:r>
               <a:rPr lang="es-EC" dirty="0"/>
-              <a:t>Cooperativo</a:t>
-            </a:r>
-          </a:p>
-          <a:p>
-            <a:pPr lvl="1"/>
-            <a:r>
-              <a:rPr lang="es-EC" dirty="0"/>
-              <a:t>Aula Invertida</a:t>
+              <a:t> Cooperativo y Aula Invertida</a:t>
             </a:r>
           </a:p>
           <a:p>
@@ -3684,7 +3689,7 @@
         <p:spPr/>
         <p:txBody>
           <a:bodyPr>
-            <a:normAutofit fontScale="92500" lnSpcReduction="10000"/>
+            <a:normAutofit fontScale="70000" lnSpcReduction="20000"/>
           </a:bodyPr>
           <a:lstStyle/>
           <a:p>
@@ -3746,45 +3751,92 @@
               <a:buAutoNum type="arabicPeriod"/>
             </a:pPr>
             <a:r>
-              <a:rPr lang="es-ES" dirty="0">
-                <a:highlight>
-                  <a:srgbClr val="FFFF00"/>
-                </a:highlight>
-              </a:rPr>
+              <a:rPr lang="es-ES" dirty="0"/>
               <a:t>Contribución al Mercado Laboral</a:t>
             </a:r>
           </a:p>
           <a:p>
             <a:pPr lvl="1"/>
             <a:r>
-              <a:rPr lang="es-EC" dirty="0" err="1">
-                <a:highlight>
-                  <a:srgbClr val="FFFF00"/>
-                </a:highlight>
-              </a:rPr>
-              <a:t>WeF</a:t>
-            </a:r>
-            <a:endParaRPr lang="es-EC" dirty="0">
-              <a:highlight>
-                <a:srgbClr val="FFFF00"/>
-              </a:highlight>
-            </a:endParaRPr>
+              <a:rPr lang="es-EC" dirty="0"/>
+              <a:t>Future </a:t>
+            </a:r>
+            <a:r>
+              <a:rPr lang="es-EC" dirty="0" err="1"/>
+              <a:t>of</a:t>
+            </a:r>
+            <a:r>
+              <a:rPr lang="es-EC" dirty="0"/>
+              <a:t> Jobs </a:t>
+            </a:r>
+            <a:r>
+              <a:rPr lang="es-EC" dirty="0" err="1"/>
+              <a:t>Report</a:t>
+            </a:r>
+            <a:r>
+              <a:rPr lang="es-EC" dirty="0"/>
+              <a:t> 2025 del Foro Económico Mundial (WEF, 2025)</a:t>
+            </a:r>
+          </a:p>
+          <a:p>
+            <a:pPr lvl="2"/>
+            <a:r>
+              <a:rPr lang="es-EC" dirty="0"/>
+              <a:t>Pensamiento analítico, sistémico, análisis de grandes volúmenes de datos y programación.</a:t>
+            </a:r>
           </a:p>
           <a:p>
             <a:pPr lvl="1"/>
             <a:r>
-              <a:rPr lang="es-EC">
-                <a:highlight>
-                  <a:srgbClr val="FFFF00"/>
-                </a:highlight>
-              </a:rPr>
-              <a:t>Comité Consultivo</a:t>
-            </a:r>
-            <a:endParaRPr lang="es-EC" dirty="0">
-              <a:highlight>
-                <a:srgbClr val="FFFF00"/>
-              </a:highlight>
-            </a:endParaRPr>
+              <a:rPr lang="es-EC" dirty="0"/>
+              <a:t>ABET</a:t>
+            </a:r>
+          </a:p>
+          <a:p>
+            <a:pPr lvl="2"/>
+            <a:r>
+              <a:rPr lang="es-ES" dirty="0"/>
+              <a:t>Ciclo de vida de la ciencia de datos</a:t>
+            </a:r>
+            <a:r>
+              <a:rPr lang="es-EC" dirty="0"/>
+              <a:t> (adquisición, manejo, preparación, análisis, modelamiento y visualización)</a:t>
+            </a:r>
+          </a:p>
+          <a:p>
+            <a:pPr lvl="2"/>
+            <a:r>
+              <a:rPr lang="es-EC" dirty="0"/>
+              <a:t>É</a:t>
+            </a:r>
+            <a:r>
+              <a:rPr lang="es-ES" dirty="0"/>
+              <a:t>tica de datos, gobernanza y sólidos fundamentos en matemáticas y ciencias computacionales.</a:t>
+            </a:r>
+            <a:endParaRPr lang="es-EC" dirty="0"/>
+          </a:p>
+          <a:p>
+            <a:pPr lvl="1"/>
+            <a:r>
+              <a:rPr lang="es-EC" dirty="0"/>
+              <a:t>The 2025 AI </a:t>
+            </a:r>
+            <a:r>
+              <a:rPr lang="es-EC" dirty="0" err="1"/>
+              <a:t>Index</a:t>
+            </a:r>
+            <a:r>
+              <a:rPr lang="es-EC" dirty="0"/>
+              <a:t> Report</a:t>
+            </a:r>
+          </a:p>
+          <a:p>
+            <a:pPr lvl="2"/>
+            <a:r>
+              <a:rPr lang="es-ES" dirty="0"/>
+              <a:t>Integración de modelos de lenguaje, visión por computadora, razonamiento complejo y agentes autónomos se vuelve cada vez más esencial</a:t>
+            </a:r>
+            <a:endParaRPr lang="es-EC" dirty="0"/>
           </a:p>
         </p:txBody>
       </p:sp>
@@ -3983,7 +4035,7 @@
         <p:spPr/>
         <p:txBody>
           <a:bodyPr>
-            <a:normAutofit fontScale="85000" lnSpcReduction="20000"/>
+            <a:normAutofit fontScale="77500" lnSpcReduction="20000"/>
           </a:bodyPr>
           <a:lstStyle/>
           <a:p>
@@ -4159,6 +4211,21 @@
               <a:rPr lang="es-EC" dirty="0"/>
               <a:t>, New York, NY, USA.</a:t>
             </a:r>
+          </a:p>
+          <a:p>
+            <a:r>
+              <a:rPr lang="en-US" dirty="0"/>
+              <a:t>World Economic Forum (2025). The Future of Jobs Report 2025. </a:t>
+            </a:r>
+            <a:r>
+              <a:rPr lang="en-US" dirty="0" err="1"/>
+              <a:t>Obtenido</a:t>
+            </a:r>
+            <a:r>
+              <a:rPr lang="en-US" dirty="0"/>
+              <a:t> de The Future of Jobs Report 2025: https://reports.weforum.org/docs/WEF_Future_of_Jobs_Report_2025.pdf</a:t>
+            </a:r>
+            <a:endParaRPr lang="es-EC" dirty="0"/>
           </a:p>
         </p:txBody>
       </p:sp>

--- a/03 Presentación.pptx
+++ b/03 Presentación.pptx
@@ -3759,36 +3759,6 @@
             <a:pPr lvl="1"/>
             <a:r>
               <a:rPr lang="es-EC" dirty="0"/>
-              <a:t>Future </a:t>
-            </a:r>
-            <a:r>
-              <a:rPr lang="es-EC" dirty="0" err="1"/>
-              <a:t>of</a:t>
-            </a:r>
-            <a:r>
-              <a:rPr lang="es-EC" dirty="0"/>
-              <a:t> Jobs </a:t>
-            </a:r>
-            <a:r>
-              <a:rPr lang="es-EC" dirty="0" err="1"/>
-              <a:t>Report</a:t>
-            </a:r>
-            <a:r>
-              <a:rPr lang="es-EC" dirty="0"/>
-              <a:t> 2025 del Foro Económico Mundial (WEF, 2025)</a:t>
-            </a:r>
-          </a:p>
-          <a:p>
-            <a:pPr lvl="2"/>
-            <a:r>
-              <a:rPr lang="es-EC" dirty="0"/>
-              <a:t>Pensamiento analítico, sistémico, análisis de grandes volúmenes de datos y programación.</a:t>
-            </a:r>
-          </a:p>
-          <a:p>
-            <a:pPr lvl="1"/>
-            <a:r>
-              <a:rPr lang="es-EC" dirty="0"/>
               <a:t>ABET</a:t>
             </a:r>
           </a:p>
@@ -3836,7 +3806,28 @@
               <a:rPr lang="es-ES" dirty="0"/>
               <a:t>Integración de modelos de lenguaje, visión por computadora, razonamiento complejo y agentes autónomos se vuelve cada vez más esencial</a:t>
             </a:r>
-            <a:endParaRPr lang="es-EC" dirty="0"/>
+          </a:p>
+          <a:p>
+            <a:pPr lvl="1"/>
+            <a:r>
+              <a:rPr lang="es-ES" dirty="0"/>
+              <a:t>Expertos en la industria y la academia</a:t>
+            </a:r>
+          </a:p>
+          <a:p>
+            <a:pPr lvl="2"/>
+            <a:r>
+              <a:rPr lang="es-EC" dirty="0"/>
+              <a:t>Teóricas fundamentales (Mat y CS), trabajo en entornos distribuidos y en la nube </a:t>
+            </a:r>
+            <a:r>
+              <a:rPr lang="es-EC"/>
+              <a:t>y habilidades </a:t>
+            </a:r>
+            <a:r>
+              <a:rPr lang="es-EC" dirty="0"/>
+              <a:t>transversales</a:t>
+            </a:r>
           </a:p>
         </p:txBody>
       </p:sp>
@@ -3920,24 +3911,33 @@
           <a:bodyPr/>
           <a:lstStyle/>
           <a:p>
-            <a:r>
-              <a:rPr lang="es-ES" dirty="0"/>
-              <a:t>Cómo se asocian con las tendencias y prospectiva de la profesión</a:t>
-            </a:r>
-          </a:p>
-          <a:p>
             <a:pPr marL="514350" indent="-514350">
               <a:buFont typeface="+mj-lt"/>
               <a:buAutoNum type="arabicPeriod"/>
             </a:pPr>
             <a:r>
-              <a:rPr lang="es-ES" dirty="0">
-                <a:highlight>
-                  <a:srgbClr val="FFFF00"/>
-                </a:highlight>
-              </a:rPr>
+              <a:rPr lang="es-ES" dirty="0"/>
               <a:t>Alineación con Tendencias Globales</a:t>
             </a:r>
+          </a:p>
+          <a:p>
+            <a:pPr lvl="1"/>
+            <a:r>
+              <a:rPr lang="es-EC" dirty="0"/>
+              <a:t>Future of Jobs Report 2025 del Foro Económico Mundial (WEF, 2025)</a:t>
+            </a:r>
+          </a:p>
+          <a:p>
+            <a:pPr lvl="2"/>
+            <a:r>
+              <a:rPr lang="es-EC" dirty="0"/>
+              <a:t>Pensamiento analítico, sistémico, análisis de grandes volúmenes de datos y programación.</a:t>
+            </a:r>
+            <a:endParaRPr lang="es-ES" dirty="0">
+              <a:highlight>
+                <a:srgbClr val="FFFF00"/>
+              </a:highlight>
+            </a:endParaRPr>
           </a:p>
           <a:p>
             <a:pPr marL="514350" indent="-514350">

--- a/03 Presentación.pptx
+++ b/03 Presentación.pptx
@@ -3689,7 +3689,7 @@
         <p:spPr/>
         <p:txBody>
           <a:bodyPr>
-            <a:normAutofit fontScale="70000" lnSpcReduction="20000"/>
+            <a:normAutofit fontScale="77500" lnSpcReduction="20000"/>
           </a:bodyPr>
           <a:lstStyle/>
           <a:p>
@@ -3788,28 +3788,6 @@
           <a:p>
             <a:pPr lvl="1"/>
             <a:r>
-              <a:rPr lang="es-EC" dirty="0"/>
-              <a:t>The 2025 AI </a:t>
-            </a:r>
-            <a:r>
-              <a:rPr lang="es-EC" dirty="0" err="1"/>
-              <a:t>Index</a:t>
-            </a:r>
-            <a:r>
-              <a:rPr lang="es-EC" dirty="0"/>
-              <a:t> Report</a:t>
-            </a:r>
-          </a:p>
-          <a:p>
-            <a:pPr lvl="2"/>
-            <a:r>
-              <a:rPr lang="es-ES" dirty="0"/>
-              <a:t>Integración de modelos de lenguaje, visión por computadora, razonamiento complejo y agentes autónomos se vuelve cada vez más esencial</a:t>
-            </a:r>
-          </a:p>
-          <a:p>
-            <a:pPr lvl="1"/>
-            <a:r>
               <a:rPr lang="es-ES" dirty="0"/>
               <a:t>Expertos en la industria y la academia</a:t>
             </a:r>
@@ -3818,15 +3796,7 @@
             <a:pPr lvl="2"/>
             <a:r>
               <a:rPr lang="es-EC" dirty="0"/>
-              <a:t>Teóricas fundamentales (Mat y CS), trabajo en entornos distribuidos y en la nube </a:t>
-            </a:r>
-            <a:r>
-              <a:rPr lang="es-EC"/>
-              <a:t>y habilidades </a:t>
-            </a:r>
-            <a:r>
-              <a:rPr lang="es-EC" dirty="0"/>
-              <a:t>transversales</a:t>
+              <a:t>Teóricas fundamentales (Mat y CS), trabajo en entornos distribuidos y en la nube y habilidades transversales</a:t>
             </a:r>
           </a:p>
         </p:txBody>
@@ -3933,6 +3903,20 @@
               <a:rPr lang="es-EC" dirty="0"/>
               <a:t>Pensamiento analítico, sistémico, análisis de grandes volúmenes de datos y programación.</a:t>
             </a:r>
+          </a:p>
+          <a:p>
+            <a:pPr lvl="1"/>
+            <a:r>
+              <a:rPr lang="es-EC" dirty="0"/>
+              <a:t>The 2025 AI Index Report</a:t>
+            </a:r>
+          </a:p>
+          <a:p>
+            <a:pPr lvl="2"/>
+            <a:r>
+              <a:rPr lang="es-ES" dirty="0"/>
+              <a:t>Integración de modelos de lenguaje, visión por computadora, razonamiento complejo y agentes autónomos se vuelve cada vez más esencial</a:t>
+            </a:r>
             <a:endParaRPr lang="es-ES" dirty="0">
               <a:highlight>
                 <a:srgbClr val="FFFF00"/>
@@ -3945,15 +3929,12 @@
               <a:buAutoNum type="arabicPeriod"/>
             </a:pPr>
             <a:r>
-              <a:rPr lang="es-EC" dirty="0">
-                <a:highlight>
-                  <a:srgbClr val="FFFF00"/>
-                </a:highlight>
-              </a:rPr>
+              <a:rPr lang="es-EC" dirty="0"/>
               <a:t>Vinculación con Estudios Prospectivos </a:t>
             </a:r>
           </a:p>
           <a:p>
+            <a:pPr lvl="1"/>
             <a:endParaRPr lang="es-EC" dirty="0"/>
           </a:p>
         </p:txBody>

--- a/03 Presentación.pptx
+++ b/03 Presentación.pptx
@@ -3878,7 +3878,9 @@
         </p:nvSpPr>
         <p:spPr/>
         <p:txBody>
-          <a:bodyPr/>
+          <a:bodyPr>
+            <a:normAutofit lnSpcReduction="10000"/>
+          </a:bodyPr>
           <a:lstStyle/>
           <a:p>
             <a:pPr marL="514350" indent="-514350">
@@ -3934,8 +3936,44 @@
             </a:r>
           </a:p>
           <a:p>
-            <a:pPr lvl="1"/>
-            <a:endParaRPr lang="es-EC" dirty="0"/>
+            <a:pPr marL="971550" lvl="1" indent="-514350">
+              <a:buFont typeface="+mj-lt"/>
+              <a:buAutoNum type="arabicPeriod"/>
+            </a:pPr>
+            <a:r>
+              <a:rPr lang="es-ES" dirty="0"/>
+              <a:t>Rápida adopción de tecnologías como la inteligencia artificial generativa (</a:t>
+            </a:r>
+            <a:r>
+              <a:rPr lang="es-ES" dirty="0" err="1"/>
+              <a:t>GenAI</a:t>
+            </a:r>
+            <a:r>
+              <a:rPr lang="es-ES" dirty="0"/>
+              <a:t>), el procesamiento de información, y la automatización de procesos (WEF, 2025).</a:t>
+            </a:r>
+          </a:p>
+          <a:p>
+            <a:pPr marL="971550" lvl="1" indent="-514350">
+              <a:buFont typeface="+mj-lt"/>
+              <a:buAutoNum type="arabicPeriod"/>
+            </a:pPr>
+            <a:r>
+              <a:rPr lang="es-ES" dirty="0"/>
+              <a:t>Incremento significativo en la productividad de desarrolladores con GitHub </a:t>
+            </a:r>
+            <a:r>
+              <a:rPr lang="es-ES" dirty="0" err="1"/>
+              <a:t>Copilot</a:t>
+            </a:r>
+            <a:r>
+              <a:rPr lang="es-ES" dirty="0"/>
+              <a:t> </a:t>
+            </a:r>
+            <a:r>
+              <a:rPr lang="es-EC" dirty="0"/>
+              <a:t>.</a:t>
+            </a:r>
           </a:p>
         </p:txBody>
       </p:sp>
@@ -4016,7 +4054,7 @@
         <p:spPr/>
         <p:txBody>
           <a:bodyPr>
-            <a:normAutofit fontScale="77500" lnSpcReduction="20000"/>
+            <a:normAutofit fontScale="62500" lnSpcReduction="20000"/>
           </a:bodyPr>
           <a:lstStyle/>
           <a:p>
@@ -4204,7 +4242,26 @@
             </a:r>
             <a:r>
               <a:rPr lang="en-US" dirty="0"/>
-              <a:t> de The Future of Jobs Report 2025: https://reports.weforum.org/docs/WEF_Future_of_Jobs_Report_2025.pdf</a:t>
+              <a:t> de The Future of Jobs Report 2025: </a:t>
+            </a:r>
+            <a:r>
+              <a:rPr lang="en-US" dirty="0">
+                <a:hlinkClick r:id="rId2"/>
+              </a:rPr>
+              <a:t>https://reports.weforum.org/docs/WEF_Future_of_Jobs_Report_2025.pdf</a:t>
+            </a:r>
+            <a:endParaRPr lang="en-US" dirty="0"/>
+          </a:p>
+          <a:p>
+            <a:r>
+              <a:rPr lang="en-US" dirty="0"/>
+              <a:t>Cui, Z. a. (2025). The Effects of Generative AI on High-Skilled Work: Evidence from Three Field Experiments with Software Developers</a:t>
+            </a:r>
+          </a:p>
+          <a:p>
+            <a:r>
+              <a:rPr lang="en-US" dirty="0"/>
+              <a:t>Song, F., Agarwal, A., &amp; Wen, W. (2024). The Impact of Generative AI on Collaborative Open-Source Software Development: Evidence from GitHub Copilot.</a:t>
             </a:r>
             <a:endParaRPr lang="es-EC" dirty="0"/>
           </a:p>

--- a/03 Presentación.pptx
+++ b/03 Presentación.pptx
@@ -265,7 +265,7 @@
           <a:p>
             <a:fld id="{EFF27265-5A35-4507-BA5A-A8DC4F8205C0}" type="datetimeFigureOut">
               <a:rPr lang="es-EC" smtClean="0"/>
-              <a:t>13/4/2025</a:t>
+              <a:t>14/4/2025</a:t>
             </a:fld>
             <a:endParaRPr lang="es-EC"/>
           </a:p>
@@ -465,7 +465,7 @@
           <a:p>
             <a:fld id="{EFF27265-5A35-4507-BA5A-A8DC4F8205C0}" type="datetimeFigureOut">
               <a:rPr lang="es-EC" smtClean="0"/>
-              <a:t>13/4/2025</a:t>
+              <a:t>14/4/2025</a:t>
             </a:fld>
             <a:endParaRPr lang="es-EC"/>
           </a:p>
@@ -675,7 +675,7 @@
           <a:p>
             <a:fld id="{EFF27265-5A35-4507-BA5A-A8DC4F8205C0}" type="datetimeFigureOut">
               <a:rPr lang="es-EC" smtClean="0"/>
-              <a:t>13/4/2025</a:t>
+              <a:t>14/4/2025</a:t>
             </a:fld>
             <a:endParaRPr lang="es-EC"/>
           </a:p>
@@ -875,7 +875,7 @@
           <a:p>
             <a:fld id="{EFF27265-5A35-4507-BA5A-A8DC4F8205C0}" type="datetimeFigureOut">
               <a:rPr lang="es-EC" smtClean="0"/>
-              <a:t>13/4/2025</a:t>
+              <a:t>14/4/2025</a:t>
             </a:fld>
             <a:endParaRPr lang="es-EC"/>
           </a:p>
@@ -1151,7 +1151,7 @@
           <a:p>
             <a:fld id="{EFF27265-5A35-4507-BA5A-A8DC4F8205C0}" type="datetimeFigureOut">
               <a:rPr lang="es-EC" smtClean="0"/>
-              <a:t>13/4/2025</a:t>
+              <a:t>14/4/2025</a:t>
             </a:fld>
             <a:endParaRPr lang="es-EC"/>
           </a:p>
@@ -1419,7 +1419,7 @@
           <a:p>
             <a:fld id="{EFF27265-5A35-4507-BA5A-A8DC4F8205C0}" type="datetimeFigureOut">
               <a:rPr lang="es-EC" smtClean="0"/>
-              <a:t>13/4/2025</a:t>
+              <a:t>14/4/2025</a:t>
             </a:fld>
             <a:endParaRPr lang="es-EC"/>
           </a:p>
@@ -1834,7 +1834,7 @@
           <a:p>
             <a:fld id="{EFF27265-5A35-4507-BA5A-A8DC4F8205C0}" type="datetimeFigureOut">
               <a:rPr lang="es-EC" smtClean="0"/>
-              <a:t>13/4/2025</a:t>
+              <a:t>14/4/2025</a:t>
             </a:fld>
             <a:endParaRPr lang="es-EC"/>
           </a:p>
@@ -1976,7 +1976,7 @@
           <a:p>
             <a:fld id="{EFF27265-5A35-4507-BA5A-A8DC4F8205C0}" type="datetimeFigureOut">
               <a:rPr lang="es-EC" smtClean="0"/>
-              <a:t>13/4/2025</a:t>
+              <a:t>14/4/2025</a:t>
             </a:fld>
             <a:endParaRPr lang="es-EC"/>
           </a:p>
@@ -2089,7 +2089,7 @@
           <a:p>
             <a:fld id="{EFF27265-5A35-4507-BA5A-A8DC4F8205C0}" type="datetimeFigureOut">
               <a:rPr lang="es-EC" smtClean="0"/>
-              <a:t>13/4/2025</a:t>
+              <a:t>14/4/2025</a:t>
             </a:fld>
             <a:endParaRPr lang="es-EC"/>
           </a:p>
@@ -2402,7 +2402,7 @@
           <a:p>
             <a:fld id="{EFF27265-5A35-4507-BA5A-A8DC4F8205C0}" type="datetimeFigureOut">
               <a:rPr lang="es-EC" smtClean="0"/>
-              <a:t>13/4/2025</a:t>
+              <a:t>14/4/2025</a:t>
             </a:fld>
             <a:endParaRPr lang="es-EC"/>
           </a:p>
@@ -2691,7 +2691,7 @@
           <a:p>
             <a:fld id="{EFF27265-5A35-4507-BA5A-A8DC4F8205C0}" type="datetimeFigureOut">
               <a:rPr lang="es-EC" smtClean="0"/>
-              <a:t>13/4/2025</a:t>
+              <a:t>14/4/2025</a:t>
             </a:fld>
             <a:endParaRPr lang="es-EC"/>
           </a:p>
@@ -2934,7 +2934,7 @@
           <a:p>
             <a:fld id="{EFF27265-5A35-4507-BA5A-A8DC4F8205C0}" type="datetimeFigureOut">
               <a:rPr lang="es-EC" smtClean="0"/>
-              <a:t>13/4/2025</a:t>
+              <a:t>14/4/2025</a:t>
             </a:fld>
             <a:endParaRPr lang="es-EC"/>
           </a:p>
@@ -3879,7 +3879,7 @@
         <p:spPr/>
         <p:txBody>
           <a:bodyPr>
-            <a:normAutofit lnSpcReduction="10000"/>
+            <a:normAutofit fontScale="85000" lnSpcReduction="10000"/>
           </a:bodyPr>
           <a:lstStyle/>
           <a:p>
@@ -3918,6 +3918,25 @@
             <a:r>
               <a:rPr lang="es-ES" dirty="0"/>
               <a:t>Integración de modelos de lenguaje, visión por computadora, razonamiento complejo y agentes autónomos se vuelve cada vez más esencial</a:t>
+            </a:r>
+          </a:p>
+          <a:p>
+            <a:pPr lvl="1"/>
+            <a:r>
+              <a:rPr lang="es-EC" dirty="0"/>
+              <a:t>Comité consultivo, perfiles: </a:t>
+            </a:r>
+            <a:r>
+              <a:rPr lang="es-ES" dirty="0"/>
+              <a:t>Científico de Datos, Ingeniero/a de Datos, Ingeniero/a en Machine Learning, y Desarrollador de aplicaciones </a:t>
+            </a:r>
+            <a:r>
+              <a:rPr lang="es-ES" i="1" dirty="0"/>
+              <a:t>(procesamiento distribuido de grandes volúmenes de datos y la creación de modelos en la </a:t>
+            </a:r>
+            <a:r>
+              <a:rPr lang="es-ES" i="1"/>
+              <a:t>nube)</a:t>
             </a:r>
             <a:endParaRPr lang="es-ES" dirty="0">
               <a:highlight>

--- a/03 Presentación.pptx
+++ b/03 Presentación.pptx
@@ -3621,6 +3621,341 @@
   <p:clrMapOvr>
     <a:masterClrMapping/>
   </p:clrMapOvr>
+  <p:timing>
+    <p:tnLst>
+      <p:par>
+        <p:cTn id="1" dur="indefinite" restart="never" nodeType="tmRoot">
+          <p:childTnLst>
+            <p:seq concurrent="1" nextAc="seek">
+              <p:cTn id="2" dur="indefinite" nodeType="mainSeq">
+                <p:childTnLst>
+                  <p:par>
+                    <p:cTn id="3" fill="hold">
+                      <p:stCondLst>
+                        <p:cond delay="indefinite"/>
+                      </p:stCondLst>
+                      <p:childTnLst>
+                        <p:par>
+                          <p:cTn id="4" fill="hold">
+                            <p:stCondLst>
+                              <p:cond delay="0"/>
+                            </p:stCondLst>
+                            <p:childTnLst>
+                              <p:par>
+                                <p:cTn id="5" presetID="1" presetClass="entr" presetSubtype="0" fill="hold" grpId="0" nodeType="clickEffect">
+                                  <p:stCondLst>
+                                    <p:cond delay="0"/>
+                                  </p:stCondLst>
+                                  <p:childTnLst>
+                                    <p:set>
+                                      <p:cBhvr>
+                                        <p:cTn id="6" dur="1" fill="hold">
+                                          <p:stCondLst>
+                                            <p:cond delay="0"/>
+                                          </p:stCondLst>
+                                        </p:cTn>
+                                        <p:tgtEl>
+                                          <p:spTgt spid="3">
+                                            <p:txEl>
+                                              <p:pRg st="0" end="0"/>
+                                            </p:txEl>
+                                          </p:spTgt>
+                                        </p:tgtEl>
+                                        <p:attrNameLst>
+                                          <p:attrName>style.visibility</p:attrName>
+                                        </p:attrNameLst>
+                                      </p:cBhvr>
+                                      <p:to>
+                                        <p:strVal val="visible"/>
+                                      </p:to>
+                                    </p:set>
+                                  </p:childTnLst>
+                                </p:cTn>
+                              </p:par>
+                              <p:par>
+                                <p:cTn id="7" presetID="1" presetClass="entr" presetSubtype="0" fill="hold" grpId="0" nodeType="withEffect">
+                                  <p:stCondLst>
+                                    <p:cond delay="0"/>
+                                  </p:stCondLst>
+                                  <p:childTnLst>
+                                    <p:set>
+                                      <p:cBhvr>
+                                        <p:cTn id="8" dur="1" fill="hold">
+                                          <p:stCondLst>
+                                            <p:cond delay="0"/>
+                                          </p:stCondLst>
+                                        </p:cTn>
+                                        <p:tgtEl>
+                                          <p:spTgt spid="3">
+                                            <p:txEl>
+                                              <p:pRg st="1" end="1"/>
+                                            </p:txEl>
+                                          </p:spTgt>
+                                        </p:tgtEl>
+                                        <p:attrNameLst>
+                                          <p:attrName>style.visibility</p:attrName>
+                                        </p:attrNameLst>
+                                      </p:cBhvr>
+                                      <p:to>
+                                        <p:strVal val="visible"/>
+                                      </p:to>
+                                    </p:set>
+                                  </p:childTnLst>
+                                </p:cTn>
+                              </p:par>
+                              <p:par>
+                                <p:cTn id="9" presetID="1" presetClass="entr" presetSubtype="0" fill="hold" grpId="0" nodeType="withEffect">
+                                  <p:stCondLst>
+                                    <p:cond delay="0"/>
+                                  </p:stCondLst>
+                                  <p:childTnLst>
+                                    <p:set>
+                                      <p:cBhvr>
+                                        <p:cTn id="10" dur="1" fill="hold">
+                                          <p:stCondLst>
+                                            <p:cond delay="0"/>
+                                          </p:stCondLst>
+                                        </p:cTn>
+                                        <p:tgtEl>
+                                          <p:spTgt spid="3">
+                                            <p:txEl>
+                                              <p:pRg st="2" end="2"/>
+                                            </p:txEl>
+                                          </p:spTgt>
+                                        </p:tgtEl>
+                                        <p:attrNameLst>
+                                          <p:attrName>style.visibility</p:attrName>
+                                        </p:attrNameLst>
+                                      </p:cBhvr>
+                                      <p:to>
+                                        <p:strVal val="visible"/>
+                                      </p:to>
+                                    </p:set>
+                                  </p:childTnLst>
+                                </p:cTn>
+                              </p:par>
+                            </p:childTnLst>
+                          </p:cTn>
+                        </p:par>
+                      </p:childTnLst>
+                    </p:cTn>
+                  </p:par>
+                  <p:par>
+                    <p:cTn id="11" fill="hold">
+                      <p:stCondLst>
+                        <p:cond delay="indefinite"/>
+                      </p:stCondLst>
+                      <p:childTnLst>
+                        <p:par>
+                          <p:cTn id="12" fill="hold">
+                            <p:stCondLst>
+                              <p:cond delay="0"/>
+                            </p:stCondLst>
+                            <p:childTnLst>
+                              <p:par>
+                                <p:cTn id="13" presetID="1" presetClass="entr" presetSubtype="0" fill="hold" grpId="0" nodeType="clickEffect">
+                                  <p:stCondLst>
+                                    <p:cond delay="0"/>
+                                  </p:stCondLst>
+                                  <p:childTnLst>
+                                    <p:set>
+                                      <p:cBhvr>
+                                        <p:cTn id="14" dur="1" fill="hold">
+                                          <p:stCondLst>
+                                            <p:cond delay="0"/>
+                                          </p:stCondLst>
+                                        </p:cTn>
+                                        <p:tgtEl>
+                                          <p:spTgt spid="3">
+                                            <p:txEl>
+                                              <p:pRg st="3" end="3"/>
+                                            </p:txEl>
+                                          </p:spTgt>
+                                        </p:tgtEl>
+                                        <p:attrNameLst>
+                                          <p:attrName>style.visibility</p:attrName>
+                                        </p:attrNameLst>
+                                      </p:cBhvr>
+                                      <p:to>
+                                        <p:strVal val="visible"/>
+                                      </p:to>
+                                    </p:set>
+                                  </p:childTnLst>
+                                </p:cTn>
+                              </p:par>
+                              <p:par>
+                                <p:cTn id="15" presetID="1" presetClass="entr" presetSubtype="0" fill="hold" grpId="0" nodeType="withEffect">
+                                  <p:stCondLst>
+                                    <p:cond delay="0"/>
+                                  </p:stCondLst>
+                                  <p:childTnLst>
+                                    <p:set>
+                                      <p:cBhvr>
+                                        <p:cTn id="16" dur="1" fill="hold">
+                                          <p:stCondLst>
+                                            <p:cond delay="0"/>
+                                          </p:stCondLst>
+                                        </p:cTn>
+                                        <p:tgtEl>
+                                          <p:spTgt spid="3">
+                                            <p:txEl>
+                                              <p:pRg st="4" end="4"/>
+                                            </p:txEl>
+                                          </p:spTgt>
+                                        </p:tgtEl>
+                                        <p:attrNameLst>
+                                          <p:attrName>style.visibility</p:attrName>
+                                        </p:attrNameLst>
+                                      </p:cBhvr>
+                                      <p:to>
+                                        <p:strVal val="visible"/>
+                                      </p:to>
+                                    </p:set>
+                                  </p:childTnLst>
+                                </p:cTn>
+                              </p:par>
+                            </p:childTnLst>
+                          </p:cTn>
+                        </p:par>
+                      </p:childTnLst>
+                    </p:cTn>
+                  </p:par>
+                  <p:par>
+                    <p:cTn id="17" fill="hold">
+                      <p:stCondLst>
+                        <p:cond delay="indefinite"/>
+                      </p:stCondLst>
+                      <p:childTnLst>
+                        <p:par>
+                          <p:cTn id="18" fill="hold">
+                            <p:stCondLst>
+                              <p:cond delay="0"/>
+                            </p:stCondLst>
+                            <p:childTnLst>
+                              <p:par>
+                                <p:cTn id="19" presetID="1" presetClass="entr" presetSubtype="0" fill="hold" grpId="0" nodeType="clickEffect">
+                                  <p:stCondLst>
+                                    <p:cond delay="0"/>
+                                  </p:stCondLst>
+                                  <p:childTnLst>
+                                    <p:set>
+                                      <p:cBhvr>
+                                        <p:cTn id="20" dur="1" fill="hold">
+                                          <p:stCondLst>
+                                            <p:cond delay="0"/>
+                                          </p:stCondLst>
+                                        </p:cTn>
+                                        <p:tgtEl>
+                                          <p:spTgt spid="3">
+                                            <p:txEl>
+                                              <p:pRg st="5" end="5"/>
+                                            </p:txEl>
+                                          </p:spTgt>
+                                        </p:tgtEl>
+                                        <p:attrNameLst>
+                                          <p:attrName>style.visibility</p:attrName>
+                                        </p:attrNameLst>
+                                      </p:cBhvr>
+                                      <p:to>
+                                        <p:strVal val="visible"/>
+                                      </p:to>
+                                    </p:set>
+                                  </p:childTnLst>
+                                </p:cTn>
+                              </p:par>
+                              <p:par>
+                                <p:cTn id="21" presetID="1" presetClass="entr" presetSubtype="0" fill="hold" grpId="0" nodeType="withEffect">
+                                  <p:stCondLst>
+                                    <p:cond delay="0"/>
+                                  </p:stCondLst>
+                                  <p:childTnLst>
+                                    <p:set>
+                                      <p:cBhvr>
+                                        <p:cTn id="22" dur="1" fill="hold">
+                                          <p:stCondLst>
+                                            <p:cond delay="0"/>
+                                          </p:stCondLst>
+                                        </p:cTn>
+                                        <p:tgtEl>
+                                          <p:spTgt spid="3">
+                                            <p:txEl>
+                                              <p:pRg st="6" end="6"/>
+                                            </p:txEl>
+                                          </p:spTgt>
+                                        </p:tgtEl>
+                                        <p:attrNameLst>
+                                          <p:attrName>style.visibility</p:attrName>
+                                        </p:attrNameLst>
+                                      </p:cBhvr>
+                                      <p:to>
+                                        <p:strVal val="visible"/>
+                                      </p:to>
+                                    </p:set>
+                                  </p:childTnLst>
+                                </p:cTn>
+                              </p:par>
+                              <p:par>
+                                <p:cTn id="23" presetID="1" presetClass="entr" presetSubtype="0" fill="hold" grpId="0" nodeType="withEffect">
+                                  <p:stCondLst>
+                                    <p:cond delay="0"/>
+                                  </p:stCondLst>
+                                  <p:childTnLst>
+                                    <p:set>
+                                      <p:cBhvr>
+                                        <p:cTn id="24" dur="1" fill="hold">
+                                          <p:stCondLst>
+                                            <p:cond delay="0"/>
+                                          </p:stCondLst>
+                                        </p:cTn>
+                                        <p:tgtEl>
+                                          <p:spTgt spid="3">
+                                            <p:txEl>
+                                              <p:pRg st="7" end="7"/>
+                                            </p:txEl>
+                                          </p:spTgt>
+                                        </p:tgtEl>
+                                        <p:attrNameLst>
+                                          <p:attrName>style.visibility</p:attrName>
+                                        </p:attrNameLst>
+                                      </p:cBhvr>
+                                      <p:to>
+                                        <p:strVal val="visible"/>
+                                      </p:to>
+                                    </p:set>
+                                  </p:childTnLst>
+                                </p:cTn>
+                              </p:par>
+                            </p:childTnLst>
+                          </p:cTn>
+                        </p:par>
+                      </p:childTnLst>
+                    </p:cTn>
+                  </p:par>
+                </p:childTnLst>
+              </p:cTn>
+              <p:prevCondLst>
+                <p:cond evt="onPrev" delay="0">
+                  <p:tgtEl>
+                    <p:sldTgt/>
+                  </p:tgtEl>
+                </p:cond>
+              </p:prevCondLst>
+              <p:nextCondLst>
+                <p:cond evt="onNext" delay="0">
+                  <p:tgtEl>
+                    <p:sldTgt/>
+                  </p:tgtEl>
+                </p:cond>
+              </p:nextCondLst>
+            </p:seq>
+          </p:childTnLst>
+        </p:cTn>
+      </p:par>
+    </p:tnLst>
+    <p:bldLst>
+      <p:bldP spid="3" grpId="0" build="p"/>
+    </p:bldLst>
+  </p:timing>
 </p:sld>
 </file>
 
@@ -3811,6 +4146,434 @@
   <p:clrMapOvr>
     <a:masterClrMapping/>
   </p:clrMapOvr>
+  <p:timing>
+    <p:tnLst>
+      <p:par>
+        <p:cTn id="1" dur="indefinite" restart="never" nodeType="tmRoot">
+          <p:childTnLst>
+            <p:seq concurrent="1" nextAc="seek">
+              <p:cTn id="2" dur="indefinite" nodeType="mainSeq">
+                <p:childTnLst>
+                  <p:par>
+                    <p:cTn id="3" fill="hold">
+                      <p:stCondLst>
+                        <p:cond delay="indefinite"/>
+                      </p:stCondLst>
+                      <p:childTnLst>
+                        <p:par>
+                          <p:cTn id="4" fill="hold">
+                            <p:stCondLst>
+                              <p:cond delay="0"/>
+                            </p:stCondLst>
+                            <p:childTnLst>
+                              <p:par>
+                                <p:cTn id="5" presetID="1" presetClass="entr" presetSubtype="0" fill="hold" grpId="0" nodeType="clickEffect">
+                                  <p:stCondLst>
+                                    <p:cond delay="0"/>
+                                  </p:stCondLst>
+                                  <p:childTnLst>
+                                    <p:set>
+                                      <p:cBhvr>
+                                        <p:cTn id="6" dur="1" fill="hold">
+                                          <p:stCondLst>
+                                            <p:cond delay="0"/>
+                                          </p:stCondLst>
+                                        </p:cTn>
+                                        <p:tgtEl>
+                                          <p:spTgt spid="3">
+                                            <p:txEl>
+                                              <p:pRg st="0" end="0"/>
+                                            </p:txEl>
+                                          </p:spTgt>
+                                        </p:tgtEl>
+                                        <p:attrNameLst>
+                                          <p:attrName>style.visibility</p:attrName>
+                                        </p:attrNameLst>
+                                      </p:cBhvr>
+                                      <p:to>
+                                        <p:strVal val="visible"/>
+                                      </p:to>
+                                    </p:set>
+                                  </p:childTnLst>
+                                </p:cTn>
+                              </p:par>
+                              <p:par>
+                                <p:cTn id="7" presetID="1" presetClass="entr" presetSubtype="0" fill="hold" grpId="0" nodeType="withEffect">
+                                  <p:stCondLst>
+                                    <p:cond delay="0"/>
+                                  </p:stCondLst>
+                                  <p:childTnLst>
+                                    <p:set>
+                                      <p:cBhvr>
+                                        <p:cTn id="8" dur="1" fill="hold">
+                                          <p:stCondLst>
+                                            <p:cond delay="0"/>
+                                          </p:stCondLst>
+                                        </p:cTn>
+                                        <p:tgtEl>
+                                          <p:spTgt spid="3">
+                                            <p:txEl>
+                                              <p:pRg st="1" end="1"/>
+                                            </p:txEl>
+                                          </p:spTgt>
+                                        </p:tgtEl>
+                                        <p:attrNameLst>
+                                          <p:attrName>style.visibility</p:attrName>
+                                        </p:attrNameLst>
+                                      </p:cBhvr>
+                                      <p:to>
+                                        <p:strVal val="visible"/>
+                                      </p:to>
+                                    </p:set>
+                                  </p:childTnLst>
+                                </p:cTn>
+                              </p:par>
+                            </p:childTnLst>
+                          </p:cTn>
+                        </p:par>
+                      </p:childTnLst>
+                    </p:cTn>
+                  </p:par>
+                  <p:par>
+                    <p:cTn id="9" fill="hold">
+                      <p:stCondLst>
+                        <p:cond delay="indefinite"/>
+                      </p:stCondLst>
+                      <p:childTnLst>
+                        <p:par>
+                          <p:cTn id="10" fill="hold">
+                            <p:stCondLst>
+                              <p:cond delay="0"/>
+                            </p:stCondLst>
+                            <p:childTnLst>
+                              <p:par>
+                                <p:cTn id="11" presetID="1" presetClass="entr" presetSubtype="0" fill="hold" grpId="0" nodeType="clickEffect">
+                                  <p:stCondLst>
+                                    <p:cond delay="0"/>
+                                  </p:stCondLst>
+                                  <p:childTnLst>
+                                    <p:set>
+                                      <p:cBhvr>
+                                        <p:cTn id="12" dur="1" fill="hold">
+                                          <p:stCondLst>
+                                            <p:cond delay="0"/>
+                                          </p:stCondLst>
+                                        </p:cTn>
+                                        <p:tgtEl>
+                                          <p:spTgt spid="3">
+                                            <p:txEl>
+                                              <p:pRg st="2" end="2"/>
+                                            </p:txEl>
+                                          </p:spTgt>
+                                        </p:tgtEl>
+                                        <p:attrNameLst>
+                                          <p:attrName>style.visibility</p:attrName>
+                                        </p:attrNameLst>
+                                      </p:cBhvr>
+                                      <p:to>
+                                        <p:strVal val="visible"/>
+                                      </p:to>
+                                    </p:set>
+                                  </p:childTnLst>
+                                </p:cTn>
+                              </p:par>
+                              <p:par>
+                                <p:cTn id="13" presetID="1" presetClass="entr" presetSubtype="0" fill="hold" grpId="0" nodeType="withEffect">
+                                  <p:stCondLst>
+                                    <p:cond delay="0"/>
+                                  </p:stCondLst>
+                                  <p:childTnLst>
+                                    <p:set>
+                                      <p:cBhvr>
+                                        <p:cTn id="14" dur="1" fill="hold">
+                                          <p:stCondLst>
+                                            <p:cond delay="0"/>
+                                          </p:stCondLst>
+                                        </p:cTn>
+                                        <p:tgtEl>
+                                          <p:spTgt spid="3">
+                                            <p:txEl>
+                                              <p:pRg st="3" end="3"/>
+                                            </p:txEl>
+                                          </p:spTgt>
+                                        </p:tgtEl>
+                                        <p:attrNameLst>
+                                          <p:attrName>style.visibility</p:attrName>
+                                        </p:attrNameLst>
+                                      </p:cBhvr>
+                                      <p:to>
+                                        <p:strVal val="visible"/>
+                                      </p:to>
+                                    </p:set>
+                                  </p:childTnLst>
+                                </p:cTn>
+                              </p:par>
+                              <p:par>
+                                <p:cTn id="15" presetID="1" presetClass="entr" presetSubtype="0" fill="hold" grpId="0" nodeType="withEffect">
+                                  <p:stCondLst>
+                                    <p:cond delay="0"/>
+                                  </p:stCondLst>
+                                  <p:childTnLst>
+                                    <p:set>
+                                      <p:cBhvr>
+                                        <p:cTn id="16" dur="1" fill="hold">
+                                          <p:stCondLst>
+                                            <p:cond delay="0"/>
+                                          </p:stCondLst>
+                                        </p:cTn>
+                                        <p:tgtEl>
+                                          <p:spTgt spid="3">
+                                            <p:txEl>
+                                              <p:pRg st="4" end="4"/>
+                                            </p:txEl>
+                                          </p:spTgt>
+                                        </p:tgtEl>
+                                        <p:attrNameLst>
+                                          <p:attrName>style.visibility</p:attrName>
+                                        </p:attrNameLst>
+                                      </p:cBhvr>
+                                      <p:to>
+                                        <p:strVal val="visible"/>
+                                      </p:to>
+                                    </p:set>
+                                  </p:childTnLst>
+                                </p:cTn>
+                              </p:par>
+                            </p:childTnLst>
+                          </p:cTn>
+                        </p:par>
+                      </p:childTnLst>
+                    </p:cTn>
+                  </p:par>
+                  <p:par>
+                    <p:cTn id="17" fill="hold">
+                      <p:stCondLst>
+                        <p:cond delay="indefinite"/>
+                      </p:stCondLst>
+                      <p:childTnLst>
+                        <p:par>
+                          <p:cTn id="18" fill="hold">
+                            <p:stCondLst>
+                              <p:cond delay="0"/>
+                            </p:stCondLst>
+                            <p:childTnLst>
+                              <p:par>
+                                <p:cTn id="19" presetID="1" presetClass="entr" presetSubtype="0" fill="hold" grpId="0" nodeType="clickEffect">
+                                  <p:stCondLst>
+                                    <p:cond delay="0"/>
+                                  </p:stCondLst>
+                                  <p:childTnLst>
+                                    <p:set>
+                                      <p:cBhvr>
+                                        <p:cTn id="20" dur="1" fill="hold">
+                                          <p:stCondLst>
+                                            <p:cond delay="0"/>
+                                          </p:stCondLst>
+                                        </p:cTn>
+                                        <p:tgtEl>
+                                          <p:spTgt spid="3">
+                                            <p:txEl>
+                                              <p:pRg st="5" end="5"/>
+                                            </p:txEl>
+                                          </p:spTgt>
+                                        </p:tgtEl>
+                                        <p:attrNameLst>
+                                          <p:attrName>style.visibility</p:attrName>
+                                        </p:attrNameLst>
+                                      </p:cBhvr>
+                                      <p:to>
+                                        <p:strVal val="visible"/>
+                                      </p:to>
+                                    </p:set>
+                                  </p:childTnLst>
+                                </p:cTn>
+                              </p:par>
+                              <p:par>
+                                <p:cTn id="21" presetID="1" presetClass="entr" presetSubtype="0" fill="hold" grpId="0" nodeType="withEffect">
+                                  <p:stCondLst>
+                                    <p:cond delay="0"/>
+                                  </p:stCondLst>
+                                  <p:childTnLst>
+                                    <p:set>
+                                      <p:cBhvr>
+                                        <p:cTn id="22" dur="1" fill="hold">
+                                          <p:stCondLst>
+                                            <p:cond delay="0"/>
+                                          </p:stCondLst>
+                                        </p:cTn>
+                                        <p:tgtEl>
+                                          <p:spTgt spid="3">
+                                            <p:txEl>
+                                              <p:pRg st="6" end="6"/>
+                                            </p:txEl>
+                                          </p:spTgt>
+                                        </p:tgtEl>
+                                        <p:attrNameLst>
+                                          <p:attrName>style.visibility</p:attrName>
+                                        </p:attrNameLst>
+                                      </p:cBhvr>
+                                      <p:to>
+                                        <p:strVal val="visible"/>
+                                      </p:to>
+                                    </p:set>
+                                  </p:childTnLst>
+                                </p:cTn>
+                              </p:par>
+                              <p:par>
+                                <p:cTn id="23" presetID="1" presetClass="entr" presetSubtype="0" fill="hold" grpId="0" nodeType="withEffect">
+                                  <p:stCondLst>
+                                    <p:cond delay="0"/>
+                                  </p:stCondLst>
+                                  <p:childTnLst>
+                                    <p:set>
+                                      <p:cBhvr>
+                                        <p:cTn id="24" dur="1" fill="hold">
+                                          <p:stCondLst>
+                                            <p:cond delay="0"/>
+                                          </p:stCondLst>
+                                        </p:cTn>
+                                        <p:tgtEl>
+                                          <p:spTgt spid="3">
+                                            <p:txEl>
+                                              <p:pRg st="7" end="7"/>
+                                            </p:txEl>
+                                          </p:spTgt>
+                                        </p:tgtEl>
+                                        <p:attrNameLst>
+                                          <p:attrName>style.visibility</p:attrName>
+                                        </p:attrNameLst>
+                                      </p:cBhvr>
+                                      <p:to>
+                                        <p:strVal val="visible"/>
+                                      </p:to>
+                                    </p:set>
+                                  </p:childTnLst>
+                                </p:cTn>
+                              </p:par>
+                              <p:par>
+                                <p:cTn id="25" presetID="1" presetClass="entr" presetSubtype="0" fill="hold" grpId="0" nodeType="withEffect">
+                                  <p:stCondLst>
+                                    <p:cond delay="0"/>
+                                  </p:stCondLst>
+                                  <p:childTnLst>
+                                    <p:set>
+                                      <p:cBhvr>
+                                        <p:cTn id="26" dur="1" fill="hold">
+                                          <p:stCondLst>
+                                            <p:cond delay="0"/>
+                                          </p:stCondLst>
+                                        </p:cTn>
+                                        <p:tgtEl>
+                                          <p:spTgt spid="3">
+                                            <p:txEl>
+                                              <p:pRg st="8" end="8"/>
+                                            </p:txEl>
+                                          </p:spTgt>
+                                        </p:tgtEl>
+                                        <p:attrNameLst>
+                                          <p:attrName>style.visibility</p:attrName>
+                                        </p:attrNameLst>
+                                      </p:cBhvr>
+                                      <p:to>
+                                        <p:strVal val="visible"/>
+                                      </p:to>
+                                    </p:set>
+                                  </p:childTnLst>
+                                </p:cTn>
+                              </p:par>
+                              <p:par>
+                                <p:cTn id="27" presetID="1" presetClass="entr" presetSubtype="0" fill="hold" grpId="0" nodeType="withEffect">
+                                  <p:stCondLst>
+                                    <p:cond delay="0"/>
+                                  </p:stCondLst>
+                                  <p:childTnLst>
+                                    <p:set>
+                                      <p:cBhvr>
+                                        <p:cTn id="28" dur="1" fill="hold">
+                                          <p:stCondLst>
+                                            <p:cond delay="0"/>
+                                          </p:stCondLst>
+                                        </p:cTn>
+                                        <p:tgtEl>
+                                          <p:spTgt spid="3">
+                                            <p:txEl>
+                                              <p:pRg st="9" end="9"/>
+                                            </p:txEl>
+                                          </p:spTgt>
+                                        </p:tgtEl>
+                                        <p:attrNameLst>
+                                          <p:attrName>style.visibility</p:attrName>
+                                        </p:attrNameLst>
+                                      </p:cBhvr>
+                                      <p:to>
+                                        <p:strVal val="visible"/>
+                                      </p:to>
+                                    </p:set>
+                                  </p:childTnLst>
+                                </p:cTn>
+                              </p:par>
+                              <p:par>
+                                <p:cTn id="29" presetID="1" presetClass="entr" presetSubtype="0" fill="hold" grpId="0" nodeType="withEffect">
+                                  <p:stCondLst>
+                                    <p:cond delay="0"/>
+                                  </p:stCondLst>
+                                  <p:childTnLst>
+                                    <p:set>
+                                      <p:cBhvr>
+                                        <p:cTn id="30" dur="1" fill="hold">
+                                          <p:stCondLst>
+                                            <p:cond delay="0"/>
+                                          </p:stCondLst>
+                                        </p:cTn>
+                                        <p:tgtEl>
+                                          <p:spTgt spid="3">
+                                            <p:txEl>
+                                              <p:pRg st="10" end="10"/>
+                                            </p:txEl>
+                                          </p:spTgt>
+                                        </p:tgtEl>
+                                        <p:attrNameLst>
+                                          <p:attrName>style.visibility</p:attrName>
+                                        </p:attrNameLst>
+                                      </p:cBhvr>
+                                      <p:to>
+                                        <p:strVal val="visible"/>
+                                      </p:to>
+                                    </p:set>
+                                  </p:childTnLst>
+                                </p:cTn>
+                              </p:par>
+                            </p:childTnLst>
+                          </p:cTn>
+                        </p:par>
+                      </p:childTnLst>
+                    </p:cTn>
+                  </p:par>
+                </p:childTnLst>
+              </p:cTn>
+              <p:prevCondLst>
+                <p:cond evt="onPrev" delay="0">
+                  <p:tgtEl>
+                    <p:sldTgt/>
+                  </p:tgtEl>
+                </p:cond>
+              </p:prevCondLst>
+              <p:nextCondLst>
+                <p:cond evt="onNext" delay="0">
+                  <p:tgtEl>
+                    <p:sldTgt/>
+                  </p:tgtEl>
+                </p:cond>
+              </p:nextCondLst>
+            </p:seq>
+          </p:childTnLst>
+        </p:cTn>
+      </p:par>
+    </p:tnLst>
+    <p:bldLst>
+      <p:bldP spid="3" grpId="0" build="p"/>
+    </p:bldLst>
+  </p:timing>
 </p:sld>
 </file>
 
@@ -3932,11 +4695,7 @@
             </a:r>
             <a:r>
               <a:rPr lang="es-ES" i="1" dirty="0"/>
-              <a:t>(procesamiento distribuido de grandes volúmenes de datos y la creación de modelos en la </a:t>
-            </a:r>
-            <a:r>
-              <a:rPr lang="es-ES" i="1"/>
-              <a:t>nube)</a:t>
+              <a:t>(procesamiento distribuido de grandes volúmenes de datos y la creación de modelos en la nube)</a:t>
             </a:r>
             <a:endParaRPr lang="es-ES" dirty="0">
               <a:highlight>
@@ -4006,6 +4765,354 @@
   <p:clrMapOvr>
     <a:masterClrMapping/>
   </p:clrMapOvr>
+  <p:timing>
+    <p:tnLst>
+      <p:par>
+        <p:cTn id="1" dur="indefinite" restart="never" nodeType="tmRoot">
+          <p:childTnLst>
+            <p:seq concurrent="1" nextAc="seek">
+              <p:cTn id="2" dur="indefinite" nodeType="mainSeq">
+                <p:childTnLst>
+                  <p:par>
+                    <p:cTn id="3" fill="hold">
+                      <p:stCondLst>
+                        <p:cond delay="indefinite"/>
+                      </p:stCondLst>
+                      <p:childTnLst>
+                        <p:par>
+                          <p:cTn id="4" fill="hold">
+                            <p:stCondLst>
+                              <p:cond delay="0"/>
+                            </p:stCondLst>
+                            <p:childTnLst>
+                              <p:par>
+                                <p:cTn id="5" presetID="1" presetClass="entr" presetSubtype="0" fill="hold" grpId="0" nodeType="clickEffect">
+                                  <p:stCondLst>
+                                    <p:cond delay="0"/>
+                                  </p:stCondLst>
+                                  <p:childTnLst>
+                                    <p:set>
+                                      <p:cBhvr>
+                                        <p:cTn id="6" dur="1" fill="hold">
+                                          <p:stCondLst>
+                                            <p:cond delay="0"/>
+                                          </p:stCondLst>
+                                        </p:cTn>
+                                        <p:tgtEl>
+                                          <p:spTgt spid="3">
+                                            <p:txEl>
+                                              <p:pRg st="0" end="0"/>
+                                            </p:txEl>
+                                          </p:spTgt>
+                                        </p:tgtEl>
+                                        <p:attrNameLst>
+                                          <p:attrName>style.visibility</p:attrName>
+                                        </p:attrNameLst>
+                                      </p:cBhvr>
+                                      <p:to>
+                                        <p:strVal val="visible"/>
+                                      </p:to>
+                                    </p:set>
+                                  </p:childTnLst>
+                                </p:cTn>
+                              </p:par>
+                              <p:par>
+                                <p:cTn id="7" presetID="1" presetClass="entr" presetSubtype="0" fill="hold" grpId="0" nodeType="withEffect">
+                                  <p:stCondLst>
+                                    <p:cond delay="0"/>
+                                  </p:stCondLst>
+                                  <p:childTnLst>
+                                    <p:set>
+                                      <p:cBhvr>
+                                        <p:cTn id="8" dur="1" fill="hold">
+                                          <p:stCondLst>
+                                            <p:cond delay="0"/>
+                                          </p:stCondLst>
+                                        </p:cTn>
+                                        <p:tgtEl>
+                                          <p:spTgt spid="3">
+                                            <p:txEl>
+                                              <p:pRg st="1" end="1"/>
+                                            </p:txEl>
+                                          </p:spTgt>
+                                        </p:tgtEl>
+                                        <p:attrNameLst>
+                                          <p:attrName>style.visibility</p:attrName>
+                                        </p:attrNameLst>
+                                      </p:cBhvr>
+                                      <p:to>
+                                        <p:strVal val="visible"/>
+                                      </p:to>
+                                    </p:set>
+                                  </p:childTnLst>
+                                </p:cTn>
+                              </p:par>
+                              <p:par>
+                                <p:cTn id="9" presetID="1" presetClass="entr" presetSubtype="0" fill="hold" grpId="0" nodeType="withEffect">
+                                  <p:stCondLst>
+                                    <p:cond delay="0"/>
+                                  </p:stCondLst>
+                                  <p:childTnLst>
+                                    <p:set>
+                                      <p:cBhvr>
+                                        <p:cTn id="10" dur="1" fill="hold">
+                                          <p:stCondLst>
+                                            <p:cond delay="0"/>
+                                          </p:stCondLst>
+                                        </p:cTn>
+                                        <p:tgtEl>
+                                          <p:spTgt spid="3">
+                                            <p:txEl>
+                                              <p:pRg st="2" end="2"/>
+                                            </p:txEl>
+                                          </p:spTgt>
+                                        </p:tgtEl>
+                                        <p:attrNameLst>
+                                          <p:attrName>style.visibility</p:attrName>
+                                        </p:attrNameLst>
+                                      </p:cBhvr>
+                                      <p:to>
+                                        <p:strVal val="visible"/>
+                                      </p:to>
+                                    </p:set>
+                                  </p:childTnLst>
+                                </p:cTn>
+                              </p:par>
+                              <p:par>
+                                <p:cTn id="11" presetID="1" presetClass="entr" presetSubtype="0" fill="hold" grpId="0" nodeType="withEffect">
+                                  <p:stCondLst>
+                                    <p:cond delay="0"/>
+                                  </p:stCondLst>
+                                  <p:childTnLst>
+                                    <p:set>
+                                      <p:cBhvr>
+                                        <p:cTn id="12" dur="1" fill="hold">
+                                          <p:stCondLst>
+                                            <p:cond delay="0"/>
+                                          </p:stCondLst>
+                                        </p:cTn>
+                                        <p:tgtEl>
+                                          <p:spTgt spid="3">
+                                            <p:txEl>
+                                              <p:pRg st="3" end="3"/>
+                                            </p:txEl>
+                                          </p:spTgt>
+                                        </p:tgtEl>
+                                        <p:attrNameLst>
+                                          <p:attrName>style.visibility</p:attrName>
+                                        </p:attrNameLst>
+                                      </p:cBhvr>
+                                      <p:to>
+                                        <p:strVal val="visible"/>
+                                      </p:to>
+                                    </p:set>
+                                  </p:childTnLst>
+                                </p:cTn>
+                              </p:par>
+                              <p:par>
+                                <p:cTn id="13" presetID="1" presetClass="entr" presetSubtype="0" fill="hold" grpId="0" nodeType="withEffect">
+                                  <p:stCondLst>
+                                    <p:cond delay="0"/>
+                                  </p:stCondLst>
+                                  <p:childTnLst>
+                                    <p:set>
+                                      <p:cBhvr>
+                                        <p:cTn id="14" dur="1" fill="hold">
+                                          <p:stCondLst>
+                                            <p:cond delay="0"/>
+                                          </p:stCondLst>
+                                        </p:cTn>
+                                        <p:tgtEl>
+                                          <p:spTgt spid="3">
+                                            <p:txEl>
+                                              <p:pRg st="4" end="4"/>
+                                            </p:txEl>
+                                          </p:spTgt>
+                                        </p:tgtEl>
+                                        <p:attrNameLst>
+                                          <p:attrName>style.visibility</p:attrName>
+                                        </p:attrNameLst>
+                                      </p:cBhvr>
+                                      <p:to>
+                                        <p:strVal val="visible"/>
+                                      </p:to>
+                                    </p:set>
+                                  </p:childTnLst>
+                                </p:cTn>
+                              </p:par>
+                              <p:par>
+                                <p:cTn id="15" presetID="1" presetClass="entr" presetSubtype="0" fill="hold" grpId="0" nodeType="withEffect">
+                                  <p:stCondLst>
+                                    <p:cond delay="0"/>
+                                  </p:stCondLst>
+                                  <p:childTnLst>
+                                    <p:set>
+                                      <p:cBhvr>
+                                        <p:cTn id="16" dur="1" fill="hold">
+                                          <p:stCondLst>
+                                            <p:cond delay="0"/>
+                                          </p:stCondLst>
+                                        </p:cTn>
+                                        <p:tgtEl>
+                                          <p:spTgt spid="3">
+                                            <p:txEl>
+                                              <p:pRg st="5" end="5"/>
+                                            </p:txEl>
+                                          </p:spTgt>
+                                        </p:tgtEl>
+                                        <p:attrNameLst>
+                                          <p:attrName>style.visibility</p:attrName>
+                                        </p:attrNameLst>
+                                      </p:cBhvr>
+                                      <p:to>
+                                        <p:strVal val="visible"/>
+                                      </p:to>
+                                    </p:set>
+                                  </p:childTnLst>
+                                </p:cTn>
+                              </p:par>
+                            </p:childTnLst>
+                          </p:cTn>
+                        </p:par>
+                      </p:childTnLst>
+                    </p:cTn>
+                  </p:par>
+                  <p:par>
+                    <p:cTn id="17" fill="hold">
+                      <p:stCondLst>
+                        <p:cond delay="indefinite"/>
+                      </p:stCondLst>
+                      <p:childTnLst>
+                        <p:par>
+                          <p:cTn id="18" fill="hold">
+                            <p:stCondLst>
+                              <p:cond delay="0"/>
+                            </p:stCondLst>
+                            <p:childTnLst>
+                              <p:par>
+                                <p:cTn id="19" presetID="1" presetClass="entr" presetSubtype="0" fill="hold" grpId="0" nodeType="clickEffect">
+                                  <p:stCondLst>
+                                    <p:cond delay="0"/>
+                                  </p:stCondLst>
+                                  <p:childTnLst>
+                                    <p:set>
+                                      <p:cBhvr>
+                                        <p:cTn id="20" dur="1" fill="hold">
+                                          <p:stCondLst>
+                                            <p:cond delay="0"/>
+                                          </p:stCondLst>
+                                        </p:cTn>
+                                        <p:tgtEl>
+                                          <p:spTgt spid="3">
+                                            <p:txEl>
+                                              <p:pRg st="6" end="6"/>
+                                            </p:txEl>
+                                          </p:spTgt>
+                                        </p:tgtEl>
+                                        <p:attrNameLst>
+                                          <p:attrName>style.visibility</p:attrName>
+                                        </p:attrNameLst>
+                                      </p:cBhvr>
+                                      <p:to>
+                                        <p:strVal val="visible"/>
+                                      </p:to>
+                                    </p:set>
+                                  </p:childTnLst>
+                                </p:cTn>
+                              </p:par>
+                              <p:par>
+                                <p:cTn id="21" presetID="1" presetClass="entr" presetSubtype="0" fill="hold" grpId="0" nodeType="withEffect">
+                                  <p:stCondLst>
+                                    <p:cond delay="0"/>
+                                  </p:stCondLst>
+                                  <p:childTnLst>
+                                    <p:set>
+                                      <p:cBhvr>
+                                        <p:cTn id="22" dur="1" fill="hold">
+                                          <p:stCondLst>
+                                            <p:cond delay="0"/>
+                                          </p:stCondLst>
+                                        </p:cTn>
+                                        <p:tgtEl>
+                                          <p:spTgt spid="3">
+                                            <p:txEl>
+                                              <p:pRg st="7" end="7"/>
+                                            </p:txEl>
+                                          </p:spTgt>
+                                        </p:tgtEl>
+                                        <p:attrNameLst>
+                                          <p:attrName>style.visibility</p:attrName>
+                                        </p:attrNameLst>
+                                      </p:cBhvr>
+                                      <p:to>
+                                        <p:strVal val="visible"/>
+                                      </p:to>
+                                    </p:set>
+                                  </p:childTnLst>
+                                </p:cTn>
+                              </p:par>
+                              <p:par>
+                                <p:cTn id="23" presetID="1" presetClass="entr" presetSubtype="0" fill="hold" grpId="0" nodeType="withEffect">
+                                  <p:stCondLst>
+                                    <p:cond delay="0"/>
+                                  </p:stCondLst>
+                                  <p:childTnLst>
+                                    <p:set>
+                                      <p:cBhvr>
+                                        <p:cTn id="24" dur="1" fill="hold">
+                                          <p:stCondLst>
+                                            <p:cond delay="0"/>
+                                          </p:stCondLst>
+                                        </p:cTn>
+                                        <p:tgtEl>
+                                          <p:spTgt spid="3">
+                                            <p:txEl>
+                                              <p:pRg st="8" end="8"/>
+                                            </p:txEl>
+                                          </p:spTgt>
+                                        </p:tgtEl>
+                                        <p:attrNameLst>
+                                          <p:attrName>style.visibility</p:attrName>
+                                        </p:attrNameLst>
+                                      </p:cBhvr>
+                                      <p:to>
+                                        <p:strVal val="visible"/>
+                                      </p:to>
+                                    </p:set>
+                                  </p:childTnLst>
+                                </p:cTn>
+                              </p:par>
+                            </p:childTnLst>
+                          </p:cTn>
+                        </p:par>
+                      </p:childTnLst>
+                    </p:cTn>
+                  </p:par>
+                </p:childTnLst>
+              </p:cTn>
+              <p:prevCondLst>
+                <p:cond evt="onPrev" delay="0">
+                  <p:tgtEl>
+                    <p:sldTgt/>
+                  </p:tgtEl>
+                </p:cond>
+              </p:prevCondLst>
+              <p:nextCondLst>
+                <p:cond evt="onNext" delay="0">
+                  <p:tgtEl>
+                    <p:sldTgt/>
+                  </p:tgtEl>
+                </p:cond>
+              </p:nextCondLst>
+            </p:seq>
+          </p:childTnLst>
+        </p:cTn>
+      </p:par>
+    </p:tnLst>
+    <p:bldLst>
+      <p:bldP spid="3" grpId="0" build="p"/>
+    </p:bldLst>
+  </p:timing>
 </p:sld>
 </file>
 

--- a/03 Presentación.pptx
+++ b/03 Presentación.pptx
@@ -3508,15 +3508,31 @@
           <a:p>
             <a:pPr lvl="1"/>
             <a:r>
+              <a:rPr lang="es-ES" b="1" dirty="0"/>
+              <a:t>Matemáticas</a:t>
+            </a:r>
+            <a:r>
               <a:rPr lang="es-ES" dirty="0"/>
-              <a:t>Matemáticas y Estadísticas.</a:t>
+              <a:t> y </a:t>
+            </a:r>
+            <a:r>
+              <a:rPr lang="es-ES" b="1" dirty="0"/>
+              <a:t>Estadísticas</a:t>
+            </a:r>
+            <a:r>
+              <a:rPr lang="es-ES" dirty="0"/>
+              <a:t>.</a:t>
             </a:r>
           </a:p>
           <a:p>
             <a:pPr lvl="1"/>
             <a:r>
+              <a:rPr lang="es-ES" b="1" dirty="0"/>
+              <a:t>Ciencias Computacionales</a:t>
+            </a:r>
+            <a:r>
               <a:rPr lang="es-ES" dirty="0"/>
-              <a:t>Ciencias Computacionales: algoritmos inteligentes, </a:t>
+              <a:t>: algoritmos inteligentes, </a:t>
             </a:r>
             <a:r>
               <a:rPr lang="es-ES" dirty="0" err="1"/>
@@ -3539,7 +3555,11 @@
             </a:pPr>
             <a:r>
               <a:rPr lang="es-EC" dirty="0"/>
-              <a:t>Metodologías de aprendizaje activo</a:t>
+              <a:t>Metodologías de </a:t>
+            </a:r>
+            <a:r>
+              <a:rPr lang="es-EC" b="1" dirty="0"/>
+              <a:t>aprendizaje activo</a:t>
             </a:r>
           </a:p>
           <a:p>
@@ -3583,22 +3603,34 @@
             <a:pPr lvl="1"/>
             <a:r>
               <a:rPr lang="en-US" dirty="0"/>
-              <a:t>Computing Competencies for Undergraduate Data Science Curricula ACM Data Science Task Force – 2021 (ACM, 2021)</a:t>
+              <a:t>Computing Competencies for Undergraduate </a:t>
+            </a:r>
+            <a:r>
+              <a:rPr lang="en-US" b="1" dirty="0"/>
+              <a:t>Data Science Curricula </a:t>
+            </a:r>
+            <a:r>
+              <a:rPr lang="en-US" dirty="0"/>
+              <a:t>ACM Data Science Task Force – 2021 (ACM, 2021)</a:t>
             </a:r>
           </a:p>
           <a:p>
             <a:pPr lvl="1"/>
             <a:r>
+              <a:rPr lang="es-EC" b="1" dirty="0"/>
+              <a:t>Computer Science </a:t>
+            </a:r>
+            <a:r>
+              <a:rPr lang="es-EC" b="1" dirty="0" err="1"/>
+              <a:t>Curricula</a:t>
+            </a:r>
+            <a:r>
+              <a:rPr lang="es-EC" b="1" dirty="0"/>
+              <a:t> </a:t>
+            </a:r>
+            <a:r>
               <a:rPr lang="es-EC" dirty="0"/>
-              <a:t>Computer Science </a:t>
-            </a:r>
-            <a:r>
-              <a:rPr lang="es-EC" dirty="0" err="1"/>
-              <a:t>Curricula</a:t>
-            </a:r>
-            <a:r>
-              <a:rPr lang="es-EC" dirty="0"/>
-              <a:t> 2023 (</a:t>
+              <a:t>2023 (</a:t>
             </a:r>
             <a:r>
               <a:rPr lang="es-EC" dirty="0" err="1"/>
@@ -4093,7 +4125,7 @@
           <a:p>
             <a:pPr lvl="1"/>
             <a:r>
-              <a:rPr lang="es-EC" dirty="0"/>
+              <a:rPr lang="es-EC" b="1" dirty="0"/>
               <a:t>ABET</a:t>
             </a:r>
           </a:p>
@@ -4123,7 +4155,7 @@
           <a:p>
             <a:pPr lvl="1"/>
             <a:r>
-              <a:rPr lang="es-ES" dirty="0"/>
+              <a:rPr lang="es-ES" b="1" dirty="0"/>
               <a:t>Expertos en la industria y la academia</a:t>
             </a:r>
           </a:p>
@@ -4658,8 +4690,12 @@
           <a:p>
             <a:pPr lvl="1"/>
             <a:r>
+              <a:rPr lang="es-EC" b="1" dirty="0"/>
+              <a:t>Future of Jobs Report 2025</a:t>
+            </a:r>
+            <a:r>
               <a:rPr lang="es-EC" dirty="0"/>
-              <a:t>Future of Jobs Report 2025 del Foro Económico Mundial (WEF, 2025)</a:t>
+              <a:t> del Foro Económico Mundial (WEF, 2025)</a:t>
             </a:r>
           </a:p>
           <a:p>
@@ -4672,7 +4708,7 @@
           <a:p>
             <a:pPr lvl="1"/>
             <a:r>
-              <a:rPr lang="es-EC" dirty="0"/>
+              <a:rPr lang="es-EC" b="1" dirty="0"/>
               <a:t>The 2025 AI Index Report</a:t>
             </a:r>
           </a:p>
@@ -4686,9 +4722,13 @@
           <a:p>
             <a:pPr lvl="1"/>
             <a:r>
-              <a:rPr lang="es-EC" dirty="0"/>
-              <a:t>Comité consultivo, perfiles: </a:t>
-            </a:r>
+              <a:rPr lang="es-EC" b="1" dirty="0"/>
+              <a:t>Comité consultivo, perfiles</a:t>
+            </a:r>
+            <a:endParaRPr lang="es-EC" dirty="0"/>
+          </a:p>
+          <a:p>
+            <a:pPr lvl="2"/>
             <a:r>
               <a:rPr lang="es-ES" dirty="0"/>
               <a:t>Científico de Datos, Ingeniero/a de Datos, Ingeniero/a en Machine Learning, y Desarrollador de aplicaciones </a:t>
@@ -4720,7 +4760,23 @@
             </a:pPr>
             <a:r>
               <a:rPr lang="es-ES" dirty="0"/>
-              <a:t>Rápida adopción de tecnologías como la inteligencia artificial generativa (</a:t>
+              <a:t>Rápida </a:t>
+            </a:r>
+            <a:r>
+              <a:rPr lang="es-ES" b="1" dirty="0"/>
+              <a:t>adopción</a:t>
+            </a:r>
+            <a:r>
+              <a:rPr lang="es-ES" dirty="0"/>
+              <a:t> de tecnologías como la </a:t>
+            </a:r>
+            <a:r>
+              <a:rPr lang="es-ES" b="1" dirty="0"/>
+              <a:t>inteligencia artificial generativa </a:t>
+            </a:r>
+            <a:r>
+              <a:rPr lang="es-ES" dirty="0"/>
+              <a:t>(</a:t>
             </a:r>
             <a:r>
               <a:rPr lang="es-ES" dirty="0" err="1"/>
@@ -4737,8 +4793,20 @@
               <a:buAutoNum type="arabicPeriod"/>
             </a:pPr>
             <a:r>
+              <a:rPr lang="es-ES" b="1" dirty="0"/>
+              <a:t>Incremento</a:t>
+            </a:r>
+            <a:r>
               <a:rPr lang="es-ES" dirty="0"/>
-              <a:t>Incremento significativo en la productividad de desarrolladores con GitHub </a:t>
+              <a:t> significativo en la </a:t>
+            </a:r>
+            <a:r>
+              <a:rPr lang="es-ES" b="1" dirty="0"/>
+              <a:t>productividad</a:t>
+            </a:r>
+            <a:r>
+              <a:rPr lang="es-ES" dirty="0"/>
+              <a:t> de desarrolladores con GitHub </a:t>
             </a:r>
             <a:r>
               <a:rPr lang="es-ES" dirty="0" err="1"/>
@@ -4971,33 +5039,15 @@
                                   </p:childTnLst>
                                 </p:cTn>
                               </p:par>
-                            </p:childTnLst>
-                          </p:cTn>
-                        </p:par>
-                      </p:childTnLst>
-                    </p:cTn>
-                  </p:par>
-                  <p:par>
-                    <p:cTn id="17" fill="hold">
-                      <p:stCondLst>
-                        <p:cond delay="indefinite"/>
-                      </p:stCondLst>
-                      <p:childTnLst>
-                        <p:par>
-                          <p:cTn id="18" fill="hold">
-                            <p:stCondLst>
-                              <p:cond delay="0"/>
-                            </p:stCondLst>
-                            <p:childTnLst>
                               <p:par>
-                                <p:cTn id="19" presetID="1" presetClass="entr" presetSubtype="0" fill="hold" grpId="0" nodeType="clickEffect">
+                                <p:cTn id="17" presetID="1" presetClass="entr" presetSubtype="0" fill="hold" grpId="0" nodeType="withEffect">
                                   <p:stCondLst>
                                     <p:cond delay="0"/>
                                   </p:stCondLst>
                                   <p:childTnLst>
                                     <p:set>
                                       <p:cBhvr>
-                                        <p:cTn id="20" dur="1" fill="hold">
+                                        <p:cTn id="18" dur="1" fill="hold">
                                           <p:stCondLst>
                                             <p:cond delay="0"/>
                                           </p:stCondLst>
@@ -5020,8 +5070,26 @@
                                   </p:childTnLst>
                                 </p:cTn>
                               </p:par>
+                            </p:childTnLst>
+                          </p:cTn>
+                        </p:par>
+                      </p:childTnLst>
+                    </p:cTn>
+                  </p:par>
+                  <p:par>
+                    <p:cTn id="19" fill="hold">
+                      <p:stCondLst>
+                        <p:cond delay="indefinite"/>
+                      </p:stCondLst>
+                      <p:childTnLst>
+                        <p:par>
+                          <p:cTn id="20" fill="hold">
+                            <p:stCondLst>
+                              <p:cond delay="0"/>
+                            </p:stCondLst>
+                            <p:childTnLst>
                               <p:par>
-                                <p:cTn id="21" presetID="1" presetClass="entr" presetSubtype="0" fill="hold" grpId="0" nodeType="withEffect">
+                                <p:cTn id="21" presetID="1" presetClass="entr" presetSubtype="0" fill="hold" grpId="0" nodeType="clickEffect">
                                   <p:stCondLst>
                                     <p:cond delay="0"/>
                                   </p:stCondLst>
@@ -5068,6 +5136,37 @@
                                           <p:spTgt spid="3">
                                             <p:txEl>
                                               <p:pRg st="8" end="8"/>
+                                            </p:txEl>
+                                          </p:spTgt>
+                                        </p:tgtEl>
+                                        <p:attrNameLst>
+                                          <p:attrName>style.visibility</p:attrName>
+                                        </p:attrNameLst>
+                                      </p:cBhvr>
+                                      <p:to>
+                                        <p:strVal val="visible"/>
+                                      </p:to>
+                                    </p:set>
+                                  </p:childTnLst>
+                                </p:cTn>
+                              </p:par>
+                              <p:par>
+                                <p:cTn id="25" presetID="1" presetClass="entr" presetSubtype="0" fill="hold" grpId="0" nodeType="withEffect">
+                                  <p:stCondLst>
+                                    <p:cond delay="0"/>
+                                  </p:stCondLst>
+                                  <p:childTnLst>
+                                    <p:set>
+                                      <p:cBhvr>
+                                        <p:cTn id="26" dur="1" fill="hold">
+                                          <p:stCondLst>
+                                            <p:cond delay="0"/>
+                                          </p:stCondLst>
+                                        </p:cTn>
+                                        <p:tgtEl>
+                                          <p:spTgt spid="3">
+                                            <p:txEl>
+                                              <p:pRg st="9" end="9"/>
                                             </p:txEl>
                                           </p:spTgt>
                                         </p:tgtEl>

--- a/03 Presentación.pptx
+++ b/03 Presentación.pptx
@@ -4723,9 +4723,12 @@
             <a:pPr lvl="1"/>
             <a:r>
               <a:rPr lang="es-EC" b="1" dirty="0"/>
-              <a:t>Comité consultivo, perfiles</a:t>
-            </a:r>
-            <a:endParaRPr lang="es-EC" dirty="0"/>
+              <a:t>Comité consultivo </a:t>
+            </a:r>
+            <a:r>
+              <a:rPr lang="es-EC" dirty="0"/>
+              <a:t>(perfiles)</a:t>
+            </a:r>
           </a:p>
           <a:p>
             <a:pPr lvl="2"/>
@@ -4806,7 +4809,15 @@
             </a:r>
             <a:r>
               <a:rPr lang="es-ES" dirty="0"/>
-              <a:t> de desarrolladores con GitHub </a:t>
+              <a:t> </a:t>
+            </a:r>
+            <a:r>
+              <a:rPr lang="es-ES" b="1" dirty="0"/>
+              <a:t>de desarrolladores</a:t>
+            </a:r>
+            <a:r>
+              <a:rPr lang="es-ES" dirty="0"/>
+              <a:t> con GitHub </a:t>
             </a:r>
             <a:r>
               <a:rPr lang="es-ES" dirty="0" err="1"/>

--- a/03 Presentación.pptx
+++ b/03 Presentación.pptx
@@ -3559,7 +3559,7 @@
             </a:r>
             <a:r>
               <a:rPr lang="es-EC" b="1" dirty="0"/>
-              <a:t>aprendizaje activo</a:t>
+              <a:t>aprendizaje activo (constructivista)</a:t>
             </a:r>
           </a:p>
           <a:p>

--- a/03 Presentación.pptx
+++ b/03 Presentación.pptx
@@ -9,7 +9,8 @@
     <p:sldId id="257" r:id="rId3"/>
     <p:sldId id="258" r:id="rId4"/>
     <p:sldId id="259" r:id="rId5"/>
-    <p:sldId id="260" r:id="rId6"/>
+    <p:sldId id="261" r:id="rId6"/>
+    <p:sldId id="260" r:id="rId7"/>
   </p:sldIdLst>
   <p:sldSz cx="12192000" cy="6858000"/>
   <p:notesSz cx="6858000" cy="9144000"/>
@@ -265,7 +266,7 @@
           <a:p>
             <a:fld id="{EFF27265-5A35-4507-BA5A-A8DC4F8205C0}" type="datetimeFigureOut">
               <a:rPr lang="es-EC" smtClean="0"/>
-              <a:t>14/4/2025</a:t>
+              <a:t>14/5/2025</a:t>
             </a:fld>
             <a:endParaRPr lang="es-EC"/>
           </a:p>
@@ -465,7 +466,7 @@
           <a:p>
             <a:fld id="{EFF27265-5A35-4507-BA5A-A8DC4F8205C0}" type="datetimeFigureOut">
               <a:rPr lang="es-EC" smtClean="0"/>
-              <a:t>14/4/2025</a:t>
+              <a:t>14/5/2025</a:t>
             </a:fld>
             <a:endParaRPr lang="es-EC"/>
           </a:p>
@@ -675,7 +676,7 @@
           <a:p>
             <a:fld id="{EFF27265-5A35-4507-BA5A-A8DC4F8205C0}" type="datetimeFigureOut">
               <a:rPr lang="es-EC" smtClean="0"/>
-              <a:t>14/4/2025</a:t>
+              <a:t>14/5/2025</a:t>
             </a:fld>
             <a:endParaRPr lang="es-EC"/>
           </a:p>
@@ -875,7 +876,7 @@
           <a:p>
             <a:fld id="{EFF27265-5A35-4507-BA5A-A8DC4F8205C0}" type="datetimeFigureOut">
               <a:rPr lang="es-EC" smtClean="0"/>
-              <a:t>14/4/2025</a:t>
+              <a:t>14/5/2025</a:t>
             </a:fld>
             <a:endParaRPr lang="es-EC"/>
           </a:p>
@@ -1151,7 +1152,7 @@
           <a:p>
             <a:fld id="{EFF27265-5A35-4507-BA5A-A8DC4F8205C0}" type="datetimeFigureOut">
               <a:rPr lang="es-EC" smtClean="0"/>
-              <a:t>14/4/2025</a:t>
+              <a:t>14/5/2025</a:t>
             </a:fld>
             <a:endParaRPr lang="es-EC"/>
           </a:p>
@@ -1419,7 +1420,7 @@
           <a:p>
             <a:fld id="{EFF27265-5A35-4507-BA5A-A8DC4F8205C0}" type="datetimeFigureOut">
               <a:rPr lang="es-EC" smtClean="0"/>
-              <a:t>14/4/2025</a:t>
+              <a:t>14/5/2025</a:t>
             </a:fld>
             <a:endParaRPr lang="es-EC"/>
           </a:p>
@@ -1834,7 +1835,7 @@
           <a:p>
             <a:fld id="{EFF27265-5A35-4507-BA5A-A8DC4F8205C0}" type="datetimeFigureOut">
               <a:rPr lang="es-EC" smtClean="0"/>
-              <a:t>14/4/2025</a:t>
+              <a:t>14/5/2025</a:t>
             </a:fld>
             <a:endParaRPr lang="es-EC"/>
           </a:p>
@@ -1976,7 +1977,7 @@
           <a:p>
             <a:fld id="{EFF27265-5A35-4507-BA5A-A8DC4F8205C0}" type="datetimeFigureOut">
               <a:rPr lang="es-EC" smtClean="0"/>
-              <a:t>14/4/2025</a:t>
+              <a:t>14/5/2025</a:t>
             </a:fld>
             <a:endParaRPr lang="es-EC"/>
           </a:p>
@@ -2089,7 +2090,7 @@
           <a:p>
             <a:fld id="{EFF27265-5A35-4507-BA5A-A8DC4F8205C0}" type="datetimeFigureOut">
               <a:rPr lang="es-EC" smtClean="0"/>
-              <a:t>14/4/2025</a:t>
+              <a:t>14/5/2025</a:t>
             </a:fld>
             <a:endParaRPr lang="es-EC"/>
           </a:p>
@@ -2402,7 +2403,7 @@
           <a:p>
             <a:fld id="{EFF27265-5A35-4507-BA5A-A8DC4F8205C0}" type="datetimeFigureOut">
               <a:rPr lang="es-EC" smtClean="0"/>
-              <a:t>14/4/2025</a:t>
+              <a:t>14/5/2025</a:t>
             </a:fld>
             <a:endParaRPr lang="es-EC"/>
           </a:p>
@@ -2691,7 +2692,7 @@
           <a:p>
             <a:fld id="{EFF27265-5A35-4507-BA5A-A8DC4F8205C0}" type="datetimeFigureOut">
               <a:rPr lang="es-EC" smtClean="0"/>
-              <a:t>14/4/2025</a:t>
+              <a:t>14/5/2025</a:t>
             </a:fld>
             <a:endParaRPr lang="es-EC"/>
           </a:p>
@@ -2934,7 +2935,7 @@
           <a:p>
             <a:fld id="{EFF27265-5A35-4507-BA5A-A8DC4F8205C0}" type="datetimeFigureOut">
               <a:rPr lang="es-EC" smtClean="0"/>
-              <a:t>14/4/2025</a:t>
+              <a:t>14/5/2025</a:t>
             </a:fld>
             <a:endParaRPr lang="es-EC"/>
           </a:p>
@@ -5248,6 +5249,89 @@
           <p:cNvPr id="2" name="Título 1">
             <a:extLst>
               <a:ext uri="{FF2B5EF4-FFF2-40B4-BE49-F238E27FC236}">
+                <a16:creationId xmlns:a16="http://schemas.microsoft.com/office/drawing/2014/main" id="{0C3FA965-AE29-DCF1-E968-B0985904DE2F}"/>
+              </a:ext>
+            </a:extLst>
+          </p:cNvPr>
+          <p:cNvSpPr>
+            <a:spLocks noGrp="1"/>
+          </p:cNvSpPr>
+          <p:nvPr>
+            <p:ph type="title"/>
+          </p:nvPr>
+        </p:nvSpPr>
+        <p:spPr/>
+        <p:txBody>
+          <a:bodyPr/>
+          <a:lstStyle/>
+          <a:p>
+            <a:r>
+              <a:rPr lang="es-EC" dirty="0"/>
+              <a:t>Perfiles</a:t>
+            </a:r>
+          </a:p>
+        </p:txBody>
+      </p:sp>
+      <p:sp>
+        <p:nvSpPr>
+          <p:cNvPr id="3" name="Marcador de contenido 2">
+            <a:extLst>
+              <a:ext uri="{FF2B5EF4-FFF2-40B4-BE49-F238E27FC236}">
+                <a16:creationId xmlns:a16="http://schemas.microsoft.com/office/drawing/2014/main" id="{6A8A39D7-CCBD-9E9A-6F4F-8691CFBF0822}"/>
+              </a:ext>
+            </a:extLst>
+          </p:cNvPr>
+          <p:cNvSpPr>
+            <a:spLocks noGrp="1"/>
+          </p:cNvSpPr>
+          <p:nvPr>
+            <p:ph idx="1"/>
+          </p:nvPr>
+        </p:nvSpPr>
+        <p:spPr/>
+        <p:txBody>
+          <a:bodyPr/>
+          <a:lstStyle/>
+          <a:p>
+            <a:endParaRPr lang="es-EC" dirty="0"/>
+          </a:p>
+        </p:txBody>
+      </p:sp>
+    </p:spTree>
+    <p:extLst>
+      <p:ext uri="{BB962C8B-B14F-4D97-AF65-F5344CB8AC3E}">
+        <p14:creationId xmlns:p14="http://schemas.microsoft.com/office/powerpoint/2010/main" val="4032803547"/>
+      </p:ext>
+    </p:extLst>
+  </p:cSld>
+  <p:clrMapOvr>
+    <a:masterClrMapping/>
+  </p:clrMapOvr>
+</p:sld>
+</file>
+
+<file path=ppt/slides/slide6.xml><?xml version="1.0" encoding="utf-8"?>
+<p:sld xmlns:a="http://schemas.openxmlformats.org/drawingml/2006/main" xmlns:r="http://schemas.openxmlformats.org/officeDocument/2006/relationships" xmlns:p="http://schemas.openxmlformats.org/presentationml/2006/main">
+  <p:cSld>
+    <p:spTree>
+      <p:nvGrpSpPr>
+        <p:cNvPr id="1" name=""/>
+        <p:cNvGrpSpPr/>
+        <p:nvPr/>
+      </p:nvGrpSpPr>
+      <p:grpSpPr>
+        <a:xfrm>
+          <a:off x="0" y="0"/>
+          <a:ext cx="0" cy="0"/>
+          <a:chOff x="0" y="0"/>
+          <a:chExt cx="0" cy="0"/>
+        </a:xfrm>
+      </p:grpSpPr>
+      <p:sp>
+        <p:nvSpPr>
+          <p:cNvPr id="2" name="Título 1">
+            <a:extLst>
+              <a:ext uri="{FF2B5EF4-FFF2-40B4-BE49-F238E27FC236}">
                 <a16:creationId xmlns:a16="http://schemas.microsoft.com/office/drawing/2014/main" id="{6A6926A6-8B66-05B3-E08C-FB011589E149}"/>
               </a:ext>
             </a:extLst>

--- a/03 Presentación.pptx
+++ b/03 Presentación.pptx
@@ -7,10 +7,15 @@
   <p:sldIdLst>
     <p:sldId id="256" r:id="rId2"/>
     <p:sldId id="257" r:id="rId3"/>
-    <p:sldId id="258" r:id="rId4"/>
-    <p:sldId id="259" r:id="rId5"/>
-    <p:sldId id="261" r:id="rId6"/>
-    <p:sldId id="260" r:id="rId7"/>
+    <p:sldId id="262" r:id="rId4"/>
+    <p:sldId id="258" r:id="rId5"/>
+    <p:sldId id="263" r:id="rId6"/>
+    <p:sldId id="259" r:id="rId7"/>
+    <p:sldId id="264" r:id="rId8"/>
+    <p:sldId id="261" r:id="rId9"/>
+    <p:sldId id="265" r:id="rId10"/>
+    <p:sldId id="266" r:id="rId11"/>
+    <p:sldId id="260" r:id="rId12"/>
   </p:sldIdLst>
   <p:sldSz cx="12192000" cy="6858000"/>
   <p:notesSz cx="6858000" cy="9144000"/>
@@ -266,7 +271,7 @@
           <a:p>
             <a:fld id="{EFF27265-5A35-4507-BA5A-A8DC4F8205C0}" type="datetimeFigureOut">
               <a:rPr lang="es-EC" smtClean="0"/>
-              <a:t>14/5/2025</a:t>
+              <a:t>18/5/2025</a:t>
             </a:fld>
             <a:endParaRPr lang="es-EC"/>
           </a:p>
@@ -466,7 +471,7 @@
           <a:p>
             <a:fld id="{EFF27265-5A35-4507-BA5A-A8DC4F8205C0}" type="datetimeFigureOut">
               <a:rPr lang="es-EC" smtClean="0"/>
-              <a:t>14/5/2025</a:t>
+              <a:t>18/5/2025</a:t>
             </a:fld>
             <a:endParaRPr lang="es-EC"/>
           </a:p>
@@ -676,7 +681,7 @@
           <a:p>
             <a:fld id="{EFF27265-5A35-4507-BA5A-A8DC4F8205C0}" type="datetimeFigureOut">
               <a:rPr lang="es-EC" smtClean="0"/>
-              <a:t>14/5/2025</a:t>
+              <a:t>18/5/2025</a:t>
             </a:fld>
             <a:endParaRPr lang="es-EC"/>
           </a:p>
@@ -876,7 +881,7 @@
           <a:p>
             <a:fld id="{EFF27265-5A35-4507-BA5A-A8DC4F8205C0}" type="datetimeFigureOut">
               <a:rPr lang="es-EC" smtClean="0"/>
-              <a:t>14/5/2025</a:t>
+              <a:t>18/5/2025</a:t>
             </a:fld>
             <a:endParaRPr lang="es-EC"/>
           </a:p>
@@ -1152,7 +1157,7 @@
           <a:p>
             <a:fld id="{EFF27265-5A35-4507-BA5A-A8DC4F8205C0}" type="datetimeFigureOut">
               <a:rPr lang="es-EC" smtClean="0"/>
-              <a:t>14/5/2025</a:t>
+              <a:t>18/5/2025</a:t>
             </a:fld>
             <a:endParaRPr lang="es-EC"/>
           </a:p>
@@ -1420,7 +1425,7 @@
           <a:p>
             <a:fld id="{EFF27265-5A35-4507-BA5A-A8DC4F8205C0}" type="datetimeFigureOut">
               <a:rPr lang="es-EC" smtClean="0"/>
-              <a:t>14/5/2025</a:t>
+              <a:t>18/5/2025</a:t>
             </a:fld>
             <a:endParaRPr lang="es-EC"/>
           </a:p>
@@ -1835,7 +1840,7 @@
           <a:p>
             <a:fld id="{EFF27265-5A35-4507-BA5A-A8DC4F8205C0}" type="datetimeFigureOut">
               <a:rPr lang="es-EC" smtClean="0"/>
-              <a:t>14/5/2025</a:t>
+              <a:t>18/5/2025</a:t>
             </a:fld>
             <a:endParaRPr lang="es-EC"/>
           </a:p>
@@ -1977,7 +1982,7 @@
           <a:p>
             <a:fld id="{EFF27265-5A35-4507-BA5A-A8DC4F8205C0}" type="datetimeFigureOut">
               <a:rPr lang="es-EC" smtClean="0"/>
-              <a:t>14/5/2025</a:t>
+              <a:t>18/5/2025</a:t>
             </a:fld>
             <a:endParaRPr lang="es-EC"/>
           </a:p>
@@ -2090,7 +2095,7 @@
           <a:p>
             <a:fld id="{EFF27265-5A35-4507-BA5A-A8DC4F8205C0}" type="datetimeFigureOut">
               <a:rPr lang="es-EC" smtClean="0"/>
-              <a:t>14/5/2025</a:t>
+              <a:t>18/5/2025</a:t>
             </a:fld>
             <a:endParaRPr lang="es-EC"/>
           </a:p>
@@ -2403,7 +2408,7 @@
           <a:p>
             <a:fld id="{EFF27265-5A35-4507-BA5A-A8DC4F8205C0}" type="datetimeFigureOut">
               <a:rPr lang="es-EC" smtClean="0"/>
-              <a:t>14/5/2025</a:t>
+              <a:t>18/5/2025</a:t>
             </a:fld>
             <a:endParaRPr lang="es-EC"/>
           </a:p>
@@ -2692,7 +2697,7 @@
           <a:p>
             <a:fld id="{EFF27265-5A35-4507-BA5A-A8DC4F8205C0}" type="datetimeFigureOut">
               <a:rPr lang="es-EC" smtClean="0"/>
-              <a:t>14/5/2025</a:t>
+              <a:t>18/5/2025</a:t>
             </a:fld>
             <a:endParaRPr lang="es-EC"/>
           </a:p>
@@ -2935,7 +2940,7 @@
           <a:p>
             <a:fld id="{EFF27265-5A35-4507-BA5A-A8DC4F8205C0}" type="datetimeFigureOut">
               <a:rPr lang="es-EC" smtClean="0"/>
-              <a:t>14/5/2025</a:t>
+              <a:t>18/5/2025</a:t>
             </a:fld>
             <a:endParaRPr lang="es-EC"/>
           </a:p>
@@ -3429,6 +3434,429 @@
 </p:sld>
 </file>
 
+<file path=ppt/slides/slide10.xml><?xml version="1.0" encoding="utf-8"?>
+<p:sld xmlns:a="http://schemas.openxmlformats.org/drawingml/2006/main" xmlns:r="http://schemas.openxmlformats.org/officeDocument/2006/relationships" xmlns:p="http://schemas.openxmlformats.org/presentationml/2006/main">
+  <p:cSld>
+    <p:spTree>
+      <p:nvGrpSpPr>
+        <p:cNvPr id="1" name=""/>
+        <p:cNvGrpSpPr/>
+        <p:nvPr/>
+      </p:nvGrpSpPr>
+      <p:grpSpPr>
+        <a:xfrm>
+          <a:off x="0" y="0"/>
+          <a:ext cx="0" cy="0"/>
+          <a:chOff x="0" y="0"/>
+          <a:chExt cx="0" cy="0"/>
+        </a:xfrm>
+      </p:grpSpPr>
+      <p:sp>
+        <p:nvSpPr>
+          <p:cNvPr id="2" name="Título 1">
+            <a:extLst>
+              <a:ext uri="{FF2B5EF4-FFF2-40B4-BE49-F238E27FC236}">
+                <a16:creationId xmlns:a16="http://schemas.microsoft.com/office/drawing/2014/main" id="{AF8D58D4-6591-8858-F0E8-CFDF162E092E}"/>
+              </a:ext>
+            </a:extLst>
+          </p:cNvPr>
+          <p:cNvSpPr>
+            <a:spLocks noGrp="1"/>
+          </p:cNvSpPr>
+          <p:nvPr>
+            <p:ph type="title"/>
+          </p:nvPr>
+        </p:nvSpPr>
+        <p:spPr/>
+        <p:txBody>
+          <a:bodyPr/>
+          <a:lstStyle/>
+          <a:p>
+            <a:r>
+              <a:rPr lang="es-EC" dirty="0"/>
+              <a:t>Áreas de desempeño</a:t>
+            </a:r>
+          </a:p>
+        </p:txBody>
+      </p:sp>
+      <p:sp>
+        <p:nvSpPr>
+          <p:cNvPr id="3" name="Marcador de contenido 2">
+            <a:extLst>
+              <a:ext uri="{FF2B5EF4-FFF2-40B4-BE49-F238E27FC236}">
+                <a16:creationId xmlns:a16="http://schemas.microsoft.com/office/drawing/2014/main" id="{75A439FA-AAE3-B350-8C12-24737812CDA3}"/>
+              </a:ext>
+            </a:extLst>
+          </p:cNvPr>
+          <p:cNvSpPr>
+            <a:spLocks noGrp="1"/>
+          </p:cNvSpPr>
+          <p:nvPr>
+            <p:ph idx="1"/>
+          </p:nvPr>
+        </p:nvSpPr>
+        <p:spPr/>
+        <p:txBody>
+          <a:bodyPr/>
+          <a:lstStyle/>
+          <a:p>
+            <a:r>
+              <a:rPr lang="es-EC" dirty="0"/>
+              <a:t>Ciencia de Datos</a:t>
+            </a:r>
+          </a:p>
+          <a:p>
+            <a:pPr lvl="1"/>
+            <a:r>
+              <a:rPr lang="es-EC" dirty="0"/>
+              <a:t>Análisis avanzado de grandes volúmenes de datos</a:t>
+            </a:r>
+          </a:p>
+          <a:p>
+            <a:r>
+              <a:rPr lang="es-EC" dirty="0"/>
+              <a:t>Ingeniería de Datos</a:t>
+            </a:r>
+          </a:p>
+          <a:p>
+            <a:pPr lvl="1"/>
+            <a:r>
+              <a:rPr lang="es-ES" dirty="0"/>
+              <a:t>Infraestructura para la gestión de datos</a:t>
+            </a:r>
+            <a:endParaRPr lang="es-EC" dirty="0"/>
+          </a:p>
+          <a:p>
+            <a:r>
+              <a:rPr lang="es-EC" dirty="0"/>
+              <a:t>Ingeniería en Machine Learning</a:t>
+            </a:r>
+          </a:p>
+          <a:p>
+            <a:pPr lvl="1"/>
+            <a:r>
+              <a:rPr lang="es-EC" dirty="0"/>
+              <a:t>Modelos de aprendizaje automático </a:t>
+            </a:r>
+          </a:p>
+          <a:p>
+            <a:r>
+              <a:rPr lang="es-ES" dirty="0"/>
+              <a:t>Desarrollo de aplicaciones basadas en datos y algoritmos inteligentes</a:t>
+            </a:r>
+          </a:p>
+          <a:p>
+            <a:pPr lvl="1"/>
+            <a:r>
+              <a:rPr lang="es-EC" dirty="0"/>
+              <a:t>Soluciones tecnológicas para CD e IA</a:t>
+            </a:r>
+          </a:p>
+        </p:txBody>
+      </p:sp>
+    </p:spTree>
+    <p:extLst>
+      <p:ext uri="{BB962C8B-B14F-4D97-AF65-F5344CB8AC3E}">
+        <p14:creationId xmlns:p14="http://schemas.microsoft.com/office/powerpoint/2010/main" val="758750764"/>
+      </p:ext>
+    </p:extLst>
+  </p:cSld>
+  <p:clrMapOvr>
+    <a:masterClrMapping/>
+  </p:clrMapOvr>
+</p:sld>
+</file>
+
+<file path=ppt/slides/slide11.xml><?xml version="1.0" encoding="utf-8"?>
+<p:sld xmlns:a="http://schemas.openxmlformats.org/drawingml/2006/main" xmlns:r="http://schemas.openxmlformats.org/officeDocument/2006/relationships" xmlns:p="http://schemas.openxmlformats.org/presentationml/2006/main">
+  <p:cSld>
+    <p:spTree>
+      <p:nvGrpSpPr>
+        <p:cNvPr id="1" name=""/>
+        <p:cNvGrpSpPr/>
+        <p:nvPr/>
+      </p:nvGrpSpPr>
+      <p:grpSpPr>
+        <a:xfrm>
+          <a:off x="0" y="0"/>
+          <a:ext cx="0" cy="0"/>
+          <a:chOff x="0" y="0"/>
+          <a:chExt cx="0" cy="0"/>
+        </a:xfrm>
+      </p:grpSpPr>
+      <p:sp>
+        <p:nvSpPr>
+          <p:cNvPr id="2" name="Título 1">
+            <a:extLst>
+              <a:ext uri="{FF2B5EF4-FFF2-40B4-BE49-F238E27FC236}">
+                <a16:creationId xmlns:a16="http://schemas.microsoft.com/office/drawing/2014/main" id="{6A6926A6-8B66-05B3-E08C-FB011589E149}"/>
+              </a:ext>
+            </a:extLst>
+          </p:cNvPr>
+          <p:cNvSpPr>
+            <a:spLocks noGrp="1"/>
+          </p:cNvSpPr>
+          <p:nvPr>
+            <p:ph type="title"/>
+          </p:nvPr>
+        </p:nvSpPr>
+        <p:spPr/>
+        <p:txBody>
+          <a:bodyPr/>
+          <a:lstStyle/>
+          <a:p>
+            <a:r>
+              <a:rPr lang="es-EC" dirty="0"/>
+              <a:t>Referencias</a:t>
+            </a:r>
+          </a:p>
+        </p:txBody>
+      </p:sp>
+      <p:sp>
+        <p:nvSpPr>
+          <p:cNvPr id="3" name="Marcador de contenido 2">
+            <a:extLst>
+              <a:ext uri="{FF2B5EF4-FFF2-40B4-BE49-F238E27FC236}">
+                <a16:creationId xmlns:a16="http://schemas.microsoft.com/office/drawing/2014/main" id="{0B0B3DD6-8B0D-AEFB-F2E9-61949012AEA3}"/>
+              </a:ext>
+            </a:extLst>
+          </p:cNvPr>
+          <p:cNvSpPr>
+            <a:spLocks noGrp="1"/>
+          </p:cNvSpPr>
+          <p:nvPr>
+            <p:ph idx="1"/>
+          </p:nvPr>
+        </p:nvSpPr>
+        <p:spPr/>
+        <p:txBody>
+          <a:bodyPr>
+            <a:normAutofit fontScale="62500" lnSpcReduction="20000"/>
+          </a:bodyPr>
+          <a:lstStyle/>
+          <a:p>
+            <a:r>
+              <a:rPr lang="es-ES" dirty="0"/>
+              <a:t>Planificación, S. N. (2024). Plan de Desarrollo para el Nuevo Ecuador. Quito.</a:t>
+            </a:r>
+          </a:p>
+          <a:p>
+            <a:r>
+              <a:rPr lang="es-ES" dirty="0"/>
+              <a:t>ONU, N. U. (13 de Abril de 2024). Objetivos y metas de desarrollo sostenible. Obtenido de Objetivos y metas de desarrollo sostenible - Desarrollo Sostenible.: https://www.un.org/sustainabledevelopment/es/objetivos-de-desarrollo-sostenible/</a:t>
+            </a:r>
+            <a:endParaRPr lang="en-US" dirty="0"/>
+          </a:p>
+          <a:p>
+            <a:r>
+              <a:rPr lang="en-US" dirty="0"/>
+              <a:t>ACM Data Science Task Force. 2021. Computing competencies for undergraduate data science curricula. Association for Computing Machinery, New York, NY, USA.</a:t>
+            </a:r>
+            <a:endParaRPr lang="es-EC" dirty="0"/>
+          </a:p>
+          <a:p>
+            <a:r>
+              <a:rPr lang="es-EC" dirty="0" err="1"/>
+              <a:t>Amruth</a:t>
+            </a:r>
+            <a:r>
+              <a:rPr lang="es-EC" dirty="0"/>
+              <a:t> N. Kumar, Rajendra K. Raj, Sherif G. </a:t>
+            </a:r>
+            <a:r>
+              <a:rPr lang="es-EC" dirty="0" err="1"/>
+              <a:t>Aly</a:t>
+            </a:r>
+            <a:r>
+              <a:rPr lang="es-EC" dirty="0"/>
+              <a:t>, </a:t>
+            </a:r>
+            <a:r>
+              <a:rPr lang="es-EC" dirty="0" err="1"/>
+              <a:t>Monica</a:t>
+            </a:r>
+            <a:r>
+              <a:rPr lang="es-EC" dirty="0"/>
+              <a:t> D. Anderson, Brett A. Becker, Richard L. Blumenthal, Eric Eaton, Susan L. Epstein, Michael </a:t>
+            </a:r>
+            <a:r>
+              <a:rPr lang="es-EC" dirty="0" err="1"/>
+              <a:t>Goldweber</a:t>
+            </a:r>
+            <a:r>
+              <a:rPr lang="es-EC" dirty="0"/>
+              <a:t>, Pankaj </a:t>
+            </a:r>
+            <a:r>
+              <a:rPr lang="es-EC" dirty="0" err="1"/>
+              <a:t>Jalote</a:t>
+            </a:r>
+            <a:r>
+              <a:rPr lang="es-EC" dirty="0"/>
+              <a:t>, Douglas Lea, Michael </a:t>
+            </a:r>
+            <a:r>
+              <a:rPr lang="es-EC" dirty="0" err="1"/>
+              <a:t>Oudshoorn</a:t>
+            </a:r>
+            <a:r>
+              <a:rPr lang="es-EC" dirty="0"/>
+              <a:t>, Marcelo </a:t>
+            </a:r>
+            <a:r>
+              <a:rPr lang="es-EC" dirty="0" err="1"/>
+              <a:t>Pias</a:t>
+            </a:r>
+            <a:r>
+              <a:rPr lang="es-EC" dirty="0"/>
+              <a:t>, Susan </a:t>
+            </a:r>
+            <a:r>
+              <a:rPr lang="es-EC" dirty="0" err="1"/>
+              <a:t>Reiser</a:t>
+            </a:r>
+            <a:r>
+              <a:rPr lang="es-EC" dirty="0"/>
+              <a:t>, Christian </a:t>
+            </a:r>
+            <a:r>
+              <a:rPr lang="es-EC" dirty="0" err="1"/>
+              <a:t>Servin</a:t>
+            </a:r>
+            <a:r>
+              <a:rPr lang="es-EC" dirty="0"/>
+              <a:t>, </a:t>
+            </a:r>
+            <a:r>
+              <a:rPr lang="es-EC" dirty="0" err="1"/>
+              <a:t>Rahul</a:t>
+            </a:r>
+            <a:r>
+              <a:rPr lang="es-EC" dirty="0"/>
+              <a:t> </a:t>
+            </a:r>
+            <a:r>
+              <a:rPr lang="es-EC" dirty="0" err="1"/>
+              <a:t>Simha</a:t>
+            </a:r>
+            <a:r>
+              <a:rPr lang="es-EC" dirty="0"/>
+              <a:t>, </a:t>
+            </a:r>
+            <a:r>
+              <a:rPr lang="es-EC" dirty="0" err="1"/>
+              <a:t>Titus</a:t>
+            </a:r>
+            <a:r>
+              <a:rPr lang="es-EC" dirty="0"/>
+              <a:t> </a:t>
+            </a:r>
+            <a:r>
+              <a:rPr lang="es-EC" dirty="0" err="1"/>
+              <a:t>Winters</a:t>
+            </a:r>
+            <a:r>
+              <a:rPr lang="es-EC" dirty="0"/>
+              <a:t>, and </a:t>
+            </a:r>
+            <a:r>
+              <a:rPr lang="es-EC" dirty="0" err="1"/>
+              <a:t>Qiao</a:t>
+            </a:r>
+            <a:r>
+              <a:rPr lang="es-EC" dirty="0"/>
+              <a:t> </a:t>
+            </a:r>
+            <a:r>
+              <a:rPr lang="es-EC" dirty="0" err="1"/>
+              <a:t>Xiang</a:t>
+            </a:r>
+            <a:r>
+              <a:rPr lang="es-EC" dirty="0"/>
+              <a:t>. 2024. Computer Science </a:t>
+            </a:r>
+            <a:r>
+              <a:rPr lang="es-EC" dirty="0" err="1"/>
+              <a:t>Curricula</a:t>
+            </a:r>
+            <a:r>
+              <a:rPr lang="es-EC" dirty="0"/>
+              <a:t> 2023. </a:t>
+            </a:r>
+            <a:r>
+              <a:rPr lang="es-EC" dirty="0" err="1"/>
+              <a:t>Association</a:t>
+            </a:r>
+            <a:r>
+              <a:rPr lang="es-EC" dirty="0"/>
+              <a:t> </a:t>
+            </a:r>
+            <a:r>
+              <a:rPr lang="es-EC" dirty="0" err="1"/>
+              <a:t>for</a:t>
+            </a:r>
+            <a:r>
+              <a:rPr lang="es-EC" dirty="0"/>
+              <a:t> Computing </a:t>
+            </a:r>
+            <a:r>
+              <a:rPr lang="es-EC" dirty="0" err="1"/>
+              <a:t>Machinery</a:t>
+            </a:r>
+            <a:r>
+              <a:rPr lang="es-EC" dirty="0"/>
+              <a:t>, New York, NY, USA.</a:t>
+            </a:r>
+          </a:p>
+          <a:p>
+            <a:r>
+              <a:rPr lang="en-US" dirty="0"/>
+              <a:t>World Economic Forum (2025). The Future of Jobs Report 2025. </a:t>
+            </a:r>
+            <a:r>
+              <a:rPr lang="en-US" dirty="0" err="1"/>
+              <a:t>Obtenido</a:t>
+            </a:r>
+            <a:r>
+              <a:rPr lang="en-US" dirty="0"/>
+              <a:t> de The Future of Jobs Report 2025: </a:t>
+            </a:r>
+            <a:r>
+              <a:rPr lang="en-US" dirty="0">
+                <a:hlinkClick r:id="rId2"/>
+              </a:rPr>
+              <a:t>https://reports.weforum.org/docs/WEF_Future_of_Jobs_Report_2025.pdf</a:t>
+            </a:r>
+            <a:endParaRPr lang="en-US" dirty="0"/>
+          </a:p>
+          <a:p>
+            <a:r>
+              <a:rPr lang="en-US" dirty="0"/>
+              <a:t>Cui, Z. a. (2025). The Effects of Generative AI on High-Skilled Work: Evidence from Three Field Experiments with Software Developers</a:t>
+            </a:r>
+          </a:p>
+          <a:p>
+            <a:r>
+              <a:rPr lang="en-US" dirty="0"/>
+              <a:t>Song, F., Agarwal, A., &amp; Wen, W. (2024). The Impact of Generative AI on Collaborative Open-Source Software Development: Evidence from GitHub Copilot.</a:t>
+            </a:r>
+            <a:endParaRPr lang="es-EC" dirty="0"/>
+          </a:p>
+        </p:txBody>
+      </p:sp>
+    </p:spTree>
+    <p:extLst>
+      <p:ext uri="{BB962C8B-B14F-4D97-AF65-F5344CB8AC3E}">
+        <p14:creationId xmlns:p14="http://schemas.microsoft.com/office/powerpoint/2010/main" val="76606081"/>
+      </p:ext>
+    </p:extLst>
+  </p:cSld>
+  <p:clrMapOvr>
+    <a:masterClrMapping/>
+  </p:clrMapOvr>
+</p:sld>
+</file>
+
 <file path=ppt/slides/slide2.xml><?xml version="1.0" encoding="utf-8"?>
 <p:sld xmlns:a="http://schemas.openxmlformats.org/drawingml/2006/main" xmlns:r="http://schemas.openxmlformats.org/officeDocument/2006/relationships" xmlns:p="http://schemas.openxmlformats.org/presentationml/2006/main">
   <p:cSld>
@@ -3493,7 +3921,7 @@
         <p:spPr/>
         <p:txBody>
           <a:bodyPr>
-            <a:normAutofit lnSpcReduction="10000"/>
+            <a:normAutofit fontScale="77500" lnSpcReduction="20000"/>
           </a:bodyPr>
           <a:lstStyle/>
           <a:p>
@@ -3507,6 +3935,12 @@
             </a:r>
           </a:p>
           <a:p>
+            <a:pPr marL="0" indent="0">
+              <a:buNone/>
+            </a:pPr>
+            <a:endParaRPr lang="es-ES" dirty="0"/>
+          </a:p>
+          <a:p>
             <a:pPr lvl="1"/>
             <a:r>
               <a:rPr lang="es-ES" b="1" dirty="0"/>
@@ -3533,26 +3967,38 @@
             </a:r>
             <a:r>
               <a:rPr lang="es-ES" dirty="0"/>
-              <a:t>: algoritmos inteligentes, </a:t>
-            </a:r>
-            <a:r>
-              <a:rPr lang="es-ES" dirty="0" err="1"/>
-              <a:t>computaci</a:t>
-            </a:r>
-            <a:r>
-              <a:rPr lang="es-EC" dirty="0" err="1"/>
-              <a:t>ón</a:t>
+              <a:t>: algoritmos inteligentes, computación</a:t>
             </a:r>
             <a:r>
               <a:rPr lang="es-EC" dirty="0"/>
               <a:t> en la nube, programación en paralelo, etc.</a:t>
             </a:r>
+          </a:p>
+          <a:p>
+            <a:pPr lvl="2"/>
+            <a:r>
+              <a:rPr lang="es-ES" b="1" dirty="0"/>
+              <a:t>Gestión de datos:</a:t>
+            </a:r>
+            <a:r>
+              <a:rPr lang="es-ES" dirty="0"/>
+              <a:t> </a:t>
+            </a:r>
+            <a:r>
+              <a:rPr lang="es-EC" i="1" dirty="0"/>
+              <a:t>recolección, almacenamiento, análisis y destrucción</a:t>
+            </a:r>
+          </a:p>
+          <a:p>
+            <a:pPr marL="914400" lvl="2" indent="0">
+              <a:buNone/>
+            </a:pPr>
             <a:endParaRPr lang="es-ES" dirty="0"/>
           </a:p>
           <a:p>
             <a:pPr marL="514350" indent="-514350">
               <a:buFont typeface="+mj-lt"/>
-              <a:buAutoNum type="arabicPeriod"/>
+              <a:buAutoNum type="arabicPeriod" startAt="2"/>
             </a:pPr>
             <a:r>
               <a:rPr lang="es-EC" dirty="0"/>
@@ -3564,82 +4010,51 @@
             </a:r>
           </a:p>
           <a:p>
+            <a:pPr marL="0" indent="0">
+              <a:buNone/>
+            </a:pPr>
+            <a:endParaRPr lang="es-EC" b="1" dirty="0"/>
+          </a:p>
+          <a:p>
             <a:pPr lvl="1"/>
             <a:r>
-              <a:rPr lang="es-EC" dirty="0" err="1"/>
-              <a:t>Ap</a:t>
-            </a:r>
-            <a:r>
               <a:rPr lang="es-EC" dirty="0"/>
-              <a:t> Basado en Proyectos, </a:t>
-            </a:r>
-            <a:r>
-              <a:rPr lang="es-EC" dirty="0" err="1"/>
-              <a:t>Ap</a:t>
-            </a:r>
+              <a:t>Aprendizaje Basado en Proyectos, Aprendizaje Basado en Problemas, Aprendizaje Cooperativo, y Aula Invertida</a:t>
+            </a:r>
+          </a:p>
+          <a:p>
+            <a:pPr lvl="1"/>
             <a:r>
               <a:rPr lang="es-EC" dirty="0"/>
-              <a:t> Basado en Problemas, </a:t>
-            </a:r>
-            <a:r>
-              <a:rPr lang="es-EC" dirty="0" err="1"/>
-              <a:t>Ap</a:t>
-            </a:r>
-            <a:r>
-              <a:rPr lang="es-EC" dirty="0"/>
-              <a:t> Cooperativo y Aula Invertida</a:t>
-            </a:r>
-          </a:p>
-          <a:p>
-            <a:pPr marL="514350" indent="-514350">
-              <a:buFont typeface="+mj-lt"/>
-              <a:buAutoNum type="arabicPeriod"/>
-            </a:pPr>
+              <a:t>Modelo Educativo de la ESPOL</a:t>
+            </a:r>
+          </a:p>
+          <a:p>
+            <a:pPr lvl="2"/>
             <a:r>
               <a:rPr lang="es-ES" dirty="0"/>
-              <a:t>Inclusión de Diversas Perspectivas</a:t>
-            </a:r>
-          </a:p>
-          <a:p>
-            <a:pPr lvl="1"/>
-            <a:r>
-              <a:rPr lang="en-US" dirty="0"/>
-              <a:t>Computing Competencies for Undergraduate </a:t>
-            </a:r>
-            <a:r>
-              <a:rPr lang="en-US" b="1" dirty="0"/>
-              <a:t>Data Science Curricula </a:t>
-            </a:r>
-            <a:r>
-              <a:rPr lang="en-US" dirty="0"/>
-              <a:t>ACM Data Science Task Force – 2021 (ACM, 2021)</a:t>
-            </a:r>
-          </a:p>
-          <a:p>
-            <a:pPr lvl="1"/>
-            <a:r>
-              <a:rPr lang="es-EC" b="1" dirty="0"/>
-              <a:t>Computer Science </a:t>
-            </a:r>
-            <a:r>
-              <a:rPr lang="es-EC" b="1" dirty="0" err="1"/>
-              <a:t>Curricula</a:t>
-            </a:r>
-            <a:r>
-              <a:rPr lang="es-EC" b="1" dirty="0"/>
-              <a:t> </a:t>
-            </a:r>
-            <a:r>
-              <a:rPr lang="es-EC" dirty="0"/>
-              <a:t>2023 (</a:t>
-            </a:r>
-            <a:r>
-              <a:rPr lang="es-EC" dirty="0" err="1"/>
-              <a:t>Amruth</a:t>
-            </a:r>
-            <a:r>
-              <a:rPr lang="es-EC" dirty="0"/>
-              <a:t> N. Kumar, 2024)</a:t>
+              <a:t>Participación en procesos de investigación</a:t>
+            </a:r>
+          </a:p>
+          <a:p>
+            <a:pPr lvl="2"/>
+            <a:r>
+              <a:rPr lang="es-ES" dirty="0"/>
+              <a:t>Involucramiento en proyectos que resuelven los problemas de la industria</a:t>
+            </a:r>
+          </a:p>
+          <a:p>
+            <a:pPr lvl="2"/>
+            <a:r>
+              <a:rPr lang="es-ES" dirty="0"/>
+              <a:t>Participación en equipos multidisciplinarios</a:t>
+            </a:r>
+          </a:p>
+          <a:p>
+            <a:pPr lvl="2"/>
+            <a:r>
+              <a:rPr lang="es-ES" dirty="0"/>
+              <a:t>En el contexto de litoral ecuatoriano</a:t>
             </a:r>
           </a:p>
         </p:txBody>
@@ -3721,7 +4136,7 @@
                                         <p:tgtEl>
                                           <p:spTgt spid="3">
                                             <p:txEl>
-                                              <p:pRg st="1" end="1"/>
+                                              <p:pRg st="2" end="2"/>
                                             </p:txEl>
                                           </p:spTgt>
                                         </p:tgtEl>
@@ -3752,55 +4167,6 @@
                                         <p:tgtEl>
                                           <p:spTgt spid="3">
                                             <p:txEl>
-                                              <p:pRg st="2" end="2"/>
-                                            </p:txEl>
-                                          </p:spTgt>
-                                        </p:tgtEl>
-                                        <p:attrNameLst>
-                                          <p:attrName>style.visibility</p:attrName>
-                                        </p:attrNameLst>
-                                      </p:cBhvr>
-                                      <p:to>
-                                        <p:strVal val="visible"/>
-                                      </p:to>
-                                    </p:set>
-                                  </p:childTnLst>
-                                </p:cTn>
-                              </p:par>
-                            </p:childTnLst>
-                          </p:cTn>
-                        </p:par>
-                      </p:childTnLst>
-                    </p:cTn>
-                  </p:par>
-                  <p:par>
-                    <p:cTn id="11" fill="hold">
-                      <p:stCondLst>
-                        <p:cond delay="indefinite"/>
-                      </p:stCondLst>
-                      <p:childTnLst>
-                        <p:par>
-                          <p:cTn id="12" fill="hold">
-                            <p:stCondLst>
-                              <p:cond delay="0"/>
-                            </p:stCondLst>
-                            <p:childTnLst>
-                              <p:par>
-                                <p:cTn id="13" presetID="1" presetClass="entr" presetSubtype="0" fill="hold" grpId="0" nodeType="clickEffect">
-                                  <p:stCondLst>
-                                    <p:cond delay="0"/>
-                                  </p:stCondLst>
-                                  <p:childTnLst>
-                                    <p:set>
-                                      <p:cBhvr>
-                                        <p:cTn id="14" dur="1" fill="hold">
-                                          <p:stCondLst>
-                                            <p:cond delay="0"/>
-                                          </p:stCondLst>
-                                        </p:cTn>
-                                        <p:tgtEl>
-                                          <p:spTgt spid="3">
-                                            <p:txEl>
                                               <p:pRg st="3" end="3"/>
                                             </p:txEl>
                                           </p:spTgt>
@@ -3817,14 +4183,14 @@
                                 </p:cTn>
                               </p:par>
                               <p:par>
-                                <p:cTn id="15" presetID="1" presetClass="entr" presetSubtype="0" fill="hold" grpId="0" nodeType="withEffect">
+                                <p:cTn id="11" presetID="1" presetClass="entr" presetSubtype="0" fill="hold" grpId="0" nodeType="withEffect">
                                   <p:stCondLst>
                                     <p:cond delay="0"/>
                                   </p:stCondLst>
                                   <p:childTnLst>
                                     <p:set>
                                       <p:cBhvr>
-                                        <p:cTn id="16" dur="1" fill="hold">
+                                        <p:cTn id="12" dur="1" fill="hold">
                                           <p:stCondLst>
                                             <p:cond delay="0"/>
                                           </p:stCondLst>
@@ -3854,19 +4220,81 @@
                     </p:cTn>
                   </p:par>
                   <p:par>
-                    <p:cTn id="17" fill="hold">
+                    <p:cTn id="13" fill="hold">
                       <p:stCondLst>
                         <p:cond delay="indefinite"/>
                       </p:stCondLst>
                       <p:childTnLst>
                         <p:par>
-                          <p:cTn id="18" fill="hold">
+                          <p:cTn id="14" fill="hold">
                             <p:stCondLst>
                               <p:cond delay="0"/>
                             </p:stCondLst>
                             <p:childTnLst>
                               <p:par>
-                                <p:cTn id="19" presetID="1" presetClass="entr" presetSubtype="0" fill="hold" grpId="0" nodeType="clickEffect">
+                                <p:cTn id="15" presetID="1" presetClass="entr" presetSubtype="0" fill="hold" grpId="0" nodeType="clickEffect">
+                                  <p:stCondLst>
+                                    <p:cond delay="0"/>
+                                  </p:stCondLst>
+                                  <p:childTnLst>
+                                    <p:set>
+                                      <p:cBhvr>
+                                        <p:cTn id="16" dur="1" fill="hold">
+                                          <p:stCondLst>
+                                            <p:cond delay="0"/>
+                                          </p:stCondLst>
+                                        </p:cTn>
+                                        <p:tgtEl>
+                                          <p:spTgt spid="3">
+                                            <p:txEl>
+                                              <p:pRg st="6" end="6"/>
+                                            </p:txEl>
+                                          </p:spTgt>
+                                        </p:tgtEl>
+                                        <p:attrNameLst>
+                                          <p:attrName>style.visibility</p:attrName>
+                                        </p:attrNameLst>
+                                      </p:cBhvr>
+                                      <p:to>
+                                        <p:strVal val="visible"/>
+                                      </p:to>
+                                    </p:set>
+                                  </p:childTnLst>
+                                </p:cTn>
+                              </p:par>
+                              <p:par>
+                                <p:cTn id="17" presetID="1" presetClass="entr" presetSubtype="0" fill="hold" grpId="0" nodeType="withEffect">
+                                  <p:stCondLst>
+                                    <p:cond delay="0"/>
+                                  </p:stCondLst>
+                                  <p:childTnLst>
+                                    <p:set>
+                                      <p:cBhvr>
+                                        <p:cTn id="18" dur="1" fill="hold">
+                                          <p:stCondLst>
+                                            <p:cond delay="0"/>
+                                          </p:stCondLst>
+                                        </p:cTn>
+                                        <p:tgtEl>
+                                          <p:spTgt spid="3">
+                                            <p:txEl>
+                                              <p:pRg st="8" end="8"/>
+                                            </p:txEl>
+                                          </p:spTgt>
+                                        </p:tgtEl>
+                                        <p:attrNameLst>
+                                          <p:attrName>style.visibility</p:attrName>
+                                        </p:attrNameLst>
+                                      </p:cBhvr>
+                                      <p:to>
+                                        <p:strVal val="visible"/>
+                                      </p:to>
+                                    </p:set>
+                                  </p:childTnLst>
+                                </p:cTn>
+                              </p:par>
+                              <p:par>
+                                <p:cTn id="19" presetID="1" presetClass="entr" presetSubtype="0" fill="hold" grpId="0" nodeType="withEffect">
                                   <p:stCondLst>
                                     <p:cond delay="0"/>
                                   </p:stCondLst>
@@ -3881,7 +4309,7 @@
                                         <p:tgtEl>
                                           <p:spTgt spid="3">
                                             <p:txEl>
-                                              <p:pRg st="5" end="5"/>
+                                              <p:pRg st="9" end="9"/>
                                             </p:txEl>
                                           </p:spTgt>
                                         </p:tgtEl>
@@ -3912,7 +4340,7 @@
                                         <p:tgtEl>
                                           <p:spTgt spid="3">
                                             <p:txEl>
-                                              <p:pRg st="6" end="6"/>
+                                              <p:pRg st="10" end="10"/>
                                             </p:txEl>
                                           </p:spTgt>
                                         </p:tgtEl>
@@ -3943,7 +4371,69 @@
                                         <p:tgtEl>
                                           <p:spTgt spid="3">
                                             <p:txEl>
-                                              <p:pRg st="7" end="7"/>
+                                              <p:pRg st="11" end="11"/>
+                                            </p:txEl>
+                                          </p:spTgt>
+                                        </p:tgtEl>
+                                        <p:attrNameLst>
+                                          <p:attrName>style.visibility</p:attrName>
+                                        </p:attrNameLst>
+                                      </p:cBhvr>
+                                      <p:to>
+                                        <p:strVal val="visible"/>
+                                      </p:to>
+                                    </p:set>
+                                  </p:childTnLst>
+                                </p:cTn>
+                              </p:par>
+                              <p:par>
+                                <p:cTn id="25" presetID="1" presetClass="entr" presetSubtype="0" fill="hold" grpId="0" nodeType="withEffect">
+                                  <p:stCondLst>
+                                    <p:cond delay="0"/>
+                                  </p:stCondLst>
+                                  <p:childTnLst>
+                                    <p:set>
+                                      <p:cBhvr>
+                                        <p:cTn id="26" dur="1" fill="hold">
+                                          <p:stCondLst>
+                                            <p:cond delay="0"/>
+                                          </p:stCondLst>
+                                        </p:cTn>
+                                        <p:tgtEl>
+                                          <p:spTgt spid="3">
+                                            <p:txEl>
+                                              <p:pRg st="12" end="12"/>
+                                            </p:txEl>
+                                          </p:spTgt>
+                                        </p:tgtEl>
+                                        <p:attrNameLst>
+                                          <p:attrName>style.visibility</p:attrName>
+                                        </p:attrNameLst>
+                                      </p:cBhvr>
+                                      <p:to>
+                                        <p:strVal val="visible"/>
+                                      </p:to>
+                                    </p:set>
+                                  </p:childTnLst>
+                                </p:cTn>
+                              </p:par>
+                              <p:par>
+                                <p:cTn id="27" presetID="1" presetClass="entr" presetSubtype="0" fill="hold" grpId="0" nodeType="withEffect">
+                                  <p:stCondLst>
+                                    <p:cond delay="0"/>
+                                  </p:stCondLst>
+                                  <p:childTnLst>
+                                    <p:set>
+                                      <p:cBhvr>
+                                        <p:cTn id="28" dur="1" fill="hold">
+                                          <p:stCondLst>
+                                            <p:cond delay="0"/>
+                                          </p:stCondLst>
+                                        </p:cTn>
+                                        <p:tgtEl>
+                                          <p:spTgt spid="3">
+                                            <p:txEl>
+                                              <p:pRg st="13" end="13"/>
                                             </p:txEl>
                                           </p:spTgt>
                                         </p:tgtEl>
@@ -4014,7 +4504,7 @@
           <p:cNvPr id="2" name="Título 1">
             <a:extLst>
               <a:ext uri="{FF2B5EF4-FFF2-40B4-BE49-F238E27FC236}">
-                <a16:creationId xmlns:a16="http://schemas.microsoft.com/office/drawing/2014/main" id="{9473B421-7C77-2BA7-401B-032DC83CBD90}"/>
+                <a16:creationId xmlns:a16="http://schemas.microsoft.com/office/drawing/2014/main" id="{C307A1FE-ED21-32E6-E71B-C49A28238C11}"/>
               </a:ext>
             </a:extLst>
           </p:cNvPr>
@@ -4031,6 +4521,438 @@
           <a:lstStyle/>
           <a:p>
             <a:r>
+              <a:rPr lang="es-EC" dirty="0"/>
+              <a:t>1. Fundamentación Epistemológica</a:t>
+            </a:r>
+          </a:p>
+        </p:txBody>
+      </p:sp>
+      <p:sp>
+        <p:nvSpPr>
+          <p:cNvPr id="3" name="Marcador de contenido 2">
+            <a:extLst>
+              <a:ext uri="{FF2B5EF4-FFF2-40B4-BE49-F238E27FC236}">
+                <a16:creationId xmlns:a16="http://schemas.microsoft.com/office/drawing/2014/main" id="{10D9F8E9-7E6B-293E-9D4F-20EF36A779A0}"/>
+              </a:ext>
+            </a:extLst>
+          </p:cNvPr>
+          <p:cNvSpPr>
+            <a:spLocks noGrp="1"/>
+          </p:cNvSpPr>
+          <p:nvPr>
+            <p:ph idx="1"/>
+          </p:nvPr>
+        </p:nvSpPr>
+        <p:spPr/>
+        <p:txBody>
+          <a:bodyPr/>
+          <a:lstStyle/>
+          <a:p>
+            <a:pPr marL="514350" indent="-514350">
+              <a:buFont typeface="+mj-lt"/>
+              <a:buAutoNum type="arabicPeriod" startAt="3"/>
+            </a:pPr>
+            <a:r>
+              <a:rPr lang="es-ES" dirty="0"/>
+              <a:t>Inclusión de Diversas Perspectivas</a:t>
+            </a:r>
+          </a:p>
+          <a:p>
+            <a:pPr lvl="1"/>
+            <a:r>
+              <a:rPr lang="en-US" dirty="0"/>
+              <a:t>Computing Competencies for Undergraduate </a:t>
+            </a:r>
+            <a:r>
+              <a:rPr lang="en-US" b="1" dirty="0"/>
+              <a:t>Data Science Curricula </a:t>
+            </a:r>
+            <a:r>
+              <a:rPr lang="en-US" dirty="0"/>
+              <a:t>ACM Data Science Task Force – 2021 (ACM, 2021)</a:t>
+            </a:r>
+          </a:p>
+          <a:p>
+            <a:pPr lvl="2"/>
+            <a:r>
+              <a:rPr lang="es-EC" sz="1800" i="1" dirty="0">
+                <a:latin typeface="Times New Roman" panose="02020603050405020304" pitchFamily="18" charset="0"/>
+                <a:ea typeface="Times New Roman" panose="02020603050405020304" pitchFamily="18" charset="0"/>
+              </a:rPr>
+              <a:t>F</a:t>
+            </a:r>
+            <a:r>
+              <a:rPr lang="es-EC" sz="1800" i="1" dirty="0">
+                <a:effectLst/>
+                <a:latin typeface="Times New Roman" panose="02020603050405020304" pitchFamily="18" charset="0"/>
+                <a:ea typeface="Times New Roman" panose="02020603050405020304" pitchFamily="18" charset="0"/>
+              </a:rPr>
+              <a:t>undamentos computacionales, razonamiento estadístico, gestión de datos, comunicación de resultados, implicaciones éticas y trabajo interdisciplinario</a:t>
+            </a:r>
+            <a:r>
+              <a:rPr lang="en-US" sz="1800" i="1" dirty="0">
+                <a:effectLst/>
+                <a:latin typeface="Times New Roman" panose="02020603050405020304" pitchFamily="18" charset="0"/>
+                <a:ea typeface="Times New Roman" panose="02020603050405020304" pitchFamily="18" charset="0"/>
+              </a:rPr>
+              <a:t>.</a:t>
+            </a:r>
+            <a:endParaRPr lang="en-US" dirty="0"/>
+          </a:p>
+          <a:p>
+            <a:pPr lvl="1"/>
+            <a:r>
+              <a:rPr lang="es-EC" b="1" dirty="0"/>
+              <a:t>Computer Science Curricula </a:t>
+            </a:r>
+            <a:r>
+              <a:rPr lang="es-EC" dirty="0"/>
+              <a:t>2023 (</a:t>
+            </a:r>
+            <a:r>
+              <a:rPr lang="es-EC" dirty="0" err="1"/>
+              <a:t>Amruth</a:t>
+            </a:r>
+            <a:r>
+              <a:rPr lang="es-EC" dirty="0"/>
+              <a:t> N. Kumar, 2024)</a:t>
+            </a:r>
+          </a:p>
+          <a:p>
+            <a:pPr lvl="2"/>
+            <a:r>
+              <a:rPr lang="es-EC" sz="1800" i="1" dirty="0">
+                <a:latin typeface="Times New Roman" panose="02020603050405020304" pitchFamily="18" charset="0"/>
+                <a:ea typeface="Times New Roman" panose="02020603050405020304" pitchFamily="18" charset="0"/>
+              </a:rPr>
+              <a:t>I</a:t>
+            </a:r>
+            <a:r>
+              <a:rPr lang="es-EC" sz="1800" i="1" dirty="0">
+                <a:effectLst/>
+                <a:latin typeface="Times New Roman" panose="02020603050405020304" pitchFamily="18" charset="0"/>
+                <a:ea typeface="Times New Roman" panose="02020603050405020304" pitchFamily="18" charset="0"/>
+              </a:rPr>
+              <a:t>ntegración de la inteligencia artificial en campos emergentes como la salud digital, el cambio climático, la ética algorítmica y los sistemas de recomendación generativo</a:t>
+            </a:r>
+            <a:endParaRPr lang="es-EC" dirty="0"/>
+          </a:p>
+          <a:p>
+            <a:pPr marL="914400" lvl="1" indent="-457200">
+              <a:buFont typeface="+mj-lt"/>
+              <a:buAutoNum type="arabicPeriod" startAt="3"/>
+            </a:pPr>
+            <a:endParaRPr lang="es-EC" dirty="0"/>
+          </a:p>
+          <a:p>
+            <a:endParaRPr lang="es-EC" dirty="0"/>
+          </a:p>
+        </p:txBody>
+      </p:sp>
+    </p:spTree>
+    <p:extLst>
+      <p:ext uri="{BB962C8B-B14F-4D97-AF65-F5344CB8AC3E}">
+        <p14:creationId xmlns:p14="http://schemas.microsoft.com/office/powerpoint/2010/main" val="2560185957"/>
+      </p:ext>
+    </p:extLst>
+  </p:cSld>
+  <p:clrMapOvr>
+    <a:masterClrMapping/>
+  </p:clrMapOvr>
+  <p:timing>
+    <p:tnLst>
+      <p:par>
+        <p:cTn id="1" dur="indefinite" restart="never" nodeType="tmRoot">
+          <p:childTnLst>
+            <p:seq concurrent="1" nextAc="seek">
+              <p:cTn id="2" dur="indefinite" nodeType="mainSeq">
+                <p:childTnLst>
+                  <p:par>
+                    <p:cTn id="3" fill="hold">
+                      <p:stCondLst>
+                        <p:cond delay="indefinite"/>
+                      </p:stCondLst>
+                      <p:childTnLst>
+                        <p:par>
+                          <p:cTn id="4" fill="hold">
+                            <p:stCondLst>
+                              <p:cond delay="0"/>
+                            </p:stCondLst>
+                            <p:childTnLst>
+                              <p:par>
+                                <p:cTn id="5" presetID="1" presetClass="entr" presetSubtype="0" fill="hold" grpId="0" nodeType="clickEffect">
+                                  <p:stCondLst>
+                                    <p:cond delay="0"/>
+                                  </p:stCondLst>
+                                  <p:childTnLst>
+                                    <p:set>
+                                      <p:cBhvr>
+                                        <p:cTn id="6" dur="1" fill="hold">
+                                          <p:stCondLst>
+                                            <p:cond delay="0"/>
+                                          </p:stCondLst>
+                                        </p:cTn>
+                                        <p:tgtEl>
+                                          <p:spTgt spid="2"/>
+                                        </p:tgtEl>
+                                        <p:attrNameLst>
+                                          <p:attrName>style.visibility</p:attrName>
+                                        </p:attrNameLst>
+                                      </p:cBhvr>
+                                      <p:to>
+                                        <p:strVal val="visible"/>
+                                      </p:to>
+                                    </p:set>
+                                  </p:childTnLst>
+                                </p:cTn>
+                              </p:par>
+                            </p:childTnLst>
+                          </p:cTn>
+                        </p:par>
+                      </p:childTnLst>
+                    </p:cTn>
+                  </p:par>
+                  <p:par>
+                    <p:cTn id="7" fill="hold">
+                      <p:stCondLst>
+                        <p:cond delay="indefinite"/>
+                      </p:stCondLst>
+                      <p:childTnLst>
+                        <p:par>
+                          <p:cTn id="8" fill="hold">
+                            <p:stCondLst>
+                              <p:cond delay="0"/>
+                            </p:stCondLst>
+                            <p:childTnLst>
+                              <p:par>
+                                <p:cTn id="9" presetID="1" presetClass="entr" presetSubtype="0" fill="hold" grpId="0" nodeType="clickEffect">
+                                  <p:stCondLst>
+                                    <p:cond delay="0"/>
+                                  </p:stCondLst>
+                                  <p:childTnLst>
+                                    <p:set>
+                                      <p:cBhvr>
+                                        <p:cTn id="10" dur="1" fill="hold">
+                                          <p:stCondLst>
+                                            <p:cond delay="0"/>
+                                          </p:stCondLst>
+                                        </p:cTn>
+                                        <p:tgtEl>
+                                          <p:spTgt spid="3">
+                                            <p:txEl>
+                                              <p:pRg st="0" end="0"/>
+                                            </p:txEl>
+                                          </p:spTgt>
+                                        </p:tgtEl>
+                                        <p:attrNameLst>
+                                          <p:attrName>style.visibility</p:attrName>
+                                        </p:attrNameLst>
+                                      </p:cBhvr>
+                                      <p:to>
+                                        <p:strVal val="visible"/>
+                                      </p:to>
+                                    </p:set>
+                                  </p:childTnLst>
+                                </p:cTn>
+                              </p:par>
+                              <p:par>
+                                <p:cTn id="11" presetID="1" presetClass="entr" presetSubtype="0" fill="hold" grpId="0" nodeType="withEffect">
+                                  <p:stCondLst>
+                                    <p:cond delay="0"/>
+                                  </p:stCondLst>
+                                  <p:childTnLst>
+                                    <p:set>
+                                      <p:cBhvr>
+                                        <p:cTn id="12" dur="1" fill="hold">
+                                          <p:stCondLst>
+                                            <p:cond delay="0"/>
+                                          </p:stCondLst>
+                                        </p:cTn>
+                                        <p:tgtEl>
+                                          <p:spTgt spid="3">
+                                            <p:txEl>
+                                              <p:pRg st="1" end="1"/>
+                                            </p:txEl>
+                                          </p:spTgt>
+                                        </p:tgtEl>
+                                        <p:attrNameLst>
+                                          <p:attrName>style.visibility</p:attrName>
+                                        </p:attrNameLst>
+                                      </p:cBhvr>
+                                      <p:to>
+                                        <p:strVal val="visible"/>
+                                      </p:to>
+                                    </p:set>
+                                  </p:childTnLst>
+                                </p:cTn>
+                              </p:par>
+                              <p:par>
+                                <p:cTn id="13" presetID="1" presetClass="entr" presetSubtype="0" fill="hold" grpId="0" nodeType="withEffect">
+                                  <p:stCondLst>
+                                    <p:cond delay="0"/>
+                                  </p:stCondLst>
+                                  <p:childTnLst>
+                                    <p:set>
+                                      <p:cBhvr>
+                                        <p:cTn id="14" dur="1" fill="hold">
+                                          <p:stCondLst>
+                                            <p:cond delay="0"/>
+                                          </p:stCondLst>
+                                        </p:cTn>
+                                        <p:tgtEl>
+                                          <p:spTgt spid="3">
+                                            <p:txEl>
+                                              <p:pRg st="2" end="2"/>
+                                            </p:txEl>
+                                          </p:spTgt>
+                                        </p:tgtEl>
+                                        <p:attrNameLst>
+                                          <p:attrName>style.visibility</p:attrName>
+                                        </p:attrNameLst>
+                                      </p:cBhvr>
+                                      <p:to>
+                                        <p:strVal val="visible"/>
+                                      </p:to>
+                                    </p:set>
+                                  </p:childTnLst>
+                                </p:cTn>
+                              </p:par>
+                              <p:par>
+                                <p:cTn id="15" presetID="1" presetClass="entr" presetSubtype="0" fill="hold" grpId="0" nodeType="withEffect">
+                                  <p:stCondLst>
+                                    <p:cond delay="0"/>
+                                  </p:stCondLst>
+                                  <p:childTnLst>
+                                    <p:set>
+                                      <p:cBhvr>
+                                        <p:cTn id="16" dur="1" fill="hold">
+                                          <p:stCondLst>
+                                            <p:cond delay="0"/>
+                                          </p:stCondLst>
+                                        </p:cTn>
+                                        <p:tgtEl>
+                                          <p:spTgt spid="3">
+                                            <p:txEl>
+                                              <p:pRg st="3" end="3"/>
+                                            </p:txEl>
+                                          </p:spTgt>
+                                        </p:tgtEl>
+                                        <p:attrNameLst>
+                                          <p:attrName>style.visibility</p:attrName>
+                                        </p:attrNameLst>
+                                      </p:cBhvr>
+                                      <p:to>
+                                        <p:strVal val="visible"/>
+                                      </p:to>
+                                    </p:set>
+                                  </p:childTnLst>
+                                </p:cTn>
+                              </p:par>
+                              <p:par>
+                                <p:cTn id="17" presetID="1" presetClass="entr" presetSubtype="0" fill="hold" grpId="0" nodeType="withEffect">
+                                  <p:stCondLst>
+                                    <p:cond delay="0"/>
+                                  </p:stCondLst>
+                                  <p:childTnLst>
+                                    <p:set>
+                                      <p:cBhvr>
+                                        <p:cTn id="18" dur="1" fill="hold">
+                                          <p:stCondLst>
+                                            <p:cond delay="0"/>
+                                          </p:stCondLst>
+                                        </p:cTn>
+                                        <p:tgtEl>
+                                          <p:spTgt spid="3">
+                                            <p:txEl>
+                                              <p:pRg st="4" end="4"/>
+                                            </p:txEl>
+                                          </p:spTgt>
+                                        </p:tgtEl>
+                                        <p:attrNameLst>
+                                          <p:attrName>style.visibility</p:attrName>
+                                        </p:attrNameLst>
+                                      </p:cBhvr>
+                                      <p:to>
+                                        <p:strVal val="visible"/>
+                                      </p:to>
+                                    </p:set>
+                                  </p:childTnLst>
+                                </p:cTn>
+                              </p:par>
+                            </p:childTnLst>
+                          </p:cTn>
+                        </p:par>
+                      </p:childTnLst>
+                    </p:cTn>
+                  </p:par>
+                </p:childTnLst>
+              </p:cTn>
+              <p:prevCondLst>
+                <p:cond evt="onPrev" delay="0">
+                  <p:tgtEl>
+                    <p:sldTgt/>
+                  </p:tgtEl>
+                </p:cond>
+              </p:prevCondLst>
+              <p:nextCondLst>
+                <p:cond evt="onNext" delay="0">
+                  <p:tgtEl>
+                    <p:sldTgt/>
+                  </p:tgtEl>
+                </p:cond>
+              </p:nextCondLst>
+            </p:seq>
+          </p:childTnLst>
+        </p:cTn>
+      </p:par>
+    </p:tnLst>
+    <p:bldLst>
+      <p:bldP spid="2" grpId="0"/>
+      <p:bldP spid="3" grpId="0" build="p"/>
+    </p:bldLst>
+  </p:timing>
+</p:sld>
+</file>
+
+<file path=ppt/slides/slide4.xml><?xml version="1.0" encoding="utf-8"?>
+<p:sld xmlns:a="http://schemas.openxmlformats.org/drawingml/2006/main" xmlns:r="http://schemas.openxmlformats.org/officeDocument/2006/relationships" xmlns:p="http://schemas.openxmlformats.org/presentationml/2006/main">
+  <p:cSld>
+    <p:spTree>
+      <p:nvGrpSpPr>
+        <p:cNvPr id="1" name=""/>
+        <p:cNvGrpSpPr/>
+        <p:nvPr/>
+      </p:nvGrpSpPr>
+      <p:grpSpPr>
+        <a:xfrm>
+          <a:off x="0" y="0"/>
+          <a:ext cx="0" cy="0"/>
+          <a:chOff x="0" y="0"/>
+          <a:chExt cx="0" cy="0"/>
+        </a:xfrm>
+      </p:grpSpPr>
+      <p:sp>
+        <p:nvSpPr>
+          <p:cNvPr id="2" name="Título 1">
+            <a:extLst>
+              <a:ext uri="{FF2B5EF4-FFF2-40B4-BE49-F238E27FC236}">
+                <a16:creationId xmlns:a16="http://schemas.microsoft.com/office/drawing/2014/main" id="{9473B421-7C77-2BA7-401B-032DC83CBD90}"/>
+              </a:ext>
+            </a:extLst>
+          </p:cNvPr>
+          <p:cNvSpPr>
+            <a:spLocks noGrp="1"/>
+          </p:cNvSpPr>
+          <p:nvPr>
+            <p:ph type="title"/>
+          </p:nvPr>
+        </p:nvSpPr>
+        <p:spPr/>
+        <p:txBody>
+          <a:bodyPr/>
+          <a:lstStyle/>
+          <a:p>
+            <a:r>
               <a:rPr lang="es-ES" dirty="0"/>
               <a:t>2. Pertinencia de la Carrera</a:t>
             </a:r>
@@ -4057,7 +4979,7 @@
         <p:spPr/>
         <p:txBody>
           <a:bodyPr>
-            <a:normAutofit fontScale="77500" lnSpcReduction="20000"/>
+            <a:normAutofit fontScale="70000" lnSpcReduction="20000"/>
           </a:bodyPr>
           <a:lstStyle/>
           <a:p>
@@ -4071,6 +4993,12 @@
             </a:r>
           </a:p>
           <a:p>
+            <a:pPr marL="0" indent="0">
+              <a:buNone/>
+            </a:pPr>
+            <a:endParaRPr lang="es-ES" dirty="0"/>
+          </a:p>
+          <a:p>
             <a:pPr lvl="1"/>
             <a:r>
               <a:rPr lang="es-ES" b="1" dirty="0"/>
@@ -4078,94 +5006,129 @@
             </a:r>
             <a:r>
               <a:rPr lang="es-ES" dirty="0"/>
-              <a:t>Desarrollar el sistema de educación superior a través de nuevas modalidades de estudio, carreras y profundización de la educación técnica tecnológica como mecanismo para la profesionalización de la población, en el Plan de Desarrollo para el Nuevo Ecuador 2024-2025</a:t>
-            </a:r>
+              <a:t>Desarrollar el sistema de educación superior a través de nuevas </a:t>
+            </a:r>
+            <a:r>
+              <a:rPr lang="es-ES" u="sng" dirty="0"/>
+              <a:t>modalidades de estudio</a:t>
+            </a:r>
+            <a:r>
+              <a:rPr lang="es-ES" dirty="0"/>
+              <a:t>, carreras y profundización de la educación técnica tecnológica como mecanismo para la profesionalización de la población.</a:t>
+            </a:r>
+          </a:p>
+          <a:p>
+            <a:pPr lvl="1"/>
+            <a:r>
+              <a:rPr lang="es-EC" i="1" dirty="0"/>
+              <a:t>La Agenda Digital 2025 (</a:t>
+            </a:r>
+            <a:r>
+              <a:rPr lang="es-EC" i="1" dirty="0" err="1"/>
+              <a:t>MinEdu</a:t>
+            </a:r>
+            <a:r>
+              <a:rPr lang="es-EC" i="1" dirty="0"/>
+              <a:t>) y el Plan Nacional de Innovación Educativa y Transformación Digital (</a:t>
+            </a:r>
+            <a:r>
+              <a:rPr lang="es-EC" i="1" dirty="0" err="1"/>
+              <a:t>MinTel</a:t>
+            </a:r>
+            <a:r>
+              <a:rPr lang="es-EC" i="1" dirty="0"/>
+              <a:t>)</a:t>
+            </a:r>
+          </a:p>
+          <a:p>
+            <a:pPr marL="457200" lvl="1" indent="0">
+              <a:buNone/>
+            </a:pPr>
+            <a:endParaRPr lang="es-ES" dirty="0"/>
           </a:p>
           <a:p>
             <a:pPr marL="514350" indent="-514350">
+              <a:buFont typeface="+mj-lt"/>
+              <a:buAutoNum type="arabicPeriod" startAt="2"/>
+            </a:pPr>
+            <a:r>
+              <a:rPr lang="es-ES" dirty="0"/>
+              <a:t>Respuesta a Necesidades Globales (ONU, 2024)</a:t>
+            </a:r>
+          </a:p>
+          <a:p>
+            <a:pPr marL="0" indent="0">
+              <a:buNone/>
+            </a:pPr>
+            <a:endParaRPr lang="es-ES" dirty="0"/>
+          </a:p>
+          <a:p>
+            <a:pPr lvl="1"/>
+            <a:r>
+              <a:rPr lang="es-ES" b="1" dirty="0"/>
+              <a:t>ODS 4 (Educación de Calidad)</a:t>
+            </a:r>
+            <a:r>
+              <a:rPr lang="es-ES" dirty="0"/>
+              <a:t>: </a:t>
+            </a:r>
+            <a:r>
+              <a:rPr lang="es-ES" i="1" dirty="0"/>
+              <a:t>modalidades de aprendizaje</a:t>
+            </a:r>
+          </a:p>
+          <a:p>
+            <a:pPr lvl="1"/>
+            <a:r>
+              <a:rPr lang="es-ES" b="1" dirty="0"/>
+              <a:t>ODS 9 (Industria, Innovación e Infraestructura): </a:t>
+            </a:r>
+            <a:r>
+              <a:rPr lang="es-ES" i="1" dirty="0"/>
+              <a:t>automatización de procesos industriales</a:t>
+            </a:r>
+          </a:p>
+          <a:p>
+            <a:pPr marL="457200" lvl="1" indent="0">
+              <a:buNone/>
+            </a:pPr>
+            <a:r>
+              <a:rPr lang="es-ES" dirty="0"/>
+              <a:t> </a:t>
+            </a:r>
+          </a:p>
+          <a:p>
+            <a:pPr lvl="1"/>
+            <a:r>
+              <a:rPr lang="es-EC" i="1" dirty="0"/>
+              <a:t>ODS 11 (Ciudades y Comunidades Sostenibles): planificación urbana inteligente</a:t>
+            </a:r>
+          </a:p>
+          <a:p>
+            <a:pPr lvl="1"/>
+            <a:r>
+              <a:rPr lang="es-EC" i="1" dirty="0"/>
+              <a:t>ODS 3 (Salud y Bienestar): modelos predictivos para diagnóstico temprano</a:t>
+            </a:r>
+          </a:p>
+          <a:p>
+            <a:pPr lvl="1"/>
+            <a:r>
+              <a:rPr lang="es-EC" i="1" dirty="0"/>
+              <a:t>ODS 13 (Acción por el Clima): </a:t>
+            </a:r>
+            <a:r>
+              <a:rPr lang="es-ES" i="1" dirty="0"/>
+              <a:t>simulaciones en la evaluación de riesgos climáticos </a:t>
+            </a:r>
+            <a:endParaRPr lang="es-ES" dirty="0"/>
+          </a:p>
+          <a:p>
+            <a:pPr marL="971550" lvl="1" indent="-514350">
               <a:buFont typeface="+mj-lt"/>
               <a:buAutoNum type="arabicPeriod"/>
             </a:pPr>
-            <a:r>
-              <a:rPr lang="es-ES" dirty="0"/>
-              <a:t>Respuesta a Necesidades Globales (ONU, 2024)</a:t>
-            </a:r>
-          </a:p>
-          <a:p>
-            <a:pPr lvl="1"/>
-            <a:r>
-              <a:rPr lang="es-ES" b="1" dirty="0"/>
-              <a:t>Objetivo 9</a:t>
-            </a:r>
-            <a:r>
-              <a:rPr lang="es-ES" dirty="0"/>
-              <a:t>: Construir infraestructuras resilientes, promover la industrialización sostenible y fomentar la innovación</a:t>
-            </a:r>
-          </a:p>
-          <a:p>
-            <a:pPr lvl="1"/>
-            <a:r>
-              <a:rPr lang="es-ES" b="1" dirty="0"/>
-              <a:t>Objetivo 11</a:t>
-            </a:r>
-            <a:r>
-              <a:rPr lang="es-ES" dirty="0"/>
-              <a:t>: Lograr que las ciudades sean más inclusivas, seguras, resilientes y sostenibles</a:t>
-            </a:r>
-          </a:p>
-          <a:p>
-            <a:pPr marL="514350" indent="-514350">
-              <a:buFont typeface="+mj-lt"/>
-              <a:buAutoNum type="arabicPeriod"/>
-            </a:pPr>
-            <a:r>
-              <a:rPr lang="es-ES" dirty="0"/>
-              <a:t>Contribución al Mercado Laboral</a:t>
-            </a:r>
-          </a:p>
-          <a:p>
-            <a:pPr lvl="1"/>
-            <a:r>
-              <a:rPr lang="es-EC" b="1" dirty="0"/>
-              <a:t>ABET</a:t>
-            </a:r>
-          </a:p>
-          <a:p>
-            <a:pPr lvl="2"/>
-            <a:r>
-              <a:rPr lang="es-ES" dirty="0"/>
-              <a:t>Ciclo de vida de la ciencia de datos</a:t>
-            </a:r>
-            <a:r>
-              <a:rPr lang="es-EC" dirty="0"/>
-              <a:t> (adquisición, manejo, preparación, análisis, modelamiento y visualización)</a:t>
-            </a:r>
-          </a:p>
-          <a:p>
-            <a:pPr lvl="2"/>
-            <a:r>
-              <a:rPr lang="es-EC" dirty="0"/>
-              <a:t>É</a:t>
-            </a:r>
-            <a:r>
-              <a:rPr lang="es-ES" dirty="0"/>
-              <a:t>tica de datos, gobernanza y sólidos fundamentos en matemáticas y ciencias computacionales.</a:t>
-            </a:r>
-            <a:endParaRPr lang="es-EC" dirty="0"/>
-          </a:p>
-          <a:p>
-            <a:pPr lvl="1"/>
-            <a:r>
-              <a:rPr lang="es-ES" b="1" dirty="0"/>
-              <a:t>Expertos en la industria y la academia</a:t>
-            </a:r>
-          </a:p>
-          <a:p>
-            <a:pPr lvl="2"/>
-            <a:r>
-              <a:rPr lang="es-EC" dirty="0"/>
-              <a:t>Teóricas fundamentales (Mat y CS), trabajo en entornos distribuidos y en la nube y habilidades transversales</a:t>
-            </a:r>
+            <a:endParaRPr lang="es-ES" dirty="0"/>
           </a:p>
         </p:txBody>
       </p:sp>
@@ -4246,7 +5209,38 @@
                                         <p:tgtEl>
                                           <p:spTgt spid="3">
                                             <p:txEl>
-                                              <p:pRg st="1" end="1"/>
+                                              <p:pRg st="2" end="2"/>
+                                            </p:txEl>
+                                          </p:spTgt>
+                                        </p:tgtEl>
+                                        <p:attrNameLst>
+                                          <p:attrName>style.visibility</p:attrName>
+                                        </p:attrNameLst>
+                                      </p:cBhvr>
+                                      <p:to>
+                                        <p:strVal val="visible"/>
+                                      </p:to>
+                                    </p:set>
+                                  </p:childTnLst>
+                                </p:cTn>
+                              </p:par>
+                              <p:par>
+                                <p:cTn id="9" presetID="1" presetClass="entr" presetSubtype="0" fill="hold" grpId="0" nodeType="withEffect">
+                                  <p:stCondLst>
+                                    <p:cond delay="0"/>
+                                  </p:stCondLst>
+                                  <p:childTnLst>
+                                    <p:set>
+                                      <p:cBhvr>
+                                        <p:cTn id="10" dur="1" fill="hold">
+                                          <p:stCondLst>
+                                            <p:cond delay="0"/>
+                                          </p:stCondLst>
+                                        </p:cTn>
+                                        <p:tgtEl>
+                                          <p:spTgt spid="3">
+                                            <p:txEl>
+                                              <p:pRg st="3" end="3"/>
                                             </p:txEl>
                                           </p:spTgt>
                                         </p:tgtEl>
@@ -4268,50 +5262,19 @@
                     </p:cTn>
                   </p:par>
                   <p:par>
-                    <p:cTn id="9" fill="hold">
+                    <p:cTn id="11" fill="hold">
                       <p:stCondLst>
                         <p:cond delay="indefinite"/>
                       </p:stCondLst>
                       <p:childTnLst>
                         <p:par>
-                          <p:cTn id="10" fill="hold">
+                          <p:cTn id="12" fill="hold">
                             <p:stCondLst>
                               <p:cond delay="0"/>
                             </p:stCondLst>
                             <p:childTnLst>
                               <p:par>
-                                <p:cTn id="11" presetID="1" presetClass="entr" presetSubtype="0" fill="hold" grpId="0" nodeType="clickEffect">
-                                  <p:stCondLst>
-                                    <p:cond delay="0"/>
-                                  </p:stCondLst>
-                                  <p:childTnLst>
-                                    <p:set>
-                                      <p:cBhvr>
-                                        <p:cTn id="12" dur="1" fill="hold">
-                                          <p:stCondLst>
-                                            <p:cond delay="0"/>
-                                          </p:stCondLst>
-                                        </p:cTn>
-                                        <p:tgtEl>
-                                          <p:spTgt spid="3">
-                                            <p:txEl>
-                                              <p:pRg st="2" end="2"/>
-                                            </p:txEl>
-                                          </p:spTgt>
-                                        </p:tgtEl>
-                                        <p:attrNameLst>
-                                          <p:attrName>style.visibility</p:attrName>
-                                        </p:attrNameLst>
-                                      </p:cBhvr>
-                                      <p:to>
-                                        <p:strVal val="visible"/>
-                                      </p:to>
-                                    </p:set>
-                                  </p:childTnLst>
-                                </p:cTn>
-                              </p:par>
-                              <p:par>
-                                <p:cTn id="13" presetID="1" presetClass="entr" presetSubtype="0" fill="hold" grpId="0" nodeType="withEffect">
+                                <p:cTn id="13" presetID="1" presetClass="entr" presetSubtype="0" fill="hold" grpId="0" nodeType="clickEffect">
                                   <p:stCondLst>
                                     <p:cond delay="0"/>
                                   </p:stCondLst>
@@ -4326,7 +5289,7 @@
                                         <p:tgtEl>
                                           <p:spTgt spid="3">
                                             <p:txEl>
-                                              <p:pRg st="3" end="3"/>
+                                              <p:pRg st="5" end="5"/>
                                             </p:txEl>
                                           </p:spTgt>
                                         </p:tgtEl>
@@ -4357,7 +5320,7 @@
                                         <p:tgtEl>
                                           <p:spTgt spid="3">
                                             <p:txEl>
-                                              <p:pRg st="4" end="4"/>
+                                              <p:pRg st="7" end="7"/>
                                             </p:txEl>
                                           </p:spTgt>
                                         </p:tgtEl>
@@ -4372,26 +5335,39 @@
                                   </p:childTnLst>
                                 </p:cTn>
                               </p:par>
-                            </p:childTnLst>
-                          </p:cTn>
-                        </p:par>
-                      </p:childTnLst>
-                    </p:cTn>
-                  </p:par>
-                  <p:par>
-                    <p:cTn id="17" fill="hold">
-                      <p:stCondLst>
-                        <p:cond delay="indefinite"/>
-                      </p:stCondLst>
-                      <p:childTnLst>
-                        <p:par>
-                          <p:cTn id="18" fill="hold">
-                            <p:stCondLst>
-                              <p:cond delay="0"/>
-                            </p:stCondLst>
-                            <p:childTnLst>
                               <p:par>
-                                <p:cTn id="19" presetID="1" presetClass="entr" presetSubtype="0" fill="hold" grpId="0" nodeType="clickEffect">
+                                <p:cTn id="17" presetID="1" presetClass="entr" presetSubtype="0" fill="hold" grpId="0" nodeType="withEffect">
+                                  <p:stCondLst>
+                                    <p:cond delay="0"/>
+                                  </p:stCondLst>
+                                  <p:childTnLst>
+                                    <p:set>
+                                      <p:cBhvr>
+                                        <p:cTn id="18" dur="1" fill="hold">
+                                          <p:stCondLst>
+                                            <p:cond delay="0"/>
+                                          </p:stCondLst>
+                                        </p:cTn>
+                                        <p:tgtEl>
+                                          <p:spTgt spid="3">
+                                            <p:txEl>
+                                              <p:pRg st="8" end="8"/>
+                                            </p:txEl>
+                                          </p:spTgt>
+                                        </p:tgtEl>
+                                        <p:attrNameLst>
+                                          <p:attrName>style.visibility</p:attrName>
+                                        </p:attrNameLst>
+                                      </p:cBhvr>
+                                      <p:to>
+                                        <p:strVal val="visible"/>
+                                      </p:to>
+                                    </p:set>
+                                  </p:childTnLst>
+                                </p:cTn>
+                              </p:par>
+                              <p:par>
+                                <p:cTn id="19" presetID="1" presetClass="entr" presetSubtype="0" fill="hold" grpId="0" nodeType="withEffect">
                                   <p:stCondLst>
                                     <p:cond delay="0"/>
                                   </p:stCondLst>
@@ -4406,7 +5382,7 @@
                                         <p:tgtEl>
                                           <p:spTgt spid="3">
                                             <p:txEl>
-                                              <p:pRg st="5" end="5"/>
+                                              <p:pRg st="9" end="9"/>
                                             </p:txEl>
                                           </p:spTgt>
                                         </p:tgtEl>
@@ -4437,7 +5413,7 @@
                                         <p:tgtEl>
                                           <p:spTgt spid="3">
                                             <p:txEl>
-                                              <p:pRg st="6" end="6"/>
+                                              <p:pRg st="10" end="10"/>
                                             </p:txEl>
                                           </p:spTgt>
                                         </p:tgtEl>
@@ -4468,7 +5444,7 @@
                                         <p:tgtEl>
                                           <p:spTgt spid="3">
                                             <p:txEl>
-                                              <p:pRg st="7" end="7"/>
+                                              <p:pRg st="11" end="11"/>
                                             </p:txEl>
                                           </p:spTgt>
                                         </p:tgtEl>
@@ -4499,69 +5475,7 @@
                                         <p:tgtEl>
                                           <p:spTgt spid="3">
                                             <p:txEl>
-                                              <p:pRg st="8" end="8"/>
-                                            </p:txEl>
-                                          </p:spTgt>
-                                        </p:tgtEl>
-                                        <p:attrNameLst>
-                                          <p:attrName>style.visibility</p:attrName>
-                                        </p:attrNameLst>
-                                      </p:cBhvr>
-                                      <p:to>
-                                        <p:strVal val="visible"/>
-                                      </p:to>
-                                    </p:set>
-                                  </p:childTnLst>
-                                </p:cTn>
-                              </p:par>
-                              <p:par>
-                                <p:cTn id="27" presetID="1" presetClass="entr" presetSubtype="0" fill="hold" grpId="0" nodeType="withEffect">
-                                  <p:stCondLst>
-                                    <p:cond delay="0"/>
-                                  </p:stCondLst>
-                                  <p:childTnLst>
-                                    <p:set>
-                                      <p:cBhvr>
-                                        <p:cTn id="28" dur="1" fill="hold">
-                                          <p:stCondLst>
-                                            <p:cond delay="0"/>
-                                          </p:stCondLst>
-                                        </p:cTn>
-                                        <p:tgtEl>
-                                          <p:spTgt spid="3">
-                                            <p:txEl>
-                                              <p:pRg st="9" end="9"/>
-                                            </p:txEl>
-                                          </p:spTgt>
-                                        </p:tgtEl>
-                                        <p:attrNameLst>
-                                          <p:attrName>style.visibility</p:attrName>
-                                        </p:attrNameLst>
-                                      </p:cBhvr>
-                                      <p:to>
-                                        <p:strVal val="visible"/>
-                                      </p:to>
-                                    </p:set>
-                                  </p:childTnLst>
-                                </p:cTn>
-                              </p:par>
-                              <p:par>
-                                <p:cTn id="29" presetID="1" presetClass="entr" presetSubtype="0" fill="hold" grpId="0" nodeType="withEffect">
-                                  <p:stCondLst>
-                                    <p:cond delay="0"/>
-                                  </p:stCondLst>
-                                  <p:childTnLst>
-                                    <p:set>
-                                      <p:cBhvr>
-                                        <p:cTn id="30" dur="1" fill="hold">
-                                          <p:stCondLst>
-                                            <p:cond delay="0"/>
-                                          </p:stCondLst>
-                                        </p:cTn>
-                                        <p:tgtEl>
-                                          <p:spTgt spid="3">
-                                            <p:txEl>
-                                              <p:pRg st="10" end="10"/>
+                                              <p:pRg st="12" end="12"/>
                                             </p:txEl>
                                           </p:spTgt>
                                         </p:tgtEl>
@@ -4610,7 +5524,7 @@
 </p:sld>
 </file>
 
-<file path=ppt/slides/slide4.xml><?xml version="1.0" encoding="utf-8"?>
+<file path=ppt/slides/slide5.xml><?xml version="1.0" encoding="utf-8"?>
 <p:sld xmlns:a="http://schemas.openxmlformats.org/drawingml/2006/main" xmlns:r="http://schemas.openxmlformats.org/officeDocument/2006/relationships" xmlns:p="http://schemas.openxmlformats.org/presentationml/2006/main">
   <p:cSld>
     <p:spTree>
@@ -4632,7 +5546,7 @@
           <p:cNvPr id="2" name="Título 1">
             <a:extLst>
               <a:ext uri="{FF2B5EF4-FFF2-40B4-BE49-F238E27FC236}">
-                <a16:creationId xmlns:a16="http://schemas.microsoft.com/office/drawing/2014/main" id="{F7D5469A-9B4F-0E33-50B3-F7A79A1C94DB}"/>
+                <a16:creationId xmlns:a16="http://schemas.microsoft.com/office/drawing/2014/main" id="{41E22568-B627-1A59-AE47-DB60689072AD}"/>
               </a:ext>
             </a:extLst>
           </p:cNvPr>
@@ -4650,6 +5564,169 @@
           <a:p>
             <a:r>
               <a:rPr lang="es-ES" dirty="0"/>
+              <a:t>2. Pertinencia de la Carrera</a:t>
+            </a:r>
+            <a:endParaRPr lang="es-EC" dirty="0"/>
+          </a:p>
+        </p:txBody>
+      </p:sp>
+      <p:sp>
+        <p:nvSpPr>
+          <p:cNvPr id="3" name="Marcador de contenido 2">
+            <a:extLst>
+              <a:ext uri="{FF2B5EF4-FFF2-40B4-BE49-F238E27FC236}">
+                <a16:creationId xmlns:a16="http://schemas.microsoft.com/office/drawing/2014/main" id="{97D45CB8-0A26-57B7-7899-D554692A1F5A}"/>
+              </a:ext>
+            </a:extLst>
+          </p:cNvPr>
+          <p:cNvSpPr>
+            <a:spLocks noGrp="1"/>
+          </p:cNvSpPr>
+          <p:nvPr>
+            <p:ph idx="1"/>
+          </p:nvPr>
+        </p:nvSpPr>
+        <p:spPr/>
+        <p:txBody>
+          <a:bodyPr/>
+          <a:lstStyle/>
+          <a:p>
+            <a:pPr marL="514350" indent="-514350">
+              <a:buFont typeface="+mj-lt"/>
+              <a:buAutoNum type="arabicPeriod" startAt="3"/>
+            </a:pPr>
+            <a:r>
+              <a:rPr lang="es-ES" dirty="0"/>
+              <a:t>Contribución al Mercado Laboral</a:t>
+            </a:r>
+          </a:p>
+          <a:p>
+            <a:pPr marL="0" indent="0">
+              <a:buNone/>
+            </a:pPr>
+            <a:endParaRPr lang="es-ES" dirty="0"/>
+          </a:p>
+          <a:p>
+            <a:pPr lvl="1"/>
+            <a:r>
+              <a:rPr lang="es-EC" b="1" dirty="0"/>
+              <a:t>ABET</a:t>
+            </a:r>
+          </a:p>
+          <a:p>
+            <a:pPr lvl="2"/>
+            <a:r>
+              <a:rPr lang="es-ES" dirty="0"/>
+              <a:t>Aplicar las competencias de Ciencias Computacionales</a:t>
+            </a:r>
+          </a:p>
+          <a:p>
+            <a:pPr lvl="2"/>
+            <a:r>
+              <a:rPr lang="es-ES" dirty="0"/>
+              <a:t>Competencias para el ciclo de vida de los datos</a:t>
+            </a:r>
+            <a:r>
+              <a:rPr lang="es-EC" dirty="0"/>
+              <a:t> (adquisición, manejo, preparación, análisis, modelamiento y visualización)</a:t>
+            </a:r>
+            <a:r>
+              <a:rPr lang="es-ES" dirty="0"/>
+              <a:t>.</a:t>
+            </a:r>
+          </a:p>
+          <a:p>
+            <a:pPr marL="914400" lvl="2" indent="0">
+              <a:buNone/>
+            </a:pPr>
+            <a:endParaRPr lang="es-EC" dirty="0"/>
+          </a:p>
+          <a:p>
+            <a:pPr lvl="1"/>
+            <a:r>
+              <a:rPr lang="es-ES" b="1" dirty="0"/>
+              <a:t>Expertos en la industria y la academia</a:t>
+            </a:r>
+          </a:p>
+          <a:p>
+            <a:pPr lvl="2"/>
+            <a:r>
+              <a:rPr lang="es-EC" dirty="0"/>
+              <a:t>Teóricas fundamentales (Mat y CS), </a:t>
+            </a:r>
+          </a:p>
+          <a:p>
+            <a:pPr lvl="2"/>
+            <a:r>
+              <a:rPr lang="es-EC" dirty="0"/>
+              <a:t>Trabajo en entornos distribuidos y en la nube, y </a:t>
+            </a:r>
+          </a:p>
+          <a:p>
+            <a:pPr lvl="2"/>
+            <a:r>
+              <a:rPr lang="es-EC" dirty="0"/>
+              <a:t>Habilidades esenciales: comunicación, liderazgo, pensamiento crítico, etc.</a:t>
+            </a:r>
+          </a:p>
+          <a:p>
+            <a:endParaRPr lang="es-EC" dirty="0"/>
+          </a:p>
+        </p:txBody>
+      </p:sp>
+    </p:spTree>
+    <p:extLst>
+      <p:ext uri="{BB962C8B-B14F-4D97-AF65-F5344CB8AC3E}">
+        <p14:creationId xmlns:p14="http://schemas.microsoft.com/office/powerpoint/2010/main" val="1847954967"/>
+      </p:ext>
+    </p:extLst>
+  </p:cSld>
+  <p:clrMapOvr>
+    <a:masterClrMapping/>
+  </p:clrMapOvr>
+</p:sld>
+</file>
+
+<file path=ppt/slides/slide6.xml><?xml version="1.0" encoding="utf-8"?>
+<p:sld xmlns:a="http://schemas.openxmlformats.org/drawingml/2006/main" xmlns:r="http://schemas.openxmlformats.org/officeDocument/2006/relationships" xmlns:p="http://schemas.openxmlformats.org/presentationml/2006/main">
+  <p:cSld>
+    <p:spTree>
+      <p:nvGrpSpPr>
+        <p:cNvPr id="1" name=""/>
+        <p:cNvGrpSpPr/>
+        <p:nvPr/>
+      </p:nvGrpSpPr>
+      <p:grpSpPr>
+        <a:xfrm>
+          <a:off x="0" y="0"/>
+          <a:ext cx="0" cy="0"/>
+          <a:chOff x="0" y="0"/>
+          <a:chExt cx="0" cy="0"/>
+        </a:xfrm>
+      </p:grpSpPr>
+      <p:sp>
+        <p:nvSpPr>
+          <p:cNvPr id="2" name="Título 1">
+            <a:extLst>
+              <a:ext uri="{FF2B5EF4-FFF2-40B4-BE49-F238E27FC236}">
+                <a16:creationId xmlns:a16="http://schemas.microsoft.com/office/drawing/2014/main" id="{F7D5469A-9B4F-0E33-50B3-F7A79A1C94DB}"/>
+              </a:ext>
+            </a:extLst>
+          </p:cNvPr>
+          <p:cNvSpPr>
+            <a:spLocks noGrp="1"/>
+          </p:cNvSpPr>
+          <p:nvPr>
+            <p:ph type="title"/>
+          </p:nvPr>
+        </p:nvSpPr>
+        <p:spPr/>
+        <p:txBody>
+          <a:bodyPr/>
+          <a:lstStyle/>
+          <a:p>
+            <a:r>
+              <a:rPr lang="es-ES" dirty="0"/>
               <a:t>3. Proyección Futura y Tendencias</a:t>
             </a:r>
             <a:endParaRPr lang="es-EC" dirty="0"/>
@@ -4675,7 +5752,7 @@
         <p:spPr/>
         <p:txBody>
           <a:bodyPr>
-            <a:normAutofit fontScale="85000" lnSpcReduction="10000"/>
+            <a:normAutofit fontScale="92500" lnSpcReduction="10000"/>
           </a:bodyPr>
           <a:lstStyle/>
           <a:p>
@@ -4689,6 +5766,12 @@
             </a:r>
           </a:p>
           <a:p>
+            <a:pPr marL="0" indent="0">
+              <a:buNone/>
+            </a:pPr>
+            <a:endParaRPr lang="es-ES" dirty="0"/>
+          </a:p>
+          <a:p>
             <a:pPr lvl="1"/>
             <a:r>
               <a:rPr lang="es-EC" b="1" dirty="0"/>
@@ -4717,7 +5800,7 @@
             <a:pPr lvl="2"/>
             <a:r>
               <a:rPr lang="es-ES" dirty="0"/>
-              <a:t>Integración de modelos de lenguaje, visión por computadora, razonamiento complejo y agentes autónomos se vuelve cada vez más esencial</a:t>
+              <a:t>Integración de modelos de lenguaje, visión por computadora, razonamiento complejo y agentes autónomos</a:t>
             </a:r>
           </a:p>
           <a:p>
@@ -4728,14 +5811,35 @@
             </a:r>
             <a:r>
               <a:rPr lang="es-EC" dirty="0"/>
-              <a:t>(perfiles)</a:t>
+              <a:t>(campos de desempeño)</a:t>
             </a:r>
           </a:p>
           <a:p>
             <a:pPr lvl="2"/>
             <a:r>
               <a:rPr lang="es-ES" dirty="0"/>
-              <a:t>Científico de Datos, Ingeniero/a de Datos, Ingeniero/a en Machine Learning, y Desarrollador de aplicaciones </a:t>
+              <a:t>Científico de Datos, </a:t>
+            </a:r>
+          </a:p>
+          <a:p>
+            <a:pPr lvl="2"/>
+            <a:r>
+              <a:rPr lang="es-ES" dirty="0"/>
+              <a:t>Ingeniero/a de Datos, </a:t>
+            </a:r>
+          </a:p>
+          <a:p>
+            <a:pPr lvl="2"/>
+            <a:r>
+              <a:rPr lang="es-ES" dirty="0"/>
+              <a:t>Ingeniero/a en Machine Learning, y </a:t>
+            </a:r>
+          </a:p>
+          <a:p>
+            <a:pPr lvl="2"/>
+            <a:r>
+              <a:rPr lang="es-ES" dirty="0"/>
+              <a:t>Desarrollador de aplicaciones </a:t>
             </a:r>
             <a:r>
               <a:rPr lang="es-ES" i="1" dirty="0"/>
@@ -4746,92 +5850,6 @@
                 <a:srgbClr val="FFFF00"/>
               </a:highlight>
             </a:endParaRPr>
-          </a:p>
-          <a:p>
-            <a:pPr marL="514350" indent="-514350">
-              <a:buFont typeface="+mj-lt"/>
-              <a:buAutoNum type="arabicPeriod"/>
-            </a:pPr>
-            <a:r>
-              <a:rPr lang="es-EC" dirty="0"/>
-              <a:t>Vinculación con Estudios Prospectivos </a:t>
-            </a:r>
-          </a:p>
-          <a:p>
-            <a:pPr marL="971550" lvl="1" indent="-514350">
-              <a:buFont typeface="+mj-lt"/>
-              <a:buAutoNum type="arabicPeriod"/>
-            </a:pPr>
-            <a:r>
-              <a:rPr lang="es-ES" dirty="0"/>
-              <a:t>Rápida </a:t>
-            </a:r>
-            <a:r>
-              <a:rPr lang="es-ES" b="1" dirty="0"/>
-              <a:t>adopción</a:t>
-            </a:r>
-            <a:r>
-              <a:rPr lang="es-ES" dirty="0"/>
-              <a:t> de tecnologías como la </a:t>
-            </a:r>
-            <a:r>
-              <a:rPr lang="es-ES" b="1" dirty="0"/>
-              <a:t>inteligencia artificial generativa </a:t>
-            </a:r>
-            <a:r>
-              <a:rPr lang="es-ES" dirty="0"/>
-              <a:t>(</a:t>
-            </a:r>
-            <a:r>
-              <a:rPr lang="es-ES" dirty="0" err="1"/>
-              <a:t>GenAI</a:t>
-            </a:r>
-            <a:r>
-              <a:rPr lang="es-ES" dirty="0"/>
-              <a:t>), el procesamiento de información, y la automatización de procesos (WEF, 2025).</a:t>
-            </a:r>
-          </a:p>
-          <a:p>
-            <a:pPr marL="971550" lvl="1" indent="-514350">
-              <a:buFont typeface="+mj-lt"/>
-              <a:buAutoNum type="arabicPeriod"/>
-            </a:pPr>
-            <a:r>
-              <a:rPr lang="es-ES" b="1" dirty="0"/>
-              <a:t>Incremento</a:t>
-            </a:r>
-            <a:r>
-              <a:rPr lang="es-ES" dirty="0"/>
-              <a:t> significativo en la </a:t>
-            </a:r>
-            <a:r>
-              <a:rPr lang="es-ES" b="1" dirty="0"/>
-              <a:t>productividad</a:t>
-            </a:r>
-            <a:r>
-              <a:rPr lang="es-ES" dirty="0"/>
-              <a:t> </a:t>
-            </a:r>
-            <a:r>
-              <a:rPr lang="es-ES" b="1" dirty="0"/>
-              <a:t>de desarrolladores</a:t>
-            </a:r>
-            <a:r>
-              <a:rPr lang="es-ES" dirty="0"/>
-              <a:t> con GitHub </a:t>
-            </a:r>
-            <a:r>
-              <a:rPr lang="es-ES" dirty="0" err="1"/>
-              <a:t>Copilot</a:t>
-            </a:r>
-            <a:r>
-              <a:rPr lang="es-ES" dirty="0"/>
-              <a:t> </a:t>
-            </a:r>
-            <a:r>
-              <a:rPr lang="es-EC" dirty="0"/>
-              <a:t>.</a:t>
-            </a:r>
           </a:p>
         </p:txBody>
       </p:sp>
@@ -4912,7 +5930,7 @@
                                         <p:tgtEl>
                                           <p:spTgt spid="3">
                                             <p:txEl>
-                                              <p:pRg st="1" end="1"/>
+                                              <p:pRg st="2" end="2"/>
                                             </p:txEl>
                                           </p:spTgt>
                                         </p:tgtEl>
@@ -4943,7 +5961,7 @@
                                         <p:tgtEl>
                                           <p:spTgt spid="3">
                                             <p:txEl>
-                                              <p:pRg st="2" end="2"/>
+                                              <p:pRg st="3" end="3"/>
                                             </p:txEl>
                                           </p:spTgt>
                                         </p:tgtEl>
@@ -4974,7 +5992,550 @@
                                         <p:tgtEl>
                                           <p:spTgt spid="3">
                                             <p:txEl>
-                                              <p:pRg st="3" end="3"/>
+                                              <p:pRg st="4" end="4"/>
+                                            </p:txEl>
+                                          </p:spTgt>
+                                        </p:tgtEl>
+                                        <p:attrNameLst>
+                                          <p:attrName>style.visibility</p:attrName>
+                                        </p:attrNameLst>
+                                      </p:cBhvr>
+                                      <p:to>
+                                        <p:strVal val="visible"/>
+                                      </p:to>
+                                    </p:set>
+                                  </p:childTnLst>
+                                </p:cTn>
+                              </p:par>
+                              <p:par>
+                                <p:cTn id="13" presetID="1" presetClass="entr" presetSubtype="0" fill="hold" grpId="0" nodeType="withEffect">
+                                  <p:stCondLst>
+                                    <p:cond delay="0"/>
+                                  </p:stCondLst>
+                                  <p:childTnLst>
+                                    <p:set>
+                                      <p:cBhvr>
+                                        <p:cTn id="14" dur="1" fill="hold">
+                                          <p:stCondLst>
+                                            <p:cond delay="0"/>
+                                          </p:stCondLst>
+                                        </p:cTn>
+                                        <p:tgtEl>
+                                          <p:spTgt spid="3">
+                                            <p:txEl>
+                                              <p:pRg st="5" end="5"/>
+                                            </p:txEl>
+                                          </p:spTgt>
+                                        </p:tgtEl>
+                                        <p:attrNameLst>
+                                          <p:attrName>style.visibility</p:attrName>
+                                        </p:attrNameLst>
+                                      </p:cBhvr>
+                                      <p:to>
+                                        <p:strVal val="visible"/>
+                                      </p:to>
+                                    </p:set>
+                                  </p:childTnLst>
+                                </p:cTn>
+                              </p:par>
+                              <p:par>
+                                <p:cTn id="15" presetID="1" presetClass="entr" presetSubtype="0" fill="hold" grpId="0" nodeType="withEffect">
+                                  <p:stCondLst>
+                                    <p:cond delay="0"/>
+                                  </p:stCondLst>
+                                  <p:childTnLst>
+                                    <p:set>
+                                      <p:cBhvr>
+                                        <p:cTn id="16" dur="1" fill="hold">
+                                          <p:stCondLst>
+                                            <p:cond delay="0"/>
+                                          </p:stCondLst>
+                                        </p:cTn>
+                                        <p:tgtEl>
+                                          <p:spTgt spid="3">
+                                            <p:txEl>
+                                              <p:pRg st="6" end="6"/>
+                                            </p:txEl>
+                                          </p:spTgt>
+                                        </p:tgtEl>
+                                        <p:attrNameLst>
+                                          <p:attrName>style.visibility</p:attrName>
+                                        </p:attrNameLst>
+                                      </p:cBhvr>
+                                      <p:to>
+                                        <p:strVal val="visible"/>
+                                      </p:to>
+                                    </p:set>
+                                  </p:childTnLst>
+                                </p:cTn>
+                              </p:par>
+                              <p:par>
+                                <p:cTn id="17" presetID="1" presetClass="entr" presetSubtype="0" fill="hold" grpId="0" nodeType="withEffect">
+                                  <p:stCondLst>
+                                    <p:cond delay="0"/>
+                                  </p:stCondLst>
+                                  <p:childTnLst>
+                                    <p:set>
+                                      <p:cBhvr>
+                                        <p:cTn id="18" dur="1" fill="hold">
+                                          <p:stCondLst>
+                                            <p:cond delay="0"/>
+                                          </p:stCondLst>
+                                        </p:cTn>
+                                        <p:tgtEl>
+                                          <p:spTgt spid="3">
+                                            <p:txEl>
+                                              <p:pRg st="7" end="7"/>
+                                            </p:txEl>
+                                          </p:spTgt>
+                                        </p:tgtEl>
+                                        <p:attrNameLst>
+                                          <p:attrName>style.visibility</p:attrName>
+                                        </p:attrNameLst>
+                                      </p:cBhvr>
+                                      <p:to>
+                                        <p:strVal val="visible"/>
+                                      </p:to>
+                                    </p:set>
+                                  </p:childTnLst>
+                                </p:cTn>
+                              </p:par>
+                              <p:par>
+                                <p:cTn id="19" presetID="1" presetClass="entr" presetSubtype="0" fill="hold" grpId="0" nodeType="withEffect">
+                                  <p:stCondLst>
+                                    <p:cond delay="0"/>
+                                  </p:stCondLst>
+                                  <p:childTnLst>
+                                    <p:set>
+                                      <p:cBhvr>
+                                        <p:cTn id="20" dur="1" fill="hold">
+                                          <p:stCondLst>
+                                            <p:cond delay="0"/>
+                                          </p:stCondLst>
+                                        </p:cTn>
+                                        <p:tgtEl>
+                                          <p:spTgt spid="3">
+                                            <p:txEl>
+                                              <p:pRg st="8" end="8"/>
+                                            </p:txEl>
+                                          </p:spTgt>
+                                        </p:tgtEl>
+                                        <p:attrNameLst>
+                                          <p:attrName>style.visibility</p:attrName>
+                                        </p:attrNameLst>
+                                      </p:cBhvr>
+                                      <p:to>
+                                        <p:strVal val="visible"/>
+                                      </p:to>
+                                    </p:set>
+                                  </p:childTnLst>
+                                </p:cTn>
+                              </p:par>
+                              <p:par>
+                                <p:cTn id="21" presetID="1" presetClass="entr" presetSubtype="0" fill="hold" grpId="0" nodeType="withEffect">
+                                  <p:stCondLst>
+                                    <p:cond delay="0"/>
+                                  </p:stCondLst>
+                                  <p:childTnLst>
+                                    <p:set>
+                                      <p:cBhvr>
+                                        <p:cTn id="22" dur="1" fill="hold">
+                                          <p:stCondLst>
+                                            <p:cond delay="0"/>
+                                          </p:stCondLst>
+                                        </p:cTn>
+                                        <p:tgtEl>
+                                          <p:spTgt spid="3">
+                                            <p:txEl>
+                                              <p:pRg st="9" end="9"/>
+                                            </p:txEl>
+                                          </p:spTgt>
+                                        </p:tgtEl>
+                                        <p:attrNameLst>
+                                          <p:attrName>style.visibility</p:attrName>
+                                        </p:attrNameLst>
+                                      </p:cBhvr>
+                                      <p:to>
+                                        <p:strVal val="visible"/>
+                                      </p:to>
+                                    </p:set>
+                                  </p:childTnLst>
+                                </p:cTn>
+                              </p:par>
+                              <p:par>
+                                <p:cTn id="23" presetID="1" presetClass="entr" presetSubtype="0" fill="hold" grpId="0" nodeType="withEffect">
+                                  <p:stCondLst>
+                                    <p:cond delay="0"/>
+                                  </p:stCondLst>
+                                  <p:childTnLst>
+                                    <p:set>
+                                      <p:cBhvr>
+                                        <p:cTn id="24" dur="1" fill="hold">
+                                          <p:stCondLst>
+                                            <p:cond delay="0"/>
+                                          </p:stCondLst>
+                                        </p:cTn>
+                                        <p:tgtEl>
+                                          <p:spTgt spid="3">
+                                            <p:txEl>
+                                              <p:pRg st="10" end="10"/>
+                                            </p:txEl>
+                                          </p:spTgt>
+                                        </p:tgtEl>
+                                        <p:attrNameLst>
+                                          <p:attrName>style.visibility</p:attrName>
+                                        </p:attrNameLst>
+                                      </p:cBhvr>
+                                      <p:to>
+                                        <p:strVal val="visible"/>
+                                      </p:to>
+                                    </p:set>
+                                  </p:childTnLst>
+                                </p:cTn>
+                              </p:par>
+                            </p:childTnLst>
+                          </p:cTn>
+                        </p:par>
+                      </p:childTnLst>
+                    </p:cTn>
+                  </p:par>
+                </p:childTnLst>
+              </p:cTn>
+              <p:prevCondLst>
+                <p:cond evt="onPrev" delay="0">
+                  <p:tgtEl>
+                    <p:sldTgt/>
+                  </p:tgtEl>
+                </p:cond>
+              </p:prevCondLst>
+              <p:nextCondLst>
+                <p:cond evt="onNext" delay="0">
+                  <p:tgtEl>
+                    <p:sldTgt/>
+                  </p:tgtEl>
+                </p:cond>
+              </p:nextCondLst>
+            </p:seq>
+          </p:childTnLst>
+        </p:cTn>
+      </p:par>
+    </p:tnLst>
+    <p:bldLst>
+      <p:bldP spid="3" grpId="0" build="p"/>
+    </p:bldLst>
+  </p:timing>
+</p:sld>
+</file>
+
+<file path=ppt/slides/slide7.xml><?xml version="1.0" encoding="utf-8"?>
+<p:sld xmlns:a="http://schemas.openxmlformats.org/drawingml/2006/main" xmlns:r="http://schemas.openxmlformats.org/officeDocument/2006/relationships" xmlns:p="http://schemas.openxmlformats.org/presentationml/2006/main">
+  <p:cSld>
+    <p:spTree>
+      <p:nvGrpSpPr>
+        <p:cNvPr id="1" name=""/>
+        <p:cNvGrpSpPr/>
+        <p:nvPr/>
+      </p:nvGrpSpPr>
+      <p:grpSpPr>
+        <a:xfrm>
+          <a:off x="0" y="0"/>
+          <a:ext cx="0" cy="0"/>
+          <a:chOff x="0" y="0"/>
+          <a:chExt cx="0" cy="0"/>
+        </a:xfrm>
+      </p:grpSpPr>
+      <p:sp>
+        <p:nvSpPr>
+          <p:cNvPr id="2" name="Título 1">
+            <a:extLst>
+              <a:ext uri="{FF2B5EF4-FFF2-40B4-BE49-F238E27FC236}">
+                <a16:creationId xmlns:a16="http://schemas.microsoft.com/office/drawing/2014/main" id="{44957B34-5BE8-2951-76E5-F1459CA2ABE4}"/>
+              </a:ext>
+            </a:extLst>
+          </p:cNvPr>
+          <p:cNvSpPr>
+            <a:spLocks noGrp="1"/>
+          </p:cNvSpPr>
+          <p:nvPr>
+            <p:ph type="title"/>
+          </p:nvPr>
+        </p:nvSpPr>
+        <p:spPr/>
+        <p:txBody>
+          <a:bodyPr/>
+          <a:lstStyle/>
+          <a:p>
+            <a:r>
+              <a:rPr lang="es-ES" dirty="0"/>
+              <a:t>3. Proyección Futura y Tendencias</a:t>
+            </a:r>
+            <a:endParaRPr lang="es-EC" dirty="0"/>
+          </a:p>
+        </p:txBody>
+      </p:sp>
+      <p:sp>
+        <p:nvSpPr>
+          <p:cNvPr id="3" name="Marcador de contenido 2">
+            <a:extLst>
+              <a:ext uri="{FF2B5EF4-FFF2-40B4-BE49-F238E27FC236}">
+                <a16:creationId xmlns:a16="http://schemas.microsoft.com/office/drawing/2014/main" id="{D49584C4-F61A-FC92-8F8F-976ADCF3C49B}"/>
+              </a:ext>
+            </a:extLst>
+          </p:cNvPr>
+          <p:cNvSpPr>
+            <a:spLocks noGrp="1"/>
+          </p:cNvSpPr>
+          <p:nvPr>
+            <p:ph idx="1"/>
+          </p:nvPr>
+        </p:nvSpPr>
+        <p:spPr/>
+        <p:txBody>
+          <a:bodyPr/>
+          <a:lstStyle/>
+          <a:p>
+            <a:pPr marL="514350" indent="-514350">
+              <a:buFont typeface="+mj-lt"/>
+              <a:buAutoNum type="arabicPeriod" startAt="2"/>
+            </a:pPr>
+            <a:r>
+              <a:rPr lang="es-EC" dirty="0"/>
+              <a:t>Vinculación con Estudios Prospectivos </a:t>
+            </a:r>
+          </a:p>
+          <a:p>
+            <a:pPr marL="0" indent="0">
+              <a:buNone/>
+            </a:pPr>
+            <a:endParaRPr lang="es-EC" dirty="0"/>
+          </a:p>
+          <a:p>
+            <a:pPr lvl="1"/>
+            <a:r>
+              <a:rPr lang="es-ES" dirty="0"/>
+              <a:t>Rápida </a:t>
+            </a:r>
+            <a:r>
+              <a:rPr lang="es-ES" b="1" dirty="0"/>
+              <a:t>adopción</a:t>
+            </a:r>
+            <a:r>
+              <a:rPr lang="es-ES" dirty="0"/>
+              <a:t> de tecnologías como la </a:t>
+            </a:r>
+            <a:r>
+              <a:rPr lang="es-ES" b="1" dirty="0"/>
+              <a:t>inteligencia artificial generativa </a:t>
+            </a:r>
+            <a:r>
+              <a:rPr lang="es-ES" dirty="0"/>
+              <a:t>(</a:t>
+            </a:r>
+            <a:r>
+              <a:rPr lang="es-ES" dirty="0" err="1"/>
+              <a:t>GenAI</a:t>
+            </a:r>
+            <a:r>
+              <a:rPr lang="es-ES" dirty="0"/>
+              <a:t>), el procesamiento de información, y la automatización de procesos (WEF, 2025).</a:t>
+            </a:r>
+          </a:p>
+          <a:p>
+            <a:pPr marL="457200" lvl="1" indent="0">
+              <a:buNone/>
+            </a:pPr>
+            <a:endParaRPr lang="es-ES" dirty="0"/>
+          </a:p>
+          <a:p>
+            <a:pPr lvl="1"/>
+            <a:r>
+              <a:rPr lang="es-ES" b="1" dirty="0"/>
+              <a:t>Incremento</a:t>
+            </a:r>
+            <a:r>
+              <a:rPr lang="es-ES" dirty="0"/>
+              <a:t> significativo en la:</a:t>
+            </a:r>
+          </a:p>
+          <a:p>
+            <a:pPr lvl="2"/>
+            <a:r>
+              <a:rPr lang="es-ES" b="1" dirty="0"/>
+              <a:t>Productividad </a:t>
+            </a:r>
+            <a:r>
+              <a:rPr lang="es-ES" dirty="0"/>
+              <a:t>de </a:t>
+            </a:r>
+            <a:r>
+              <a:rPr lang="es-ES" b="1" dirty="0"/>
+              <a:t>desarrolladores</a:t>
+            </a:r>
+            <a:r>
+              <a:rPr lang="es-ES" dirty="0"/>
+              <a:t> con GitHub </a:t>
+            </a:r>
+            <a:r>
+              <a:rPr lang="es-ES" dirty="0" err="1"/>
+              <a:t>Copilot</a:t>
+            </a:r>
+            <a:r>
+              <a:rPr lang="es-EC" dirty="0"/>
+              <a:t> y </a:t>
+            </a:r>
+            <a:r>
+              <a:rPr lang="es-EC" b="1" dirty="0"/>
+              <a:t>economistas</a:t>
+            </a:r>
+            <a:r>
+              <a:rPr lang="es-EC" dirty="0"/>
+              <a:t> que usan modelos largos de lenguaje.</a:t>
+            </a:r>
+          </a:p>
+          <a:p>
+            <a:pPr lvl="2"/>
+            <a:r>
+              <a:rPr lang="es-EC" b="1" dirty="0"/>
+              <a:t>Calidad de vida urbana </a:t>
+            </a:r>
+            <a:r>
+              <a:rPr lang="es-ES" dirty="0"/>
+              <a:t>mediante la colaboración actores públicos y tecnológicos</a:t>
+            </a:r>
+            <a:endParaRPr lang="es-EC" dirty="0"/>
+          </a:p>
+          <a:p>
+            <a:pPr lvl="2"/>
+            <a:endParaRPr lang="es-EC" dirty="0"/>
+          </a:p>
+          <a:p>
+            <a:endParaRPr lang="es-EC" dirty="0"/>
+          </a:p>
+        </p:txBody>
+      </p:sp>
+    </p:spTree>
+    <p:extLst>
+      <p:ext uri="{BB962C8B-B14F-4D97-AF65-F5344CB8AC3E}">
+        <p14:creationId xmlns:p14="http://schemas.microsoft.com/office/powerpoint/2010/main" val="1639963145"/>
+      </p:ext>
+    </p:extLst>
+  </p:cSld>
+  <p:clrMapOvr>
+    <a:masterClrMapping/>
+  </p:clrMapOvr>
+  <p:timing>
+    <p:tnLst>
+      <p:par>
+        <p:cTn id="1" dur="indefinite" restart="never" nodeType="tmRoot">
+          <p:childTnLst>
+            <p:seq concurrent="1" nextAc="seek">
+              <p:cTn id="2" dur="indefinite" nodeType="mainSeq">
+                <p:childTnLst>
+                  <p:par>
+                    <p:cTn id="3" fill="hold">
+                      <p:stCondLst>
+                        <p:cond delay="indefinite"/>
+                      </p:stCondLst>
+                      <p:childTnLst>
+                        <p:par>
+                          <p:cTn id="4" fill="hold">
+                            <p:stCondLst>
+                              <p:cond delay="0"/>
+                            </p:stCondLst>
+                            <p:childTnLst>
+                              <p:par>
+                                <p:cTn id="5" presetID="1" presetClass="entr" presetSubtype="0" fill="hold" grpId="0" nodeType="clickEffect">
+                                  <p:stCondLst>
+                                    <p:cond delay="0"/>
+                                  </p:stCondLst>
+                                  <p:childTnLst>
+                                    <p:set>
+                                      <p:cBhvr>
+                                        <p:cTn id="6" dur="1" fill="hold">
+                                          <p:stCondLst>
+                                            <p:cond delay="0"/>
+                                          </p:stCondLst>
+                                        </p:cTn>
+                                        <p:tgtEl>
+                                          <p:spTgt spid="2"/>
+                                        </p:tgtEl>
+                                        <p:attrNameLst>
+                                          <p:attrName>style.visibility</p:attrName>
+                                        </p:attrNameLst>
+                                      </p:cBhvr>
+                                      <p:to>
+                                        <p:strVal val="visible"/>
+                                      </p:to>
+                                    </p:set>
+                                  </p:childTnLst>
+                                </p:cTn>
+                              </p:par>
+                            </p:childTnLst>
+                          </p:cTn>
+                        </p:par>
+                      </p:childTnLst>
+                    </p:cTn>
+                  </p:par>
+                  <p:par>
+                    <p:cTn id="7" fill="hold">
+                      <p:stCondLst>
+                        <p:cond delay="indefinite"/>
+                      </p:stCondLst>
+                      <p:childTnLst>
+                        <p:par>
+                          <p:cTn id="8" fill="hold">
+                            <p:stCondLst>
+                              <p:cond delay="0"/>
+                            </p:stCondLst>
+                            <p:childTnLst>
+                              <p:par>
+                                <p:cTn id="9" presetID="1" presetClass="entr" presetSubtype="0" fill="hold" grpId="0" nodeType="clickEffect">
+                                  <p:stCondLst>
+                                    <p:cond delay="0"/>
+                                  </p:stCondLst>
+                                  <p:childTnLst>
+                                    <p:set>
+                                      <p:cBhvr>
+                                        <p:cTn id="10" dur="1" fill="hold">
+                                          <p:stCondLst>
+                                            <p:cond delay="0"/>
+                                          </p:stCondLst>
+                                        </p:cTn>
+                                        <p:tgtEl>
+                                          <p:spTgt spid="3">
+                                            <p:txEl>
+                                              <p:pRg st="0" end="0"/>
+                                            </p:txEl>
+                                          </p:spTgt>
+                                        </p:tgtEl>
+                                        <p:attrNameLst>
+                                          <p:attrName>style.visibility</p:attrName>
+                                        </p:attrNameLst>
+                                      </p:cBhvr>
+                                      <p:to>
+                                        <p:strVal val="visible"/>
+                                      </p:to>
+                                    </p:set>
+                                  </p:childTnLst>
+                                </p:cTn>
+                              </p:par>
+                              <p:par>
+                                <p:cTn id="11" presetID="1" presetClass="entr" presetSubtype="0" fill="hold" grpId="0" nodeType="withEffect">
+                                  <p:stCondLst>
+                                    <p:cond delay="0"/>
+                                  </p:stCondLst>
+                                  <p:childTnLst>
+                                    <p:set>
+                                      <p:cBhvr>
+                                        <p:cTn id="12" dur="1" fill="hold">
+                                          <p:stCondLst>
+                                            <p:cond delay="0"/>
+                                          </p:stCondLst>
+                                        </p:cTn>
+                                        <p:tgtEl>
+                                          <p:spTgt spid="3">
+                                            <p:txEl>
+                                              <p:pRg st="2" end="2"/>
                                             </p:txEl>
                                           </p:spTgt>
                                         </p:tgtEl>
@@ -5088,117 +6649,6 @@
                       </p:childTnLst>
                     </p:cTn>
                   </p:par>
-                  <p:par>
-                    <p:cTn id="19" fill="hold">
-                      <p:stCondLst>
-                        <p:cond delay="indefinite"/>
-                      </p:stCondLst>
-                      <p:childTnLst>
-                        <p:par>
-                          <p:cTn id="20" fill="hold">
-                            <p:stCondLst>
-                              <p:cond delay="0"/>
-                            </p:stCondLst>
-                            <p:childTnLst>
-                              <p:par>
-                                <p:cTn id="21" presetID="1" presetClass="entr" presetSubtype="0" fill="hold" grpId="0" nodeType="clickEffect">
-                                  <p:stCondLst>
-                                    <p:cond delay="0"/>
-                                  </p:stCondLst>
-                                  <p:childTnLst>
-                                    <p:set>
-                                      <p:cBhvr>
-                                        <p:cTn id="22" dur="1" fill="hold">
-                                          <p:stCondLst>
-                                            <p:cond delay="0"/>
-                                          </p:stCondLst>
-                                        </p:cTn>
-                                        <p:tgtEl>
-                                          <p:spTgt spid="3">
-                                            <p:txEl>
-                                              <p:pRg st="7" end="7"/>
-                                            </p:txEl>
-                                          </p:spTgt>
-                                        </p:tgtEl>
-                                        <p:attrNameLst>
-                                          <p:attrName>style.visibility</p:attrName>
-                                        </p:attrNameLst>
-                                      </p:cBhvr>
-                                      <p:to>
-                                        <p:strVal val="visible"/>
-                                      </p:to>
-                                    </p:set>
-                                  </p:childTnLst>
-                                </p:cTn>
-                              </p:par>
-                              <p:par>
-                                <p:cTn id="23" presetID="1" presetClass="entr" presetSubtype="0" fill="hold" grpId="0" nodeType="withEffect">
-                                  <p:stCondLst>
-                                    <p:cond delay="0"/>
-                                  </p:stCondLst>
-                                  <p:childTnLst>
-                                    <p:set>
-                                      <p:cBhvr>
-                                        <p:cTn id="24" dur="1" fill="hold">
-                                          <p:stCondLst>
-                                            <p:cond delay="0"/>
-                                          </p:stCondLst>
-                                        </p:cTn>
-                                        <p:tgtEl>
-                                          <p:spTgt spid="3">
-                                            <p:txEl>
-                                              <p:pRg st="8" end="8"/>
-                                            </p:txEl>
-                                          </p:spTgt>
-                                        </p:tgtEl>
-                                        <p:attrNameLst>
-                                          <p:attrName>style.visibility</p:attrName>
-                                        </p:attrNameLst>
-                                      </p:cBhvr>
-                                      <p:to>
-                                        <p:strVal val="visible"/>
-                                      </p:to>
-                                    </p:set>
-                                  </p:childTnLst>
-                                </p:cTn>
-                              </p:par>
-                              <p:par>
-                                <p:cTn id="25" presetID="1" presetClass="entr" presetSubtype="0" fill="hold" grpId="0" nodeType="withEffect">
-                                  <p:stCondLst>
-                                    <p:cond delay="0"/>
-                                  </p:stCondLst>
-                                  <p:childTnLst>
-                                    <p:set>
-                                      <p:cBhvr>
-                                        <p:cTn id="26" dur="1" fill="hold">
-                                          <p:stCondLst>
-                                            <p:cond delay="0"/>
-                                          </p:stCondLst>
-                                        </p:cTn>
-                                        <p:tgtEl>
-                                          <p:spTgt spid="3">
-                                            <p:txEl>
-                                              <p:pRg st="9" end="9"/>
-                                            </p:txEl>
-                                          </p:spTgt>
-                                        </p:tgtEl>
-                                        <p:attrNameLst>
-                                          <p:attrName>style.visibility</p:attrName>
-                                        </p:attrNameLst>
-                                      </p:cBhvr>
-                                      <p:to>
-                                        <p:strVal val="visible"/>
-                                      </p:to>
-                                    </p:set>
-                                  </p:childTnLst>
-                                </p:cTn>
-                              </p:par>
-                            </p:childTnLst>
-                          </p:cTn>
-                        </p:par>
-                      </p:childTnLst>
-                    </p:cTn>
-                  </p:par>
                 </p:childTnLst>
               </p:cTn>
               <p:prevCondLst>
@@ -5221,13 +6671,14 @@
       </p:par>
     </p:tnLst>
     <p:bldLst>
+      <p:bldP spid="2" grpId="0"/>
       <p:bldP spid="3" grpId="0" build="p"/>
     </p:bldLst>
   </p:timing>
 </p:sld>
 </file>
 
-<file path=ppt/slides/slide5.xml><?xml version="1.0" encoding="utf-8"?>
+<file path=ppt/slides/slide8.xml><?xml version="1.0" encoding="utf-8"?>
 <p:sld xmlns:a="http://schemas.openxmlformats.org/drawingml/2006/main" xmlns:r="http://schemas.openxmlformats.org/officeDocument/2006/relationships" xmlns:p="http://schemas.openxmlformats.org/presentationml/2006/main">
   <p:cSld>
     <p:spTree>
@@ -5267,36 +6718,40 @@
           <a:p>
             <a:r>
               <a:rPr lang="es-EC" dirty="0"/>
-              <a:t>Perfiles</a:t>
-            </a:r>
-          </a:p>
-        </p:txBody>
-      </p:sp>
-      <p:sp>
-        <p:nvSpPr>
-          <p:cNvPr id="3" name="Marcador de contenido 2">
-            <a:extLst>
-              <a:ext uri="{FF2B5EF4-FFF2-40B4-BE49-F238E27FC236}">
-                <a16:creationId xmlns:a16="http://schemas.microsoft.com/office/drawing/2014/main" id="{6A8A39D7-CCBD-9E9A-6F4F-8691CFBF0822}"/>
-              </a:ext>
-            </a:extLst>
-          </p:cNvPr>
-          <p:cNvSpPr>
-            <a:spLocks noGrp="1"/>
-          </p:cNvSpPr>
+              <a:t>Perfil de Egreso (Competencias)</a:t>
+            </a:r>
+          </a:p>
+        </p:txBody>
+      </p:sp>
+      <p:pic>
+        <p:nvPicPr>
+          <p:cNvPr id="8" name="Marcador de contenido 7">
+            <a:extLst>
+              <a:ext uri="{FF2B5EF4-FFF2-40B4-BE49-F238E27FC236}">
+                <a16:creationId xmlns:a16="http://schemas.microsoft.com/office/drawing/2014/main" id="{31FA5815-5A35-414D-BBAF-2D7B2FC684BE}"/>
+              </a:ext>
+            </a:extLst>
+          </p:cNvPr>
+          <p:cNvPicPr>
+            <a:picLocks noGrp="1" noChangeAspect="1"/>
+          </p:cNvPicPr>
           <p:nvPr>
             <p:ph idx="1"/>
           </p:nvPr>
-        </p:nvSpPr>
-        <p:spPr/>
-        <p:txBody>
-          <a:bodyPr/>
-          <a:lstStyle/>
-          <a:p>
-            <a:endParaRPr lang="es-EC" dirty="0"/>
-          </a:p>
-        </p:txBody>
-      </p:sp>
+        </p:nvPicPr>
+        <p:blipFill>
+          <a:blip r:embed="rId2"/>
+          <a:stretch>
+            <a:fillRect/>
+          </a:stretch>
+        </p:blipFill>
+        <p:spPr>
+          <a:xfrm>
+            <a:off x="432073" y="1541397"/>
+            <a:ext cx="11327854" cy="4507167"/>
+          </a:xfrm>
+        </p:spPr>
+      </p:pic>
     </p:spTree>
     <p:extLst>
       <p:ext uri="{BB962C8B-B14F-4D97-AF65-F5344CB8AC3E}">
@@ -5310,7 +6765,7 @@
 </p:sld>
 </file>
 
-<file path=ppt/slides/slide6.xml><?xml version="1.0" encoding="utf-8"?>
+<file path=ppt/slides/slide9.xml><?xml version="1.0" encoding="utf-8"?>
 <p:sld xmlns:a="http://schemas.openxmlformats.org/drawingml/2006/main" xmlns:r="http://schemas.openxmlformats.org/officeDocument/2006/relationships" xmlns:p="http://schemas.openxmlformats.org/presentationml/2006/main">
   <p:cSld>
     <p:spTree>
@@ -5332,7 +6787,7 @@
           <p:cNvPr id="2" name="Título 1">
             <a:extLst>
               <a:ext uri="{FF2B5EF4-FFF2-40B4-BE49-F238E27FC236}">
-                <a16:creationId xmlns:a16="http://schemas.microsoft.com/office/drawing/2014/main" id="{6A6926A6-8B66-05B3-E08C-FB011589E149}"/>
+                <a16:creationId xmlns:a16="http://schemas.microsoft.com/office/drawing/2014/main" id="{68B223B2-51A2-0024-F4AB-D681A56FFE9F}"/>
               </a:ext>
             </a:extLst>
           </p:cNvPr>
@@ -5350,247 +6805,44 @@
           <a:p>
             <a:r>
               <a:rPr lang="es-EC" dirty="0"/>
-              <a:t>Referencias</a:t>
-            </a:r>
-          </a:p>
-        </p:txBody>
-      </p:sp>
-      <p:sp>
-        <p:nvSpPr>
-          <p:cNvPr id="3" name="Marcador de contenido 2">
-            <a:extLst>
-              <a:ext uri="{FF2B5EF4-FFF2-40B4-BE49-F238E27FC236}">
-                <a16:creationId xmlns:a16="http://schemas.microsoft.com/office/drawing/2014/main" id="{0B0B3DD6-8B0D-AEFB-F2E9-61949012AEA3}"/>
-              </a:ext>
-            </a:extLst>
-          </p:cNvPr>
-          <p:cNvSpPr>
-            <a:spLocks noGrp="1"/>
-          </p:cNvSpPr>
+              <a:t>Perfil de Egreso (Competencias)</a:t>
+            </a:r>
+          </a:p>
+        </p:txBody>
+      </p:sp>
+      <p:pic>
+        <p:nvPicPr>
+          <p:cNvPr id="5" name="Marcador de contenido 4">
+            <a:extLst>
+              <a:ext uri="{FF2B5EF4-FFF2-40B4-BE49-F238E27FC236}">
+                <a16:creationId xmlns:a16="http://schemas.microsoft.com/office/drawing/2014/main" id="{428A444C-FA84-D08E-25A3-2194DD77C906}"/>
+              </a:ext>
+            </a:extLst>
+          </p:cNvPr>
+          <p:cNvPicPr>
+            <a:picLocks noGrp="1" noChangeAspect="1"/>
+          </p:cNvPicPr>
           <p:nvPr>
             <p:ph idx="1"/>
           </p:nvPr>
-        </p:nvSpPr>
-        <p:spPr/>
-        <p:txBody>
-          <a:bodyPr>
-            <a:normAutofit fontScale="62500" lnSpcReduction="20000"/>
-          </a:bodyPr>
-          <a:lstStyle/>
-          <a:p>
-            <a:r>
-              <a:rPr lang="es-ES" dirty="0"/>
-              <a:t>Planificación, S. N. (2024). Plan de Desarrollo para el Nuevo Ecuador. Quito.</a:t>
-            </a:r>
-          </a:p>
-          <a:p>
-            <a:r>
-              <a:rPr lang="es-ES" dirty="0"/>
-              <a:t>ONU, N. U. (13 de Abril de 2024). Objetivos y metas de desarrollo sostenible. Obtenido de Objetivos y metas de desarrollo sostenible - Desarrollo Sostenible.: https://www.un.org/sustainabledevelopment/es/objetivos-de-desarrollo-sostenible/</a:t>
-            </a:r>
-            <a:endParaRPr lang="en-US" dirty="0"/>
-          </a:p>
-          <a:p>
-            <a:r>
-              <a:rPr lang="en-US" dirty="0"/>
-              <a:t>ACM Data Science Task Force. 2021. Computing competencies for undergraduate data science curricula. Association for Computing Machinery, New York, NY, USA.</a:t>
-            </a:r>
-            <a:endParaRPr lang="es-EC" dirty="0"/>
-          </a:p>
-          <a:p>
-            <a:r>
-              <a:rPr lang="es-EC" dirty="0" err="1"/>
-              <a:t>Amruth</a:t>
-            </a:r>
-            <a:r>
-              <a:rPr lang="es-EC" dirty="0"/>
-              <a:t> N. Kumar, Rajendra K. Raj, Sherif G. </a:t>
-            </a:r>
-            <a:r>
-              <a:rPr lang="es-EC" dirty="0" err="1"/>
-              <a:t>Aly</a:t>
-            </a:r>
-            <a:r>
-              <a:rPr lang="es-EC" dirty="0"/>
-              <a:t>, </a:t>
-            </a:r>
-            <a:r>
-              <a:rPr lang="es-EC" dirty="0" err="1"/>
-              <a:t>Monica</a:t>
-            </a:r>
-            <a:r>
-              <a:rPr lang="es-EC" dirty="0"/>
-              <a:t> D. Anderson, Brett A. Becker, Richard L. Blumenthal, Eric Eaton, Susan L. Epstein, Michael </a:t>
-            </a:r>
-            <a:r>
-              <a:rPr lang="es-EC" dirty="0" err="1"/>
-              <a:t>Goldweber</a:t>
-            </a:r>
-            <a:r>
-              <a:rPr lang="es-EC" dirty="0"/>
-              <a:t>, Pankaj </a:t>
-            </a:r>
-            <a:r>
-              <a:rPr lang="es-EC" dirty="0" err="1"/>
-              <a:t>Jalote</a:t>
-            </a:r>
-            <a:r>
-              <a:rPr lang="es-EC" dirty="0"/>
-              <a:t>, Douglas Lea, Michael </a:t>
-            </a:r>
-            <a:r>
-              <a:rPr lang="es-EC" dirty="0" err="1"/>
-              <a:t>Oudshoorn</a:t>
-            </a:r>
-            <a:r>
-              <a:rPr lang="es-EC" dirty="0"/>
-              <a:t>, Marcelo </a:t>
-            </a:r>
-            <a:r>
-              <a:rPr lang="es-EC" dirty="0" err="1"/>
-              <a:t>Pias</a:t>
-            </a:r>
-            <a:r>
-              <a:rPr lang="es-EC" dirty="0"/>
-              <a:t>, Susan </a:t>
-            </a:r>
-            <a:r>
-              <a:rPr lang="es-EC" dirty="0" err="1"/>
-              <a:t>Reiser</a:t>
-            </a:r>
-            <a:r>
-              <a:rPr lang="es-EC" dirty="0"/>
-              <a:t>, Christian </a:t>
-            </a:r>
-            <a:r>
-              <a:rPr lang="es-EC" dirty="0" err="1"/>
-              <a:t>Servin</a:t>
-            </a:r>
-            <a:r>
-              <a:rPr lang="es-EC" dirty="0"/>
-              <a:t>, </a:t>
-            </a:r>
-            <a:r>
-              <a:rPr lang="es-EC" dirty="0" err="1"/>
-              <a:t>Rahul</a:t>
-            </a:r>
-            <a:r>
-              <a:rPr lang="es-EC" dirty="0"/>
-              <a:t> </a:t>
-            </a:r>
-            <a:r>
-              <a:rPr lang="es-EC" dirty="0" err="1"/>
-              <a:t>Simha</a:t>
-            </a:r>
-            <a:r>
-              <a:rPr lang="es-EC" dirty="0"/>
-              <a:t>, </a:t>
-            </a:r>
-            <a:r>
-              <a:rPr lang="es-EC" dirty="0" err="1"/>
-              <a:t>Titus</a:t>
-            </a:r>
-            <a:r>
-              <a:rPr lang="es-EC" dirty="0"/>
-              <a:t> </a:t>
-            </a:r>
-            <a:r>
-              <a:rPr lang="es-EC" dirty="0" err="1"/>
-              <a:t>Winters</a:t>
-            </a:r>
-            <a:r>
-              <a:rPr lang="es-EC" dirty="0"/>
-              <a:t>, and </a:t>
-            </a:r>
-            <a:r>
-              <a:rPr lang="es-EC" dirty="0" err="1"/>
-              <a:t>Qiao</a:t>
-            </a:r>
-            <a:r>
-              <a:rPr lang="es-EC" dirty="0"/>
-              <a:t> </a:t>
-            </a:r>
-            <a:r>
-              <a:rPr lang="es-EC" dirty="0" err="1"/>
-              <a:t>Xiang</a:t>
-            </a:r>
-            <a:r>
-              <a:rPr lang="es-EC" dirty="0"/>
-              <a:t>. 2024. Computer Science </a:t>
-            </a:r>
-            <a:r>
-              <a:rPr lang="es-EC" dirty="0" err="1"/>
-              <a:t>Curricula</a:t>
-            </a:r>
-            <a:r>
-              <a:rPr lang="es-EC" dirty="0"/>
-              <a:t> 2023. </a:t>
-            </a:r>
-            <a:r>
-              <a:rPr lang="es-EC" dirty="0" err="1"/>
-              <a:t>Association</a:t>
-            </a:r>
-            <a:r>
-              <a:rPr lang="es-EC" dirty="0"/>
-              <a:t> </a:t>
-            </a:r>
-            <a:r>
-              <a:rPr lang="es-EC" dirty="0" err="1"/>
-              <a:t>for</a:t>
-            </a:r>
-            <a:r>
-              <a:rPr lang="es-EC" dirty="0"/>
-              <a:t> Computing </a:t>
-            </a:r>
-            <a:r>
-              <a:rPr lang="es-EC" dirty="0" err="1"/>
-              <a:t>Machinery</a:t>
-            </a:r>
-            <a:r>
-              <a:rPr lang="es-EC" dirty="0"/>
-              <a:t>, New York, NY, USA.</a:t>
-            </a:r>
-          </a:p>
-          <a:p>
-            <a:r>
-              <a:rPr lang="en-US" dirty="0"/>
-              <a:t>World Economic Forum (2025). The Future of Jobs Report 2025. </a:t>
-            </a:r>
-            <a:r>
-              <a:rPr lang="en-US" dirty="0" err="1"/>
-              <a:t>Obtenido</a:t>
-            </a:r>
-            <a:r>
-              <a:rPr lang="en-US" dirty="0"/>
-              <a:t> de The Future of Jobs Report 2025: </a:t>
-            </a:r>
-            <a:r>
-              <a:rPr lang="en-US" dirty="0">
-                <a:hlinkClick r:id="rId2"/>
-              </a:rPr>
-              <a:t>https://reports.weforum.org/docs/WEF_Future_of_Jobs_Report_2025.pdf</a:t>
-            </a:r>
-            <a:endParaRPr lang="en-US" dirty="0"/>
-          </a:p>
-          <a:p>
-            <a:r>
-              <a:rPr lang="en-US" dirty="0"/>
-              <a:t>Cui, Z. a. (2025). The Effects of Generative AI on High-Skilled Work: Evidence from Three Field Experiments with Software Developers</a:t>
-            </a:r>
-          </a:p>
-          <a:p>
-            <a:r>
-              <a:rPr lang="en-US" dirty="0"/>
-              <a:t>Song, F., Agarwal, A., &amp; Wen, W. (2024). The Impact of Generative AI on Collaborative Open-Source Software Development: Evidence from GitHub Copilot.</a:t>
-            </a:r>
-            <a:endParaRPr lang="es-EC" dirty="0"/>
-          </a:p>
-        </p:txBody>
-      </p:sp>
+        </p:nvPicPr>
+        <p:blipFill>
+          <a:blip r:embed="rId2"/>
+          <a:stretch>
+            <a:fillRect/>
+          </a:stretch>
+        </p:blipFill>
+        <p:spPr>
+          <a:xfrm>
+            <a:off x="164824" y="1837589"/>
+            <a:ext cx="11862351" cy="4221565"/>
+          </a:xfrm>
+        </p:spPr>
+      </p:pic>
     </p:spTree>
     <p:extLst>
       <p:ext uri="{BB962C8B-B14F-4D97-AF65-F5344CB8AC3E}">
-        <p14:creationId xmlns:p14="http://schemas.microsoft.com/office/powerpoint/2010/main" val="76606081"/>
+        <p14:creationId xmlns:p14="http://schemas.microsoft.com/office/powerpoint/2010/main" val="580284884"/>
       </p:ext>
     </p:extLst>
   </p:cSld>
